--- a/reports/2016/SAB/swift-miccom.pptx
+++ b/reports/2016/SAB/swift-miccom.pptx
@@ -193,7 +193,7 @@
             <a:fld id="{6DB5BE4C-DE2E-524E-B244-9274EEA7A61C}" type="datetimeFigureOut">
               <a:rPr lang="en-US" smtClean="0"/>
               <a:pPr/>
-              <a:t>2/20/2013</a:t>
+              <a:t>10/17/2016</a:t>
             </a:fld>
             <a:endParaRPr lang="en-US"/>
           </a:p>
@@ -733,7 +733,7 @@
             <a:fld id="{9A00FA51-1785-FA41-96ED-D701FDE160E6}" type="datetimeFigureOut">
               <a:rPr lang="en-US" smtClean="0"/>
               <a:pPr/>
-              <a:t>2/20/2013</a:t>
+              <a:t>10/17/2016</a:t>
             </a:fld>
             <a:endParaRPr lang="en-US"/>
           </a:p>
@@ -900,7 +900,7 @@
             <a:fld id="{9A00FA51-1785-FA41-96ED-D701FDE160E6}" type="datetimeFigureOut">
               <a:rPr lang="en-US" smtClean="0"/>
               <a:pPr/>
-              <a:t>2/20/2013</a:t>
+              <a:t>10/17/2016</a:t>
             </a:fld>
             <a:endParaRPr lang="en-US"/>
           </a:p>
@@ -1077,7 +1077,7 @@
             <a:fld id="{9A00FA51-1785-FA41-96ED-D701FDE160E6}" type="datetimeFigureOut">
               <a:rPr lang="en-US" smtClean="0"/>
               <a:pPr/>
-              <a:t>2/20/2013</a:t>
+              <a:t>10/17/2016</a:t>
             </a:fld>
             <a:endParaRPr lang="en-US"/>
           </a:p>
@@ -1244,7 +1244,7 @@
             <a:fld id="{9A00FA51-1785-FA41-96ED-D701FDE160E6}" type="datetimeFigureOut">
               <a:rPr lang="en-US" smtClean="0"/>
               <a:pPr/>
-              <a:t>2/20/2013</a:t>
+              <a:t>10/17/2016</a:t>
             </a:fld>
             <a:endParaRPr lang="en-US"/>
           </a:p>
@@ -1487,7 +1487,7 @@
             <a:fld id="{9A00FA51-1785-FA41-96ED-D701FDE160E6}" type="datetimeFigureOut">
               <a:rPr lang="en-US" smtClean="0"/>
               <a:pPr/>
-              <a:t>2/20/2013</a:t>
+              <a:t>10/17/2016</a:t>
             </a:fld>
             <a:endParaRPr lang="en-US"/>
           </a:p>
@@ -1772,7 +1772,7 @@
             <a:fld id="{9A00FA51-1785-FA41-96ED-D701FDE160E6}" type="datetimeFigureOut">
               <a:rPr lang="en-US" smtClean="0"/>
               <a:pPr/>
-              <a:t>2/20/2013</a:t>
+              <a:t>10/17/2016</a:t>
             </a:fld>
             <a:endParaRPr lang="en-US"/>
           </a:p>
@@ -2196,7 +2196,7 @@
             <a:fld id="{9A00FA51-1785-FA41-96ED-D701FDE160E6}" type="datetimeFigureOut">
               <a:rPr lang="en-US" smtClean="0"/>
               <a:pPr/>
-              <a:t>2/20/2013</a:t>
+              <a:t>10/17/2016</a:t>
             </a:fld>
             <a:endParaRPr lang="en-US"/>
           </a:p>
@@ -2311,7 +2311,7 @@
             <a:fld id="{9A00FA51-1785-FA41-96ED-D701FDE160E6}" type="datetimeFigureOut">
               <a:rPr lang="en-US" smtClean="0"/>
               <a:pPr/>
-              <a:t>2/20/2013</a:t>
+              <a:t>10/17/2016</a:t>
             </a:fld>
             <a:endParaRPr lang="en-US"/>
           </a:p>
@@ -2403,7 +2403,7 @@
             <a:fld id="{9A00FA51-1785-FA41-96ED-D701FDE160E6}" type="datetimeFigureOut">
               <a:rPr lang="en-US" smtClean="0"/>
               <a:pPr/>
-              <a:t>2/20/2013</a:t>
+              <a:t>10/17/2016</a:t>
             </a:fld>
             <a:endParaRPr lang="en-US"/>
           </a:p>
@@ -2677,7 +2677,7 @@
             <a:fld id="{9A00FA51-1785-FA41-96ED-D701FDE160E6}" type="datetimeFigureOut">
               <a:rPr lang="en-US" smtClean="0"/>
               <a:pPr/>
-              <a:t>2/20/2013</a:t>
+              <a:t>10/17/2016</a:t>
             </a:fld>
             <a:endParaRPr lang="en-US"/>
           </a:p>
@@ -2927,7 +2927,7 @@
             <a:fld id="{9A00FA51-1785-FA41-96ED-D701FDE160E6}" type="datetimeFigureOut">
               <a:rPr lang="en-US" smtClean="0"/>
               <a:pPr/>
-              <a:t>2/20/2013</a:t>
+              <a:t>10/17/2016</a:t>
             </a:fld>
             <a:endParaRPr lang="en-US"/>
           </a:p>
@@ -3137,7 +3137,7 @@
             <a:fld id="{9A00FA51-1785-FA41-96ED-D701FDE160E6}" type="datetimeFigureOut">
               <a:rPr lang="en-US" smtClean="0"/>
               <a:pPr/>
-              <a:t>2/20/2013</a:t>
+              <a:t>10/17/2016</a:t>
             </a:fld>
             <a:endParaRPr lang="en-US"/>
           </a:p>
@@ -3663,236 +3663,293 @@
               </a:spcBef>
             </a:pPr>
             <a:r>
-              <a:rPr lang="en-US" sz="9600" smtClean="0">
+              <a:rPr lang="en-US" sz="9600" b="1" dirty="0">
+                <a:solidFill>
+                  <a:schemeClr val="tx1">
+                    <a:lumMod val="85000"/>
+                    <a:lumOff val="15000"/>
+                  </a:schemeClr>
+                </a:solidFill>
+                <a:latin typeface="Arial Black" panose="020B0A04020102020204" pitchFamily="34" charset="0"/>
+              </a:rPr>
+              <a:t>High Performance Workflows for </a:t>
+            </a:r>
+            <a:r>
+              <a:rPr lang="en-US" sz="9600" b="1" dirty="0" smtClean="0">
+                <a:solidFill>
+                  <a:schemeClr val="tx1">
+                    <a:lumMod val="85000"/>
+                    <a:lumOff val="15000"/>
+                  </a:schemeClr>
+                </a:solidFill>
+                <a:latin typeface="Arial Black" panose="020B0A04020102020204" pitchFamily="34" charset="0"/>
+              </a:rPr>
+              <a:t/>
+            </a:r>
+            <a:br>
+              <a:rPr lang="en-US" sz="9600" b="1" dirty="0" smtClean="0">
+                <a:solidFill>
+                  <a:schemeClr val="tx1">
+                    <a:lumMod val="85000"/>
+                    <a:lumOff val="15000"/>
+                  </a:schemeClr>
+                </a:solidFill>
+                <a:latin typeface="Arial Black" panose="020B0A04020102020204" pitchFamily="34" charset="0"/>
+              </a:rPr>
+            </a:br>
+            <a:r>
+              <a:rPr lang="en-US" sz="9600" b="1" dirty="0" smtClean="0">
+                <a:solidFill>
+                  <a:schemeClr val="tx1">
+                    <a:lumMod val="85000"/>
+                    <a:lumOff val="15000"/>
+                  </a:schemeClr>
+                </a:solidFill>
+                <a:latin typeface="Arial Black" panose="020B0A04020102020204" pitchFamily="34" charset="0"/>
+              </a:rPr>
+              <a:t>Molecular </a:t>
+            </a:r>
+            <a:r>
+              <a:rPr lang="en-US" sz="9600" b="1" dirty="0">
+                <a:solidFill>
+                  <a:schemeClr val="tx1">
+                    <a:lumMod val="85000"/>
+                    <a:lumOff val="15000"/>
+                  </a:schemeClr>
+                </a:solidFill>
+                <a:latin typeface="Arial Black" panose="020B0A04020102020204" pitchFamily="34" charset="0"/>
+              </a:rPr>
+              <a:t>Dynamics Simulations</a:t>
+            </a:r>
+            <a:r>
+              <a:rPr lang="en-US" sz="5500" dirty="0" smtClean="0">
                 <a:solidFill>
                   <a:srgbClr val="1F497D"/>
                 </a:solidFill>
               </a:rPr>
-              <a:t>Swift/T: Scalable Dataflow Programming </a:t>
+              <a:t/>
             </a:r>
             <a:br>
-              <a:rPr lang="en-US" sz="9600" smtClean="0">
+              <a:rPr lang="en-US" sz="5500" dirty="0" smtClean="0">
                 <a:solidFill>
                   <a:srgbClr val="1F497D"/>
                 </a:solidFill>
               </a:rPr>
             </a:br>
             <a:r>
-              <a:rPr lang="en-US" sz="9600" smtClean="0">
+              <a:rPr lang="en-US" sz="4500" dirty="0" smtClean="0">
                 <a:solidFill>
                   <a:srgbClr val="1F497D"/>
                 </a:solidFill>
               </a:rPr>
-              <a:t>for Many-task Applications</a:t>
-            </a:r>
-            <a:r>
-              <a:rPr lang="en-US" sz="5500" smtClean="0">
+              <a:t>Justin M. </a:t>
+            </a:r>
+            <a:r>
+              <a:rPr lang="en-US" sz="4500" dirty="0" smtClean="0">
                 <a:solidFill>
                   <a:srgbClr val="1F497D"/>
                 </a:solidFill>
               </a:rPr>
-              <a:t/>
+              <a:t>Wozniak </a:t>
+            </a:r>
+            <a:r>
+              <a:rPr lang="en-US" sz="4500" dirty="0" smtClean="0">
+                <a:solidFill>
+                  <a:srgbClr val="1F497D"/>
+                </a:solidFill>
+              </a:rPr>
+              <a:t>&lt;wozniak@mcs.anl.gov</a:t>
+            </a:r>
+            <a:r>
+              <a:rPr lang="en-US" sz="4500" dirty="0" smtClean="0">
+                <a:solidFill>
+                  <a:srgbClr val="1F497D"/>
+                </a:solidFill>
+              </a:rPr>
+              <a:t>&gt;,</a:t>
+            </a:r>
+            <a:r>
+              <a:rPr lang="en-US" sz="4500" baseline="30000" dirty="0" smtClean="0">
+                <a:solidFill>
+                  <a:srgbClr val="1F497D"/>
+                </a:solidFill>
+              </a:rPr>
+              <a:t>12</a:t>
+            </a:r>
+            <a:r>
+              <a:rPr lang="en-US" sz="4500" dirty="0" smtClean="0">
+                <a:solidFill>
+                  <a:srgbClr val="1F497D"/>
+                </a:solidFill>
+              </a:rPr>
+              <a:t> </a:t>
+            </a:r>
+            <a:r>
+              <a:rPr lang="en-US" sz="4500" dirty="0" smtClean="0">
+                <a:solidFill>
+                  <a:srgbClr val="1F497D"/>
+                </a:solidFill>
+              </a:rPr>
+              <a:t>Andreas Wilke</a:t>
+            </a:r>
+            <a:r>
+              <a:rPr lang="en-US" sz="4500" dirty="0" smtClean="0">
+                <a:solidFill>
+                  <a:srgbClr val="1F497D"/>
+                </a:solidFill>
+              </a:rPr>
+              <a:t>,</a:t>
+            </a:r>
+            <a:r>
+              <a:rPr lang="en-US" sz="4500" baseline="30000" dirty="0" smtClean="0">
+                <a:solidFill>
+                  <a:srgbClr val="1F497D"/>
+                </a:solidFill>
+              </a:rPr>
+              <a:t>1</a:t>
+            </a:r>
+            <a:r>
+              <a:rPr lang="en-US" sz="4500" dirty="0" smtClean="0">
+                <a:solidFill>
+                  <a:srgbClr val="1F497D"/>
+                </a:solidFill>
+              </a:rPr>
+              <a:t> Nicola Ferrier,</a:t>
+            </a:r>
+            <a:r>
+              <a:rPr lang="en-US" sz="4500" baseline="30000" dirty="0" smtClean="0">
+                <a:solidFill>
+                  <a:srgbClr val="1F497D"/>
+                </a:solidFill>
+              </a:rPr>
+              <a:t>12</a:t>
+            </a:r>
+            <a:endParaRPr lang="en-US" sz="4500" dirty="0" smtClean="0">
+              <a:solidFill>
+                <a:srgbClr val="1F497D"/>
+              </a:solidFill>
+            </a:endParaRPr>
+          </a:p>
+          <a:p>
+            <a:pPr marL="289548" indent="-285739" algn="ctr">
+              <a:lnSpc>
+                <a:spcPct val="90000"/>
+              </a:lnSpc>
+            </a:pPr>
+            <a:r>
+              <a:rPr lang="en-US" sz="4500" dirty="0" smtClean="0">
+                <a:solidFill>
+                  <a:srgbClr val="1F497D"/>
+                </a:solidFill>
+              </a:rPr>
+              <a:t>Daniel </a:t>
+            </a:r>
+            <a:r>
+              <a:rPr lang="en-US" sz="4500" dirty="0" smtClean="0">
+                <a:solidFill>
+                  <a:srgbClr val="1F497D"/>
+                </a:solidFill>
+              </a:rPr>
+              <a:t>Reid,</a:t>
+            </a:r>
+            <a:r>
+              <a:rPr lang="en-US" sz="4500" baseline="30000" dirty="0" smtClean="0">
+                <a:solidFill>
+                  <a:srgbClr val="1F497D"/>
+                </a:solidFill>
+              </a:rPr>
+              <a:t>2</a:t>
+            </a:r>
+            <a:r>
+              <a:rPr lang="en-US" sz="4500" dirty="0" smtClean="0">
+                <a:solidFill>
+                  <a:srgbClr val="1F497D"/>
+                </a:solidFill>
+              </a:rPr>
+              <a:t> </a:t>
+            </a:r>
+            <a:r>
+              <a:rPr lang="en-US" sz="4500" dirty="0" smtClean="0">
+                <a:solidFill>
+                  <a:srgbClr val="1F497D"/>
+                </a:solidFill>
+              </a:rPr>
+              <a:t>and </a:t>
+            </a:r>
+            <a:r>
+              <a:rPr lang="en-US" sz="4500" dirty="0" smtClean="0">
+                <a:solidFill>
+                  <a:srgbClr val="1F497D"/>
+                </a:solidFill>
+              </a:rPr>
+              <a:t>Sidney Nagel</a:t>
+            </a:r>
+            <a:r>
+              <a:rPr lang="en-US" sz="4500" baseline="30000" dirty="0" smtClean="0">
+                <a:solidFill>
+                  <a:srgbClr val="1F497D"/>
+                </a:solidFill>
+              </a:rPr>
+              <a:t>2</a:t>
+            </a:r>
+            <a:endParaRPr lang="en-US" sz="4500" dirty="0" smtClean="0">
+              <a:solidFill>
+                <a:srgbClr val="1F497D"/>
+              </a:solidFill>
+            </a:endParaRPr>
+          </a:p>
+          <a:p>
+            <a:pPr marL="289548" indent="-285739" algn="ctr">
+              <a:lnSpc>
+                <a:spcPct val="90000"/>
+              </a:lnSpc>
+            </a:pPr>
+            <a:r>
+              <a:rPr lang="en-US" sz="4500" dirty="0" smtClean="0">
+                <a:solidFill>
+                  <a:srgbClr val="1F497D"/>
+                </a:solidFill>
+              </a:rPr>
+              <a:t>1: Argonne National Laboratory 2: </a:t>
+            </a:r>
+            <a:r>
+              <a:rPr lang="en-US" sz="4500" dirty="0" smtClean="0">
+                <a:solidFill>
+                  <a:srgbClr val="1F497D"/>
+                </a:solidFill>
+              </a:rPr>
+              <a:t>University </a:t>
+            </a:r>
+            <a:r>
+              <a:rPr lang="en-US" sz="4500" dirty="0" smtClean="0">
+                <a:solidFill>
+                  <a:srgbClr val="1F497D"/>
+                </a:solidFill>
+              </a:rPr>
+              <a:t>of Chicago</a:t>
             </a:r>
             <a:br>
-              <a:rPr lang="en-US" sz="5500" smtClean="0">
+              <a:rPr lang="en-US" sz="4500" dirty="0" smtClean="0">
                 <a:solidFill>
                   <a:srgbClr val="1F497D"/>
                 </a:solidFill>
               </a:rPr>
             </a:br>
             <a:r>
-              <a:rPr lang="en-US" sz="4500" smtClean="0">
+              <a:rPr lang="en-US" sz="6000" b="1" dirty="0">
                 <a:solidFill>
                   <a:srgbClr val="1F497D"/>
                 </a:solidFill>
               </a:rPr>
-              <a:t>Justin </a:t>
-            </a:r>
-            <a:r>
-              <a:rPr lang="en-US" sz="4500" smtClean="0">
+              <a:t>http</a:t>
+            </a:r>
+            <a:r>
+              <a:rPr lang="en-US" sz="6000" b="1" dirty="0" smtClean="0">
                 <a:solidFill>
                   <a:srgbClr val="1F497D"/>
                 </a:solidFill>
               </a:rPr>
-              <a:t>M. </a:t>
-            </a:r>
-            <a:r>
-              <a:rPr lang="en-US" sz="4500" smtClean="0">
-                <a:solidFill>
-                  <a:srgbClr val="1F497D"/>
-                </a:solidFill>
-              </a:rPr>
-              <a:t>Wozniak</a:t>
-            </a:r>
-            <a:r>
-              <a:rPr lang="en-US" sz="4500" baseline="30000" smtClean="0">
-                <a:solidFill>
-                  <a:srgbClr val="1F497D"/>
-                </a:solidFill>
-              </a:rPr>
-              <a:t>12</a:t>
-            </a:r>
-            <a:r>
-              <a:rPr lang="en-US" sz="4500" smtClean="0">
-                <a:solidFill>
-                  <a:srgbClr val="1F497D"/>
-                </a:solidFill>
-              </a:rPr>
-              <a:t> &lt;wozniak@mcs.anl.gov&gt;, Timothy G. Armstrong</a:t>
-            </a:r>
-            <a:r>
-              <a:rPr lang="en-US" sz="4500" baseline="30000">
-                <a:solidFill>
-                  <a:srgbClr val="1F497D"/>
-                </a:solidFill>
-              </a:rPr>
-              <a:t>2</a:t>
-            </a:r>
-            <a:r>
-              <a:rPr lang="en-US" sz="4500" smtClean="0">
-                <a:solidFill>
-                  <a:srgbClr val="1F497D"/>
-                </a:solidFill>
-              </a:rPr>
-              <a:t>, Michael Wilde</a:t>
-            </a:r>
-            <a:r>
-              <a:rPr lang="en-US" sz="4500" baseline="30000">
-                <a:solidFill>
-                  <a:srgbClr val="1F497D"/>
-                </a:solidFill>
-              </a:rPr>
-              <a:t>12</a:t>
-            </a:r>
-            <a:r>
-              <a:rPr lang="en-US" sz="4500" smtClean="0">
-                <a:solidFill>
-                  <a:srgbClr val="1F497D"/>
-                </a:solidFill>
-              </a:rPr>
-              <a:t>,</a:t>
-            </a:r>
-          </a:p>
-          <a:p>
-            <a:pPr marL="289548" indent="-285739" algn="ctr">
-              <a:lnSpc>
-                <a:spcPct val="90000"/>
-              </a:lnSpc>
-            </a:pPr>
-            <a:r>
-              <a:rPr lang="en-US" sz="4500" smtClean="0">
-                <a:solidFill>
-                  <a:srgbClr val="1F497D"/>
-                </a:solidFill>
-              </a:rPr>
-              <a:t>Daniel S. </a:t>
-            </a:r>
-            <a:r>
-              <a:rPr lang="en-US" sz="4500" smtClean="0">
-                <a:solidFill>
-                  <a:srgbClr val="1F497D"/>
-                </a:solidFill>
-              </a:rPr>
-              <a:t>Katz</a:t>
-            </a:r>
-            <a:r>
-              <a:rPr lang="en-US" sz="4500" baseline="30000" smtClean="0">
-                <a:solidFill>
-                  <a:srgbClr val="1F497D"/>
-                </a:solidFill>
-              </a:rPr>
-              <a:t>12</a:t>
-            </a:r>
-            <a:r>
-              <a:rPr lang="en-US" sz="4500" smtClean="0">
-                <a:solidFill>
-                  <a:srgbClr val="1F497D"/>
-                </a:solidFill>
-              </a:rPr>
-              <a:t>, </a:t>
-            </a:r>
-            <a:r>
-              <a:rPr lang="en-US" sz="4500" smtClean="0">
-                <a:solidFill>
-                  <a:srgbClr val="1F497D"/>
-                </a:solidFill>
-              </a:rPr>
-              <a:t>Ewing Lusk</a:t>
-            </a:r>
-            <a:r>
-              <a:rPr lang="en-US" sz="4500" baseline="30000">
-                <a:solidFill>
-                  <a:srgbClr val="1F497D"/>
-                </a:solidFill>
-              </a:rPr>
-              <a:t>12</a:t>
-            </a:r>
-            <a:r>
-              <a:rPr lang="en-US" sz="4500" smtClean="0">
-                <a:solidFill>
-                  <a:srgbClr val="1F497D"/>
-                </a:solidFill>
-              </a:rPr>
-              <a:t>, and Ian T. Foster</a:t>
-            </a:r>
-            <a:r>
-              <a:rPr lang="en-US" sz="4500" baseline="30000">
-                <a:solidFill>
-                  <a:srgbClr val="1F497D"/>
-                </a:solidFill>
-              </a:rPr>
-              <a:t>12</a:t>
-            </a:r>
-            <a:endParaRPr lang="en-US" sz="4500" smtClean="0">
-              <a:solidFill>
-                <a:srgbClr val="1F497D"/>
-              </a:solidFill>
-            </a:endParaRPr>
-          </a:p>
-          <a:p>
-            <a:pPr marL="289548" indent="-285739" algn="ctr">
-              <a:lnSpc>
-                <a:spcPct val="90000"/>
-              </a:lnSpc>
-            </a:pPr>
-            <a:r>
-              <a:rPr lang="en-US" sz="4500" smtClean="0">
-                <a:solidFill>
-                  <a:srgbClr val="1F497D"/>
-                </a:solidFill>
-              </a:rPr>
-              <a:t>1: Argonne National Laboratory 2: University of </a:t>
-            </a:r>
-            <a:r>
-              <a:rPr lang="en-US" sz="4500" smtClean="0">
-                <a:solidFill>
-                  <a:srgbClr val="1F497D"/>
-                </a:solidFill>
-              </a:rPr>
-              <a:t>Chicago</a:t>
-            </a:r>
-            <a:r>
-              <a:rPr lang="en-US" sz="4500" smtClean="0">
-                <a:solidFill>
-                  <a:srgbClr val="1F497D"/>
-                </a:solidFill>
-              </a:rPr>
-              <a:t/>
-            </a:r>
-            <a:br>
-              <a:rPr lang="en-US" sz="4500" smtClean="0">
-                <a:solidFill>
-                  <a:srgbClr val="1F497D"/>
-                </a:solidFill>
-              </a:rPr>
-            </a:br>
-            <a:r>
-              <a:rPr lang="en-US" sz="6000" b="1">
-                <a:solidFill>
-                  <a:srgbClr val="1F497D"/>
-                </a:solidFill>
-              </a:rPr>
-              <a:t>http://exm.xstack.org</a:t>
+              <a:t>://swift-lang.org</a:t>
             </a:r>
             <a:endParaRPr lang="en-US" sz="5500" dirty="0">
               <a:solidFill>
@@ -3910,8 +3967,8 @@
         </p:nvSpPr>
         <p:spPr>
           <a:xfrm>
-            <a:off x="746760" y="35237063"/>
-            <a:ext cx="26162000" cy="1138769"/>
+            <a:off x="773276" y="35433000"/>
+            <a:ext cx="26162000" cy="692493"/>
           </a:xfrm>
           <a:prstGeom prst="rect">
             <a:avLst/>
@@ -3926,77 +3983,18 @@
           <a:p>
             <a:pPr algn="ctr"/>
             <a:r>
-              <a:rPr lang="en-US" sz="2300"/>
-              <a:t>This research is supported by the U.S. DOE </a:t>
-            </a:r>
-            <a:r>
-              <a:rPr lang="en-US" sz="2300" smtClean="0"/>
-              <a:t>Office of </a:t>
-            </a:r>
-            <a:r>
-              <a:rPr lang="en-US" sz="2300"/>
-              <a:t>Science under contract DE-AC02-06CH11357, FWP-57810.  </a:t>
-            </a:r>
-            <a:r>
-              <a:rPr lang="en-US" sz="2300" smtClean="0"/>
-              <a:t>Computing resources </a:t>
-            </a:r>
-            <a:r>
-              <a:rPr lang="en-US" sz="2300"/>
-              <a:t>were provided by the Argonne Leadership Computing Facility.</a:t>
-            </a:r>
-            <a:br>
-              <a:rPr lang="en-US" sz="2300"/>
-            </a:br>
-            <a:r>
-              <a:rPr lang="en-US" sz="2300"/>
-              <a:t>Some work by DSK was supported by the National </a:t>
-            </a:r>
-            <a:r>
-              <a:rPr lang="en-US" sz="2300" smtClean="0"/>
-              <a:t>Science Foundation</a:t>
-            </a:r>
-            <a:r>
-              <a:rPr lang="en-US" sz="2300"/>
-              <a:t>, while working at the Foundation.  Any opinion, </a:t>
-            </a:r>
-            <a:r>
-              <a:rPr lang="en-US" sz="2300" smtClean="0"/>
-              <a:t>finding, and </a:t>
-            </a:r>
-            <a:r>
-              <a:rPr lang="en-US" sz="2300"/>
-              <a:t>conclusions or recommendations expressed </a:t>
-            </a:r>
-            <a:r>
-              <a:rPr lang="en-US" sz="2300" smtClean="0"/>
-              <a:t>in </a:t>
-            </a:r>
-            <a:r>
-              <a:rPr lang="en-US" sz="2300"/>
-              <a:t>this material </a:t>
-            </a:r>
-            <a:endParaRPr lang="en-US" sz="2300" smtClean="0"/>
-          </a:p>
-          <a:p>
-            <a:pPr algn="ctr"/>
-            <a:r>
-              <a:rPr lang="en-US" sz="2300" smtClean="0"/>
-              <a:t>are those of </a:t>
-            </a:r>
-            <a:r>
-              <a:rPr lang="en-US" sz="2300"/>
-              <a:t>the authors and do not necessarily reflect the views of </a:t>
-            </a:r>
-            <a:r>
-              <a:rPr lang="en-US" sz="2300" smtClean="0"/>
-              <a:t>the National </a:t>
-            </a:r>
-            <a:r>
-              <a:rPr lang="en-US" sz="2300"/>
-              <a:t>Science Foundation.</a:t>
-            </a:r>
-            <a:endParaRPr lang="en-GB" sz="2300" dirty="0"/>
+              <a:rPr lang="en-US" sz="4000" dirty="0" smtClean="0"/>
+              <a:t>Midwest Center fo</a:t>
+            </a:r>
+            <a:r>
+              <a:rPr lang="en-US" sz="4000" dirty="0" smtClean="0"/>
+              <a:t>r Computational Materials (</a:t>
+            </a:r>
+            <a:r>
+              <a:rPr lang="en-US" sz="4000" dirty="0" smtClean="0"/>
+              <a:t>MICCoM) Scientific Advisory Board Meeting, October 18 &amp; 19, 2016</a:t>
+            </a:r>
+            <a:endParaRPr lang="en-GB" sz="4000" dirty="0"/>
           </a:p>
         </p:txBody>
       </p:sp>
@@ -4038,65 +4036,14 @@
           <a:bodyPr lIns="76197" tIns="38098" rIns="76197" bIns="38098" rtlCol="0" anchor="ctr"/>
           <a:lstStyle/>
           <a:p>
-            <a:pPr algn="ctr"/>
-            <a:r>
-              <a:rPr lang="en-US"/>
-              <a:t>Data dependencies and tasks resulting from complex, large scale scripts must </a:t>
-            </a:r>
-          </a:p>
-        </p:txBody>
-      </p:sp>
-      <p:sp>
-        <p:nvSpPr>
-          <p:cNvPr id="227" name="Rectangle 2"/>
-          <p:cNvSpPr txBox="1">
-            <a:spLocks noChangeArrowheads="1"/>
-          </p:cNvSpPr>
-          <p:nvPr/>
-        </p:nvSpPr>
-        <p:spPr bwMode="auto">
-          <a:xfrm>
-            <a:off x="635000" y="16764000"/>
-            <a:ext cx="12700000" cy="838200"/>
-          </a:xfrm>
-          <a:prstGeom prst="rect">
-            <a:avLst/>
-          </a:prstGeom>
-          <a:noFill/>
-          <a:ln w="9525">
-            <a:noFill/>
-            <a:round/>
-            <a:headEnd/>
-            <a:tailEnd/>
-          </a:ln>
-        </p:spPr>
-        <p:txBody>
-          <a:bodyPr lIns="74997" tIns="38998" rIns="74997" bIns="38998" anchor="ctr">
-            <a:prstTxWarp prst="textNoShape">
-              <a:avLst/>
-            </a:prstTxWarp>
-          </a:bodyPr>
-          <a:lstStyle/>
-          <a:p>
-            <a:pPr algn="ctr" defTabSz="380985">
-              <a:lnSpc>
-                <a:spcPct val="94000"/>
-              </a:lnSpc>
-              <a:buClr>
-                <a:srgbClr val="000000"/>
-              </a:buClr>
-              <a:buSzPct val="100000"/>
-              <a:defRPr/>
+            <a:pPr marL="457200" indent="-457200">
+              <a:buFont typeface="Arial" pitchFamily="34" charset="0"/>
+              <a:buChar char="•"/>
             </a:pPr>
             <a:r>
-              <a:rPr lang="en-US" sz="4800" smtClean="0">
-                <a:solidFill>
-                  <a:srgbClr val="7F7F7F"/>
-                </a:solidFill>
-              </a:rPr>
-              <a:t>STC: An advanced, optimizing compiler</a:t>
-            </a:r>
-            <a:endParaRPr lang="en-US" sz="4800" i="1" dirty="0" smtClean="0"/>
+              <a:rPr lang="en-US" dirty="0"/>
+              <a:t>The Swift/T programming model allows data dependent execution of tasks written in these languages, making up a high-performance workflow</a:t>
+            </a:r>
           </a:p>
         </p:txBody>
       </p:sp>
@@ -4208,30 +4155,6 @@
           </a:p>
         </p:txBody>
       </p:sp>
-      <p:pic>
-        <p:nvPicPr>
-          <p:cNvPr id="32" name="Picture 31" descr="pips-flow.png"/>
-          <p:cNvPicPr>
-            <a:picLocks noChangeAspect="1"/>
-          </p:cNvPicPr>
-          <p:nvPr/>
-        </p:nvPicPr>
-        <p:blipFill>
-          <a:blip r:embed="rId4"/>
-          <a:stretch>
-            <a:fillRect/>
-          </a:stretch>
-        </p:blipFill>
-        <p:spPr>
-          <a:xfrm>
-            <a:off x="6885213" y="26401382"/>
-            <a:ext cx="6166670" cy="2878659"/>
-          </a:xfrm>
-          <a:prstGeom prst="rect">
-            <a:avLst/>
-          </a:prstGeom>
-        </p:spPr>
-      </p:pic>
       <p:sp>
         <p:nvSpPr>
           <p:cNvPr id="44" name="Rectangle 2"/>
@@ -4264,7 +4187,7 @@
           </a:bodyPr>
           <a:lstStyle/>
           <a:p>
-            <a:pPr defTabSz="380985">
+            <a:pPr algn="ctr" defTabSz="380985">
               <a:lnSpc>
                 <a:spcPct val="94000"/>
               </a:lnSpc>
@@ -4275,118 +4198,14 @@
               <a:defRPr/>
             </a:pPr>
             <a:r>
-              <a:rPr lang="en-US" sz="4000" dirty="0" smtClean="0">
+              <a:rPr lang="en-US" sz="4000" b="1" dirty="0" smtClean="0">
                 <a:solidFill>
                   <a:srgbClr val="7F7F7F"/>
                 </a:solidFill>
               </a:rPr>
-              <a:t>Swift PIPS script</a:t>
-            </a:r>
-            <a:r>
-              <a:rPr lang="en-US" sz="4000" smtClean="0">
-                <a:solidFill>
-                  <a:srgbClr val="7F7F7F"/>
-                </a:solidFill>
-              </a:rPr>
-              <a:t>: </a:t>
-            </a:r>
-            <a:r>
-              <a:rPr lang="en-US" sz="4000" smtClean="0"/>
-              <a:t>Parallel power grid analysis</a:t>
-            </a:r>
-            <a:endParaRPr lang="en-US" sz="4000" i="1" dirty="0" smtClean="0"/>
-          </a:p>
-        </p:txBody>
-      </p:sp>
-      <p:pic>
-        <p:nvPicPr>
-          <p:cNvPr id="57" name="Picture 56" descr="pips-perf.pdf"/>
-          <p:cNvPicPr>
-            <a:picLocks noChangeAspect="1"/>
-          </p:cNvPicPr>
-          <p:nvPr/>
-        </p:nvPicPr>
-        <p:blipFill>
-          <a:blip r:embed="rId5"/>
-          <a:stretch>
-            <a:fillRect/>
-          </a:stretch>
-        </p:blipFill>
-        <p:spPr>
-          <a:xfrm>
-            <a:off x="5590463" y="30153201"/>
-            <a:ext cx="8153400" cy="4923492"/>
-          </a:xfrm>
-          <a:prstGeom prst="rect">
-            <a:avLst/>
-          </a:prstGeom>
-        </p:spPr>
-      </p:pic>
-      <p:sp>
-        <p:nvSpPr>
-          <p:cNvPr id="58" name="Rectangle 2"/>
-          <p:cNvSpPr txBox="1">
-            <a:spLocks noChangeArrowheads="1"/>
-          </p:cNvSpPr>
-          <p:nvPr/>
-        </p:nvSpPr>
-        <p:spPr bwMode="auto">
-          <a:xfrm>
-            <a:off x="968644" y="32149072"/>
-            <a:ext cx="4876800" cy="2583111"/>
-          </a:xfrm>
-          <a:prstGeom prst="rect">
-            <a:avLst/>
-          </a:prstGeom>
-          <a:noFill/>
-          <a:ln w="9525">
-            <a:noFill/>
-            <a:round/>
-            <a:headEnd/>
-            <a:tailEnd/>
-          </a:ln>
-        </p:spPr>
-        <p:txBody>
-          <a:bodyPr lIns="74997" tIns="38998" rIns="74997" bIns="38998" anchor="ctr">
-            <a:prstTxWarp prst="textNoShape">
-              <a:avLst/>
-            </a:prstTxWarp>
-          </a:bodyPr>
-          <a:lstStyle/>
-          <a:p>
-            <a:r>
-              <a:rPr lang="en-US" sz="1600" b="1"/>
-              <a:t>PIPS is a computationally intensive program to address problems in electrical power design and management.  The original PIPS program </a:t>
-            </a:r>
-            <a:r>
-              <a:rPr lang="en-US" sz="1600" b="1" smtClean="0"/>
-              <a:t>produces potential </a:t>
-            </a:r>
-            <a:r>
-              <a:rPr lang="en-US" sz="1600" b="1"/>
-              <a:t>grid management </a:t>
-            </a:r>
-            <a:r>
-              <a:rPr lang="en-US" sz="1600" b="1" smtClean="0"/>
-              <a:t>solutions. Swift </a:t>
-            </a:r>
-            <a:r>
-              <a:rPr lang="en-US" sz="1600" b="1"/>
-              <a:t>is used to evaluate </a:t>
-            </a:r>
-            <a:r>
-              <a:rPr lang="en-US" sz="1600" b="1" smtClean="0"/>
-              <a:t>the solutions under varying scenarios, a naturally concurrent problem.  The Swift script, which calls into PIPS libraries, was developed very quickly and scales well to 8,192 cores, the application requirement.  Results from the IBM Blue Gene/P </a:t>
-            </a:r>
-            <a:r>
-              <a:rPr lang="en-US" sz="1600" b="1" i="1" smtClean="0"/>
-              <a:t>Intrepid</a:t>
-            </a:r>
-            <a:r>
-              <a:rPr lang="en-US" sz="1600" b="1" smtClean="0"/>
-              <a:t> at ANL. </a:t>
-            </a:r>
-            <a:endParaRPr lang="en-US" sz="1600" dirty="0" smtClean="0"/>
+              <a:t>Prior work: Replica Exchange with NAMD</a:t>
+            </a:r>
+            <a:endParaRPr lang="en-US" sz="4000" b="1" i="1" dirty="0" smtClean="0"/>
           </a:p>
         </p:txBody>
       </p:sp>
@@ -4486,8 +4305,8 @@
         </p:nvSpPr>
         <p:spPr bwMode="auto">
           <a:xfrm>
-            <a:off x="13705763" y="6620654"/>
-            <a:ext cx="13172362" cy="910027"/>
+            <a:off x="968644" y="16702843"/>
+            <a:ext cx="12255684" cy="910027"/>
           </a:xfrm>
           <a:prstGeom prst="rect">
             <a:avLst/>
@@ -4519,14 +4338,14 @@
               <a:defRPr/>
             </a:pPr>
             <a:r>
-              <a:rPr lang="en-US" sz="4800" smtClean="0">
+              <a:rPr lang="en-US" sz="4800" b="1" dirty="0" smtClean="0">
                 <a:solidFill>
                   <a:srgbClr val="7F7F7F"/>
                 </a:solidFill>
               </a:rPr>
               <a:t>Dataflow processing in distributed memory</a:t>
             </a:r>
-            <a:endParaRPr lang="en-US" sz="4800" i="1" dirty="0" smtClean="0"/>
+            <a:endParaRPr lang="en-US" sz="4800" b="1" i="1" dirty="0" smtClean="0"/>
           </a:p>
         </p:txBody>
       </p:sp>
@@ -4573,14 +4392,14 @@
               <a:defRPr/>
             </a:pPr>
             <a:r>
-              <a:rPr lang="en-US" sz="4800" smtClean="0">
+              <a:rPr lang="en-US" sz="4800" b="1" dirty="0" smtClean="0">
                 <a:solidFill>
                   <a:srgbClr val="7F7F7F"/>
                 </a:solidFill>
               </a:rPr>
               <a:t>Overview: Dataflow programming at scale</a:t>
             </a:r>
-            <a:endParaRPr lang="en-US" sz="4800" i="1" dirty="0" smtClean="0"/>
+            <a:endParaRPr lang="en-US" sz="4800" b="1" i="1" dirty="0" smtClean="0"/>
           </a:p>
         </p:txBody>
       </p:sp>
@@ -4611,122 +4430,114 @@
               <a:buChar char="•"/>
             </a:pPr>
             <a:r>
-              <a:rPr lang="en-US" sz="3200" smtClean="0"/>
+              <a:rPr lang="en-US" sz="3200" dirty="0" smtClean="0"/>
               <a:t>Many </a:t>
             </a:r>
             <a:r>
-              <a:rPr lang="en-US" sz="3200"/>
+              <a:rPr lang="en-US" sz="3200" dirty="0"/>
               <a:t>important application classes that are driving the </a:t>
             </a:r>
             <a:r>
-              <a:rPr lang="en-US" sz="3200" smtClean="0"/>
+              <a:rPr lang="en-US" sz="3200" dirty="0" smtClean="0"/>
               <a:t>requirements for </a:t>
             </a:r>
             <a:r>
-              <a:rPr lang="en-US" sz="3200"/>
+              <a:rPr lang="en-US" sz="3200" dirty="0"/>
               <a:t>extreme-scale </a:t>
             </a:r>
             <a:r>
-              <a:rPr lang="en-US" sz="3200" smtClean="0"/>
+              <a:rPr lang="en-US" sz="3200" dirty="0" smtClean="0"/>
               <a:t>systems can </a:t>
             </a:r>
             <a:r>
-              <a:rPr lang="en-US" sz="3200"/>
+              <a:rPr lang="en-US" sz="3200" dirty="0"/>
               <a:t>be </a:t>
             </a:r>
             <a:r>
-              <a:rPr lang="en-US" sz="3200" smtClean="0"/>
+              <a:rPr lang="en-US" sz="3200" dirty="0" smtClean="0"/>
               <a:t>elegantly expressed </a:t>
             </a:r>
             <a:r>
-              <a:rPr lang="en-US" sz="3200"/>
+              <a:rPr lang="en-US" sz="3200" dirty="0"/>
               <a:t>as many-task data flow </a:t>
             </a:r>
             <a:r>
-              <a:rPr lang="en-US" sz="3200" smtClean="0"/>
+              <a:rPr lang="en-US" sz="3200" dirty="0" smtClean="0"/>
               <a:t>programs: </a:t>
             </a:r>
-            <a:endParaRPr lang="en-US" sz="3200"/>
-          </a:p>
-          <a:p>
-            <a:pPr lvl="1"/>
-            <a:r>
-              <a:rPr lang="en-US" sz="3200" smtClean="0">
+            <a:endParaRPr lang="en-US" sz="3200" dirty="0"/>
+          </a:p>
+          <a:p>
+            <a:pPr lvl="1">
+              <a:tabLst>
+                <a:tab pos="6457950" algn="l"/>
+              </a:tabLst>
+            </a:pPr>
+            <a:r>
+              <a:rPr lang="en-US" sz="3200" dirty="0" smtClean="0">
                 <a:latin typeface="Webdings" pitchFamily="18" charset="2"/>
               </a:rPr>
               <a:t>a</a:t>
             </a:r>
             <a:r>
-              <a:rPr lang="en-US" sz="3200">
+              <a:rPr lang="en-US" sz="3200" dirty="0">
                 <a:latin typeface="Webdings" pitchFamily="18" charset="2"/>
               </a:rPr>
               <a:t> </a:t>
             </a:r>
             <a:r>
-              <a:rPr lang="en-US" sz="3200" smtClean="0"/>
-              <a:t>Branch </a:t>
-            </a:r>
-            <a:r>
-              <a:rPr lang="en-US" sz="3200"/>
-              <a:t>and </a:t>
-            </a:r>
-            <a:r>
-              <a:rPr lang="en-US" sz="3200" smtClean="0"/>
-              <a:t>bound	    </a:t>
-            </a:r>
-            <a:r>
-              <a:rPr lang="en-US" sz="3200" smtClean="0">
+              <a:rPr lang="en-US" sz="3200" dirty="0" smtClean="0"/>
+              <a:t>Optimization</a:t>
+            </a:r>
+            <a:r>
+              <a:rPr lang="en-US" sz="3200" dirty="0"/>
+              <a:t>	</a:t>
+            </a:r>
+            <a:r>
+              <a:rPr lang="en-US" sz="3200" dirty="0" smtClean="0">
                 <a:latin typeface="Webdings" pitchFamily="18" charset="2"/>
               </a:rPr>
               <a:t>a </a:t>
             </a:r>
             <a:r>
-              <a:rPr lang="en-US" sz="3200" smtClean="0"/>
+              <a:rPr lang="en-US" sz="3200" dirty="0" smtClean="0"/>
               <a:t>Stochastic programming </a:t>
             </a:r>
             <a:br>
-              <a:rPr lang="en-US" sz="3200" smtClean="0"/>
+              <a:rPr lang="en-US" sz="3200" dirty="0" smtClean="0"/>
             </a:br>
             <a:r>
-              <a:rPr lang="en-US" sz="3200" smtClean="0">
+              <a:rPr lang="en-US" sz="3200" dirty="0" smtClean="0">
                 <a:latin typeface="Webdings" pitchFamily="18" charset="2"/>
               </a:rPr>
               <a:t>a </a:t>
             </a:r>
             <a:r>
-              <a:rPr lang="en-US" sz="3200" smtClean="0"/>
-              <a:t>Materials </a:t>
-            </a:r>
-            <a:r>
-              <a:rPr lang="en-US" sz="3200"/>
-              <a:t>by </a:t>
-            </a:r>
-            <a:r>
-              <a:rPr lang="en-US" sz="3200" smtClean="0"/>
-              <a:t>design  </a:t>
-            </a:r>
-            <a:r>
-              <a:rPr lang="en-US" sz="3200" smtClean="0">
+              <a:rPr lang="en-US" sz="3200" dirty="0" smtClean="0"/>
+              <a:t>Automatic classification </a:t>
+            </a:r>
+            <a:r>
+              <a:rPr lang="en-US" sz="3200" dirty="0" smtClean="0">
                 <a:latin typeface="Webdings" pitchFamily="18" charset="2"/>
               </a:rPr>
               <a:t>a </a:t>
             </a:r>
             <a:r>
-              <a:rPr lang="en-US" sz="3200" smtClean="0"/>
+              <a:rPr lang="en-US" sz="3200" dirty="0" smtClean="0"/>
               <a:t>Uncertainty </a:t>
             </a:r>
             <a:r>
-              <a:rPr lang="en-US" sz="3200"/>
+              <a:rPr lang="en-US" sz="3200" dirty="0"/>
               <a:t>quantification</a:t>
             </a:r>
             <a:r>
-              <a:rPr lang="en-US" sz="3200" smtClean="0"/>
+              <a:rPr lang="en-US" sz="3200" dirty="0" smtClean="0"/>
               <a:t/>
             </a:r>
             <a:br>
-              <a:rPr lang="en-US" sz="3200" smtClean="0"/>
+              <a:rPr lang="en-US" sz="3200" dirty="0" smtClean="0"/>
             </a:br>
-            <a:endParaRPr lang="en-US" sz="3200" smtClean="0"/>
+            <a:endParaRPr lang="en-US" sz="3200" dirty="0" smtClean="0"/>
           </a:p>
           <a:p>
             <a:pPr marL="457200" indent="-457200">
@@ -4734,44 +4545,49 @@
               <a:buChar char="•"/>
             </a:pPr>
             <a:r>
-              <a:rPr lang="en-US" sz="3200" smtClean="0"/>
+              <a:rPr lang="en-US" sz="3200" dirty="0" smtClean="0"/>
               <a:t>The </a:t>
             </a:r>
             <a:r>
-              <a:rPr lang="en-US" sz="3200"/>
+              <a:rPr lang="en-US" sz="3200" dirty="0"/>
               <a:t>data flow </a:t>
             </a:r>
             <a:r>
-              <a:rPr lang="en-US" sz="3200" smtClean="0"/>
+              <a:rPr lang="en-US" sz="3200" dirty="0" smtClean="0"/>
               <a:t>programming model </a:t>
             </a:r>
             <a:r>
-              <a:rPr lang="en-US" sz="3200"/>
+              <a:rPr lang="en-US" sz="3200" dirty="0"/>
               <a:t>of the Swift parallel scripting </a:t>
             </a:r>
             <a:r>
-              <a:rPr lang="en-US" sz="3200" smtClean="0"/>
+              <a:rPr lang="en-US" sz="3200" dirty="0" smtClean="0"/>
               <a:t>language can elegantly express the massive concurrency </a:t>
             </a:r>
             <a:r>
-              <a:rPr lang="en-US" sz="3200"/>
+              <a:rPr lang="en-US" sz="3200" dirty="0"/>
               <a:t>demanded by these applications through implicit </a:t>
             </a:r>
             <a:r>
-              <a:rPr lang="en-US" sz="3200" smtClean="0"/>
+              <a:rPr lang="en-US" sz="3200" dirty="0" smtClean="0"/>
               <a:t>parallelism, which has the productivity </a:t>
             </a:r>
             <a:r>
-              <a:rPr lang="en-US" sz="3200"/>
+              <a:rPr lang="en-US" sz="3200" dirty="0"/>
               <a:t>benefits of a high-level </a:t>
             </a:r>
             <a:r>
-              <a:rPr lang="en-US" sz="3200" smtClean="0"/>
-              <a:t>language.</a:t>
-            </a:r>
-          </a:p>
-          <a:p>
-            <a:endParaRPr lang="en-US" sz="3200"/>
+              <a:rPr lang="en-US" sz="3200" dirty="0" smtClean="0"/>
+              <a:t>language</a:t>
+            </a:r>
+            <a:r>
+              <a:rPr lang="en-US" sz="3200" dirty="0" smtClean="0"/>
+              <a:t>. [1,2]</a:t>
+            </a:r>
+            <a:endParaRPr lang="en-US" sz="3200" dirty="0" smtClean="0"/>
+          </a:p>
+          <a:p>
+            <a:endParaRPr lang="en-US" sz="3200" dirty="0"/>
           </a:p>
           <a:p>
             <a:pPr marL="457200" indent="-457200">
@@ -4779,28 +4595,29 @@
               <a:buChar char="•"/>
             </a:pPr>
             <a:r>
-              <a:rPr lang="en-US" sz="3200"/>
-              <a:t>In our current work, we have reimplemented the Swift system to </a:t>
-            </a:r>
-            <a:r>
-              <a:rPr lang="en-US" sz="3200" smtClean="0"/>
-              <a:t>run as an </a:t>
-            </a:r>
-            <a:r>
-              <a:rPr lang="en-US" sz="3200"/>
-              <a:t>MPI program for high-performance computing</a:t>
-            </a:r>
-            <a:r>
-              <a:rPr lang="en-US" sz="3200" smtClean="0"/>
-              <a:t>.</a:t>
-            </a:r>
+              <a:rPr lang="en-US" sz="3200" dirty="0" smtClean="0"/>
+              <a:t>Here</a:t>
+            </a:r>
+            <a:r>
+              <a:rPr lang="en-US" sz="3200" dirty="0" smtClean="0"/>
+              <a:t>, </a:t>
+            </a:r>
+            <a:r>
+              <a:rPr lang="en-US" sz="3200" dirty="0"/>
+              <a:t>we </a:t>
+            </a:r>
+            <a:r>
+              <a:rPr lang="en-US" sz="3200" dirty="0" smtClean="0"/>
+              <a:t>applied the Swift/T language implementation and runtime to multiple problems relevant to MICCoM</a:t>
+            </a:r>
+            <a:endParaRPr lang="en-US" sz="3200" dirty="0" smtClean="0"/>
           </a:p>
           <a:p>
             <a:pPr marL="457200" indent="-457200">
               <a:buFont typeface="Arial" pitchFamily="34" charset="0"/>
               <a:buChar char="•"/>
             </a:pPr>
-            <a:endParaRPr lang="en-US" sz="3200"/>
+            <a:endParaRPr lang="en-US" sz="3200" dirty="0"/>
           </a:p>
           <a:p>
             <a:pPr marL="457200" indent="-457200">
@@ -4808,64 +4625,466 @@
               <a:buChar char="•"/>
             </a:pPr>
             <a:r>
-              <a:rPr lang="en-US" sz="3200" smtClean="0"/>
-              <a:t>Swift was previously implemented as a workflow language (c. 2007) for distributed computing (grids, clouds, etc.). That implementation is used in many active scientific applications (Wilde, 2011).  </a:t>
-            </a:r>
-            <a:endParaRPr lang="en-US" sz="3200"/>
-          </a:p>
-        </p:txBody>
-      </p:sp>
-      <p:pic>
-        <p:nvPicPr>
-          <p:cNvPr id="1027" name="Picture 3" descr="C:\cygwin\home\wozniak\exm\papers\PPoPP_2013\poster\spawngraph.png"/>
-          <p:cNvPicPr>
-            <a:picLocks noChangeAspect="1" noChangeArrowheads="1"/>
-          </p:cNvPicPr>
+              <a:rPr lang="en-US" sz="3200" dirty="0" smtClean="0"/>
+              <a:t>Swift/K </a:t>
+            </a:r>
+            <a:r>
+              <a:rPr lang="en-US" sz="3200" dirty="0" smtClean="0"/>
+              <a:t>was previously implemented as a workflow language </a:t>
+            </a:r>
+            <a:r>
+              <a:rPr lang="en-US" sz="3200" dirty="0" smtClean="0"/>
+              <a:t/>
+            </a:r>
+            <a:br>
+              <a:rPr lang="en-US" sz="3200" dirty="0" smtClean="0"/>
+            </a:br>
+            <a:r>
+              <a:rPr lang="en-US" sz="3200" dirty="0" smtClean="0"/>
+              <a:t>(</a:t>
+            </a:r>
+            <a:r>
+              <a:rPr lang="en-US" sz="3200" dirty="0" smtClean="0"/>
+              <a:t>c. 2007) for distributed computing (grids, clouds, etc.). </a:t>
+            </a:r>
+            <a:r>
+              <a:rPr lang="en-US" sz="3200" dirty="0" smtClean="0"/>
+              <a:t>The current implementation (Swift/T) is designed for HPC.</a:t>
+            </a:r>
+            <a:endParaRPr lang="en-US" sz="3200" dirty="0"/>
+          </a:p>
+        </p:txBody>
+      </p:sp>
+      <p:sp>
+        <p:nvSpPr>
+          <p:cNvPr id="34" name="Rectangle 33"/>
+          <p:cNvSpPr/>
           <p:nvPr/>
-        </p:nvPicPr>
-        <p:blipFill>
-          <a:blip r:embed="rId6">
-            <a:extLst>
-              <a:ext uri="{28A0092B-C50C-407E-A947-70E740481C1C}">
-                <a14:useLocalDpi xmlns:a14="http://schemas.microsoft.com/office/drawing/2010/main" val="0"/>
-              </a:ext>
-            </a:extLst>
-          </a:blip>
-          <a:srcRect/>
-          <a:stretch>
-            <a:fillRect/>
-          </a:stretch>
-        </p:blipFill>
-        <p:spPr bwMode="auto">
+        </p:nvSpPr>
+        <p:spPr>
           <a:xfrm>
-            <a:off x="20524466" y="13309204"/>
-            <a:ext cx="6023328" cy="6413919"/>
+            <a:off x="949595" y="17946083"/>
+            <a:ext cx="5756006" cy="7457584"/>
           </a:xfrm>
           <a:prstGeom prst="rect">
             <a:avLst/>
           </a:prstGeom>
-          <a:noFill/>
-          <a:extLst>
-            <a:ext uri="{909E8E84-426E-40DD-AFC4-6F175D3DCCD1}">
-              <a14:hiddenFill xmlns:a14="http://schemas.microsoft.com/office/drawing/2010/main">
-                <a:solidFill>
-                  <a:srgbClr val="FFFFFF"/>
-                </a:solidFill>
-              </a14:hiddenFill>
-            </a:ext>
-          </a:extLst>
         </p:spPr>
-      </p:pic>
-      <p:sp>
-        <p:nvSpPr>
-          <p:cNvPr id="2" name="TextBox 1"/>
+        <p:txBody>
+          <a:bodyPr>
+            <a:noAutofit/>
+          </a:bodyPr>
+          <a:lstStyle/>
+          <a:p>
+            <a:pPr marL="457200" indent="-457200">
+              <a:buFont typeface="Arial" pitchFamily="34" charset="0"/>
+              <a:buChar char="•"/>
+            </a:pPr>
+            <a:r>
+              <a:rPr lang="en-US" sz="3200" dirty="0" smtClean="0"/>
+              <a:t>Swift/T allows users to bundle</a:t>
+            </a:r>
+            <a:br>
+              <a:rPr lang="en-US" sz="3200" dirty="0" smtClean="0"/>
+            </a:br>
+            <a:r>
+              <a:rPr lang="en-US" sz="3200" dirty="0" smtClean="0"/>
+              <a:t>many different application codes - in many different languages – into one in-memory workflow [3]</a:t>
+            </a:r>
+            <a:endParaRPr lang="en-US" sz="3200" dirty="0" smtClean="0"/>
+          </a:p>
+          <a:p>
+            <a:endParaRPr lang="en-US" sz="3200" dirty="0" smtClean="0"/>
+          </a:p>
+          <a:p>
+            <a:pPr marL="457200" indent="-457200">
+              <a:buFont typeface="Arial" pitchFamily="34" charset="0"/>
+              <a:buChar char="•"/>
+            </a:pPr>
+            <a:r>
+              <a:rPr lang="en-US" sz="3200" dirty="0" smtClean="0"/>
+              <a:t>The Swift/T programming model allows data dependent execution of tasks written in these languages, making up a high-performance workflow</a:t>
+            </a:r>
+          </a:p>
+          <a:p>
+            <a:pPr marL="457200" indent="-457200">
+              <a:buFont typeface="Arial" pitchFamily="34" charset="0"/>
+              <a:buChar char="•"/>
+            </a:pPr>
+            <a:endParaRPr lang="en-US" sz="3200" dirty="0"/>
+          </a:p>
+          <a:p>
+            <a:pPr marL="457200" indent="-457200">
+              <a:buFont typeface="Arial" pitchFamily="34" charset="0"/>
+              <a:buChar char="•"/>
+            </a:pPr>
+            <a:r>
+              <a:rPr lang="en-US" sz="3200" dirty="0" smtClean="0"/>
+              <a:t>State (including threads) can be left </a:t>
+            </a:r>
+            <a:r>
+              <a:rPr lang="en-US" sz="3200" dirty="0" smtClean="0"/>
+              <a:t>on a worker and accessed later</a:t>
+            </a:r>
+            <a:endParaRPr lang="en-US" sz="3200" dirty="0" smtClean="0"/>
+          </a:p>
+          <a:p>
+            <a:pPr marL="457200" indent="-457200">
+              <a:buFont typeface="Arial" pitchFamily="34" charset="0"/>
+              <a:buChar char="•"/>
+            </a:pPr>
+            <a:endParaRPr lang="en-US" sz="3200" dirty="0"/>
+          </a:p>
+        </p:txBody>
+      </p:sp>
+      <p:sp>
+        <p:nvSpPr>
+          <p:cNvPr id="37" name="Rectangle 36"/>
+          <p:cNvSpPr/>
+          <p:nvPr/>
+        </p:nvSpPr>
+        <p:spPr>
+          <a:xfrm>
+            <a:off x="14197073" y="7839534"/>
+            <a:ext cx="12354712" cy="16925466"/>
+          </a:xfrm>
+          <a:prstGeom prst="rect">
+            <a:avLst/>
+          </a:prstGeom>
+        </p:spPr>
+        <p:txBody>
+          <a:bodyPr>
+            <a:noAutofit/>
+          </a:bodyPr>
+          <a:lstStyle/>
+          <a:p>
+            <a:pPr marL="457200" indent="-457200">
+              <a:buFont typeface="Arial" panose="020B0604020202020204" pitchFamily="34" charset="0"/>
+              <a:buChar char="•"/>
+            </a:pPr>
+            <a:r>
+              <a:rPr lang="en-US" sz="3200" dirty="0"/>
+              <a:t>Workflow to automatically optimize materials design problem</a:t>
+            </a:r>
+          </a:p>
+          <a:p>
+            <a:pPr marL="457200" indent="-457200">
+              <a:buFont typeface="Arial" panose="020B0604020202020204" pitchFamily="34" charset="0"/>
+              <a:buChar char="•"/>
+            </a:pPr>
+            <a:endParaRPr lang="en-US" sz="3200" dirty="0"/>
+          </a:p>
+          <a:p>
+            <a:pPr marL="457200" indent="-457200">
+              <a:buFont typeface="Arial" panose="020B0604020202020204" pitchFamily="34" charset="0"/>
+              <a:buChar char="•"/>
+            </a:pPr>
+            <a:r>
+              <a:rPr lang="en-US" sz="3200" dirty="0"/>
+              <a:t>Considers a network of particles connected by bonds which can be selected and cut to optimize the material response under stress</a:t>
+            </a:r>
+          </a:p>
+          <a:p>
+            <a:pPr marL="457200" indent="-457200">
+              <a:buFont typeface="Arial" panose="020B0604020202020204" pitchFamily="34" charset="0"/>
+              <a:buChar char="•"/>
+            </a:pPr>
+            <a:endParaRPr lang="en-US" sz="3200" dirty="0"/>
+          </a:p>
+          <a:p>
+            <a:pPr marL="457200" indent="-457200">
+              <a:buFont typeface="Arial" panose="020B0604020202020204" pitchFamily="34" charset="0"/>
+              <a:buChar char="•"/>
+            </a:pPr>
+            <a:r>
+              <a:rPr lang="en-US" sz="3200" dirty="0"/>
+              <a:t>Since any combination of bonds may be cut, there is an extremely large search space (limited only by physical constraints)</a:t>
+            </a:r>
+          </a:p>
+          <a:p>
+            <a:pPr marL="457200" indent="-457200">
+              <a:buFont typeface="Arial" panose="020B0604020202020204" pitchFamily="34" charset="0"/>
+              <a:buChar char="•"/>
+            </a:pPr>
+            <a:endParaRPr lang="en-US" sz="3200" dirty="0"/>
+          </a:p>
+          <a:p>
+            <a:pPr marL="457200" indent="-457200">
+              <a:buFont typeface="Arial" panose="020B0604020202020204" pitchFamily="34" charset="0"/>
+              <a:buChar char="•"/>
+            </a:pPr>
+            <a:r>
+              <a:rPr lang="en-US" sz="3200" dirty="0"/>
+              <a:t>Each </a:t>
+            </a:r>
+            <a:r>
+              <a:rPr lang="en-US" sz="3200" dirty="0" err="1"/>
+              <a:t>Auxetic</a:t>
+            </a:r>
+            <a:r>
+              <a:rPr lang="en-US" sz="3200" dirty="0"/>
+              <a:t> task is a call to a C++ function that measures the impact of a given cut on the system</a:t>
+            </a:r>
+          </a:p>
+          <a:p>
+            <a:pPr marL="2285927" lvl="1" indent="-457200">
+              <a:buFont typeface="Arial" panose="020B0604020202020204" pitchFamily="34" charset="0"/>
+              <a:buChar char="•"/>
+            </a:pPr>
+            <a:r>
+              <a:rPr lang="en-US" sz="3200" dirty="0"/>
+              <a:t>For a 300 particle test system, this takes ~1.8s on Midway (</a:t>
+            </a:r>
+            <a:r>
+              <a:rPr lang="en-US" sz="3200" dirty="0" err="1"/>
+              <a:t>UofC</a:t>
+            </a:r>
+            <a:r>
+              <a:rPr lang="en-US" sz="3200" dirty="0"/>
+              <a:t> cluster)</a:t>
+            </a:r>
+          </a:p>
+          <a:p>
+            <a:pPr marL="457200" indent="-457200">
+              <a:buFont typeface="Arial" panose="020B0604020202020204" pitchFamily="34" charset="0"/>
+              <a:buChar char="•"/>
+            </a:pPr>
+            <a:r>
+              <a:rPr lang="en-US" sz="3200" dirty="0"/>
+              <a:t>The C++ functionality is exposed via Python interfaces (</a:t>
+            </a:r>
+            <a:r>
+              <a:rPr lang="en-US" sz="3200" dirty="0" err="1"/>
+              <a:t>Boost.Python</a:t>
+            </a:r>
+            <a:r>
+              <a:rPr lang="en-US" sz="3200" dirty="0" smtClean="0"/>
+              <a:t>)</a:t>
+            </a:r>
+          </a:p>
+          <a:p>
+            <a:pPr marL="457200" indent="-457200">
+              <a:buFont typeface="Arial" panose="020B0604020202020204" pitchFamily="34" charset="0"/>
+              <a:buChar char="•"/>
+            </a:pPr>
+            <a:endParaRPr lang="en-US" sz="3200" dirty="0"/>
+          </a:p>
+          <a:p>
+            <a:pPr marL="457200" indent="-457200">
+              <a:buFont typeface="Arial" panose="020B0604020202020204" pitchFamily="34" charset="0"/>
+              <a:buChar char="•"/>
+            </a:pPr>
+            <a:r>
+              <a:rPr lang="en-US" sz="3200" dirty="0"/>
+              <a:t>A Swift workflow orchestrates the search and distributes work across </a:t>
+            </a:r>
+            <a:r>
+              <a:rPr lang="en-US" sz="3200" dirty="0" smtClean="0"/>
+              <a:t>Midway</a:t>
+            </a:r>
+          </a:p>
+          <a:p>
+            <a:pPr marL="457200" indent="-457200">
+              <a:buFont typeface="Arial" panose="020B0604020202020204" pitchFamily="34" charset="0"/>
+              <a:buChar char="•"/>
+            </a:pPr>
+            <a:endParaRPr lang="en-US" sz="3200" dirty="0"/>
+          </a:p>
+          <a:p>
+            <a:pPr marL="457200" indent="-457200">
+              <a:buFont typeface="Arial" panose="020B0604020202020204" pitchFamily="34" charset="0"/>
+              <a:buChar char="•"/>
+            </a:pPr>
+            <a:r>
+              <a:rPr lang="en-US" sz="3200" dirty="0"/>
+              <a:t>The current workflow has been tested on </a:t>
+            </a:r>
+            <a:r>
+              <a:rPr lang="en-US" sz="3200" dirty="0" smtClean="0"/>
+              <a:t/>
+            </a:r>
+            <a:br>
+              <a:rPr lang="en-US" sz="3200" dirty="0" smtClean="0"/>
+            </a:br>
+            <a:r>
+              <a:rPr lang="en-US" sz="3200" dirty="0" smtClean="0"/>
+              <a:t>Midway </a:t>
+            </a:r>
+            <a:r>
+              <a:rPr lang="en-US" sz="3200" dirty="0"/>
+              <a:t>up to 360 cores</a:t>
+            </a:r>
+          </a:p>
+          <a:p>
+            <a:pPr marL="457200" indent="-457200">
+              <a:buFont typeface="Arial" panose="020B0604020202020204" pitchFamily="34" charset="0"/>
+              <a:buChar char="•"/>
+            </a:pPr>
+            <a:endParaRPr lang="en-US" sz="3200" dirty="0" smtClean="0"/>
+          </a:p>
+          <a:p>
+            <a:r>
+              <a:rPr lang="en-US" sz="3200" b="1" dirty="0"/>
+              <a:t>Status and future plans</a:t>
+            </a:r>
+          </a:p>
+          <a:p>
+            <a:pPr marL="457200" indent="-457200">
+              <a:buFont typeface="Arial" panose="020B0604020202020204" pitchFamily="34" charset="0"/>
+              <a:buChar char="•"/>
+            </a:pPr>
+            <a:r>
+              <a:rPr lang="en-US" sz="3200" dirty="0"/>
+              <a:t>Exploring search </a:t>
+            </a:r>
+            <a:r>
+              <a:rPr lang="en-US" sz="3200" dirty="0" smtClean="0"/>
+              <a:t>strategies,</a:t>
+            </a:r>
+            <a:br>
+              <a:rPr lang="en-US" sz="3200" dirty="0" smtClean="0"/>
+            </a:br>
+            <a:r>
+              <a:rPr lang="en-US" sz="3200" dirty="0" smtClean="0"/>
+              <a:t>control </a:t>
+            </a:r>
+            <a:r>
+              <a:rPr lang="en-US" sz="3200" dirty="0"/>
+              <a:t>cases for comparison:</a:t>
+            </a:r>
+          </a:p>
+          <a:p>
+            <a:pPr marL="461963" lvl="1" indent="279400">
+              <a:buFont typeface="Arial" panose="020B0604020202020204" pitchFamily="34" charset="0"/>
+              <a:buChar char="•"/>
+            </a:pPr>
+            <a:r>
+              <a:rPr lang="en-US" sz="3200" dirty="0"/>
+              <a:t>Brute </a:t>
+            </a:r>
+            <a:r>
+              <a:rPr lang="en-US" sz="3200" dirty="0" smtClean="0"/>
+              <a:t>force</a:t>
+            </a:r>
+          </a:p>
+          <a:p>
+            <a:pPr marL="461963" lvl="1" indent="279400">
+              <a:buFont typeface="Arial" panose="020B0604020202020204" pitchFamily="34" charset="0"/>
+              <a:buChar char="•"/>
+            </a:pPr>
+            <a:r>
+              <a:rPr lang="en-US" sz="3200" dirty="0" smtClean="0"/>
+              <a:t>Evolutionary algorithms </a:t>
+            </a:r>
+            <a:endParaRPr lang="en-US" sz="3200" dirty="0"/>
+          </a:p>
+          <a:p>
+            <a:pPr marL="457200" indent="-457200">
+              <a:buFont typeface="Arial" panose="020B0604020202020204" pitchFamily="34" charset="0"/>
+              <a:buChar char="•"/>
+            </a:pPr>
+            <a:r>
+              <a:rPr lang="en-US" sz="3200" dirty="0"/>
+              <a:t>Current search evaluates all </a:t>
+            </a:r>
+            <a:br>
+              <a:rPr lang="en-US" sz="3200" dirty="0"/>
+            </a:br>
+            <a:r>
+              <a:rPr lang="en-US" sz="3200" dirty="0"/>
+              <a:t>possible single cuts from a </a:t>
+            </a:r>
+            <a:br>
+              <a:rPr lang="en-US" sz="3200" dirty="0"/>
+            </a:br>
+            <a:r>
+              <a:rPr lang="en-US" sz="3200" dirty="0"/>
+              <a:t>starting point, picks the best, </a:t>
+            </a:r>
+            <a:br>
+              <a:rPr lang="en-US" sz="3200" dirty="0"/>
+            </a:br>
+            <a:r>
+              <a:rPr lang="en-US" sz="3200" dirty="0"/>
+              <a:t>and iterates from there</a:t>
+            </a:r>
+          </a:p>
+          <a:p>
+            <a:pPr marL="457200" indent="-457200">
+              <a:buFont typeface="Arial" panose="020B0604020202020204" pitchFamily="34" charset="0"/>
+              <a:buChar char="•"/>
+            </a:pPr>
+            <a:r>
+              <a:rPr lang="en-US" sz="3200" dirty="0"/>
+              <a:t>Evaluating more than one cut</a:t>
+            </a:r>
+            <a:br>
+              <a:rPr lang="en-US" sz="3200" dirty="0"/>
+            </a:br>
+            <a:r>
+              <a:rPr lang="en-US" sz="3200" dirty="0"/>
+              <a:t>at a time will provide more </a:t>
+            </a:r>
+            <a:br>
+              <a:rPr lang="en-US" sz="3200" dirty="0"/>
+            </a:br>
+            <a:r>
+              <a:rPr lang="en-US" sz="3200" dirty="0"/>
+              <a:t>concurrency</a:t>
+            </a:r>
+          </a:p>
+          <a:p>
+            <a:pPr marL="457200" indent="-457200">
+              <a:buFont typeface="Arial" panose="020B0604020202020204" pitchFamily="34" charset="0"/>
+              <a:buChar char="•"/>
+            </a:pPr>
+            <a:r>
+              <a:rPr lang="en-US" sz="3200" dirty="0"/>
+              <a:t>Port to larger machine such as </a:t>
+            </a:r>
+            <a:r>
+              <a:rPr lang="en-US" sz="3200" dirty="0" err="1"/>
+              <a:t>UofC</a:t>
+            </a:r>
+            <a:r>
+              <a:rPr lang="en-US" sz="3200" dirty="0"/>
+              <a:t> Cray Beagle </a:t>
+            </a:r>
+            <a:r>
+              <a:rPr lang="en-US" sz="3200" dirty="0" smtClean="0"/>
+              <a:t/>
+            </a:r>
+            <a:br>
+              <a:rPr lang="en-US" sz="3200" dirty="0" smtClean="0"/>
+            </a:br>
+            <a:r>
+              <a:rPr lang="en-US" sz="3200" dirty="0" smtClean="0"/>
+              <a:t>(</a:t>
+            </a:r>
+            <a:r>
+              <a:rPr lang="en-US" sz="3200" dirty="0"/>
+              <a:t>should be straightforward)</a:t>
+            </a:r>
+          </a:p>
+          <a:p>
+            <a:pPr marL="457200" indent="-457200">
+              <a:buFont typeface="Arial" panose="020B0604020202020204" pitchFamily="34" charset="0"/>
+              <a:buChar char="•"/>
+            </a:pPr>
+            <a:endParaRPr lang="en-US" sz="3200" dirty="0"/>
+          </a:p>
+        </p:txBody>
+      </p:sp>
+      <p:sp>
+        <p:nvSpPr>
+          <p:cNvPr id="8" name="TextBox 7"/>
           <p:cNvSpPr txBox="1"/>
           <p:nvPr/>
         </p:nvSpPr>
         <p:spPr>
           <a:xfrm>
-            <a:off x="14332590" y="13883335"/>
-            <a:ext cx="6199133" cy="6370975"/>
+            <a:off x="13698906" y="26175219"/>
+            <a:ext cx="13535736" cy="8617744"/>
           </a:xfrm>
           <a:prstGeom prst="rect">
             <a:avLst/>
@@ -4873,159 +5092,2390 @@
           <a:noFill/>
         </p:spPr>
         <p:txBody>
-          <a:bodyPr wrap="none" rtlCol="0">
+          <a:bodyPr wrap="square" rtlCol="0">
             <a:spAutoFit/>
           </a:bodyPr>
           <a:lstStyle/>
           <a:p>
             <a:r>
-              <a:rPr lang="en-US" sz="2800">
-                <a:latin typeface="Courier New" pitchFamily="49" charset="0"/>
-                <a:cs typeface="Courier New" pitchFamily="49" charset="0"/>
+              <a:rPr lang="en-US" sz="4800" b="1" dirty="0" smtClean="0">
+                <a:solidFill>
+                  <a:srgbClr val="7F7F7F"/>
+                </a:solidFill>
               </a:rPr>
-              <a:t>int X = 1000, Y = 1000;</a:t>
-            </a:r>
-          </a:p>
-          <a:p>
-            <a:r>
-              <a:rPr lang="en-US" sz="2800">
-                <a:latin typeface="Courier New" pitchFamily="49" charset="0"/>
-                <a:cs typeface="Courier New" pitchFamily="49" charset="0"/>
+              <a:t>References</a:t>
+            </a:r>
+            <a:r>
+              <a:rPr lang="en-US" sz="3200" dirty="0" smtClean="0">
+                <a:solidFill>
+                  <a:srgbClr val="7F7F7F"/>
+                </a:solidFill>
               </a:rPr>
-              <a:t>int A[][];</a:t>
-            </a:r>
-          </a:p>
-          <a:p>
-            <a:r>
-              <a:rPr lang="en-US" sz="2800">
-                <a:latin typeface="Courier New" pitchFamily="49" charset="0"/>
-                <a:cs typeface="Courier New" pitchFamily="49" charset="0"/>
+              <a:t/>
+            </a:r>
+            <a:br>
+              <a:rPr lang="en-US" sz="3200" dirty="0" smtClean="0">
+                <a:solidFill>
+                  <a:srgbClr val="7F7F7F"/>
+                </a:solidFill>
               </a:rPr>
-              <a:t>int B[];</a:t>
-            </a:r>
-          </a:p>
-          <a:p>
-            <a:r>
-              <a:rPr lang="en-US" sz="2800">
-                <a:latin typeface="Courier New" pitchFamily="49" charset="0"/>
-                <a:cs typeface="Courier New" pitchFamily="49" charset="0"/>
-              </a:rPr>
-              <a:t>foreach x in [0:X-1] {</a:t>
-            </a:r>
-          </a:p>
-          <a:p>
-            <a:r>
-              <a:rPr lang="en-US" sz="2800">
-                <a:latin typeface="Courier New" pitchFamily="49" charset="0"/>
-                <a:cs typeface="Courier New" pitchFamily="49" charset="0"/>
-              </a:rPr>
-              <a:t>foreach y in [0:Y-1] {</a:t>
-            </a:r>
-          </a:p>
-          <a:p>
-            <a:r>
-              <a:rPr lang="en-US" sz="2800">
-                <a:latin typeface="Courier New" pitchFamily="49" charset="0"/>
-                <a:cs typeface="Courier New" pitchFamily="49" charset="0"/>
-              </a:rPr>
-              <a:t>  if (check(x, y)) {</a:t>
-            </a:r>
-          </a:p>
-          <a:p>
-            <a:r>
-              <a:rPr lang="en-US" sz="2800">
-                <a:latin typeface="Courier New" pitchFamily="49" charset="0"/>
-                <a:cs typeface="Courier New" pitchFamily="49" charset="0"/>
-              </a:rPr>
-              <a:t>    A[x][y] = g(f(x), f(y));</a:t>
-            </a:r>
-          </a:p>
-          <a:p>
-            <a:r>
-              <a:rPr lang="en-US" sz="2800">
-                <a:latin typeface="Courier New" pitchFamily="49" charset="0"/>
-                <a:cs typeface="Courier New" pitchFamily="49" charset="0"/>
-              </a:rPr>
-              <a:t>  } else {</a:t>
-            </a:r>
-          </a:p>
-          <a:p>
-            <a:r>
-              <a:rPr lang="en-US" sz="2800">
-                <a:latin typeface="Courier New" pitchFamily="49" charset="0"/>
-                <a:cs typeface="Courier New" pitchFamily="49" charset="0"/>
-              </a:rPr>
-              <a:t>    A[x][y] = 0;</a:t>
-            </a:r>
-          </a:p>
-          <a:p>
-            <a:r>
-              <a:rPr lang="en-US" sz="2800">
-                <a:latin typeface="Courier New" pitchFamily="49" charset="0"/>
-                <a:cs typeface="Courier New" pitchFamily="49" charset="0"/>
-              </a:rPr>
-              <a:t>  }}</a:t>
-            </a:r>
-          </a:p>
-          <a:p>
-            <a:r>
-              <a:rPr lang="en-US" sz="2800">
-                <a:latin typeface="Courier New" pitchFamily="49" charset="0"/>
-                <a:cs typeface="Courier New" pitchFamily="49" charset="0"/>
-              </a:rPr>
-              <a:t>B[x] = sum(A[x]);</a:t>
-            </a:r>
-          </a:p>
-          <a:p>
-            <a:r>
-              <a:rPr lang="en-US" sz="2800">
-                <a:latin typeface="Courier New" pitchFamily="49" charset="0"/>
-                <a:cs typeface="Courier New" pitchFamily="49" charset="0"/>
-              </a:rPr>
-              <a:t>}</a:t>
-            </a:r>
-          </a:p>
-          <a:p>
-            <a:endParaRPr lang="en-US"/>
-          </a:p>
-        </p:txBody>
-      </p:sp>
-      <p:sp>
-        <p:nvSpPr>
-          <p:cNvPr id="5" name="Rectangle 4"/>
+            </a:br>
+            <a:endParaRPr lang="en-US" sz="3200" dirty="0" smtClean="0"/>
+          </a:p>
+          <a:p>
+            <a:pPr marL="514350" indent="-514350">
+              <a:buFont typeface="+mj-lt"/>
+              <a:buAutoNum type="arabicPeriod"/>
+            </a:pPr>
+            <a:r>
+              <a:rPr lang="en-US" sz="3000" b="1" dirty="0"/>
+              <a:t>Swift/T: Large-scale application composition via distributed-memory data flow </a:t>
+            </a:r>
+            <a:r>
+              <a:rPr lang="en-US" sz="3000" b="1" dirty="0" smtClean="0"/>
+              <a:t>processing  </a:t>
+            </a:r>
+            <a:r>
+              <a:rPr lang="en-US" sz="3000" dirty="0" smtClean="0"/>
+              <a:t>J</a:t>
+            </a:r>
+            <a:r>
+              <a:rPr lang="en-US" sz="3000" dirty="0" smtClean="0"/>
+              <a:t>. M</a:t>
+            </a:r>
+            <a:r>
+              <a:rPr lang="en-US" sz="3000" dirty="0"/>
+              <a:t>. Wozniak, </a:t>
+            </a:r>
+            <a:r>
+              <a:rPr lang="en-US" sz="3000" dirty="0" smtClean="0"/>
+              <a:t>T. G</a:t>
+            </a:r>
+            <a:r>
+              <a:rPr lang="en-US" sz="3000" dirty="0"/>
+              <a:t>. Armstrong, </a:t>
+            </a:r>
+            <a:r>
+              <a:rPr lang="en-US" sz="3000" dirty="0" smtClean="0"/>
+              <a:t>M. Wilde</a:t>
+            </a:r>
+            <a:r>
+              <a:rPr lang="en-US" sz="3000" dirty="0"/>
+              <a:t>, </a:t>
+            </a:r>
+            <a:r>
+              <a:rPr lang="en-US" sz="3000" dirty="0" smtClean="0"/>
+              <a:t>D. S</a:t>
+            </a:r>
+            <a:r>
+              <a:rPr lang="en-US" sz="3000" dirty="0"/>
+              <a:t>. Katz, </a:t>
+            </a:r>
+            <a:r>
+              <a:rPr lang="en-US" sz="3000" dirty="0" smtClean="0"/>
+              <a:t>E. Lusk</a:t>
+            </a:r>
+            <a:r>
+              <a:rPr lang="en-US" sz="3000" dirty="0"/>
+              <a:t>, </a:t>
+            </a:r>
+            <a:r>
+              <a:rPr lang="en-US" sz="3000" dirty="0" smtClean="0"/>
+              <a:t>I. T</a:t>
+            </a:r>
+            <a:r>
+              <a:rPr lang="en-US" sz="3000" dirty="0"/>
+              <a:t>. Foster. </a:t>
+            </a:r>
+            <a:r>
+              <a:rPr lang="en-US" sz="3000" dirty="0" smtClean="0"/>
+              <a:t/>
+            </a:r>
+            <a:br>
+              <a:rPr lang="en-US" sz="3000" dirty="0" smtClean="0"/>
+            </a:br>
+            <a:r>
+              <a:rPr lang="en-US" sz="3000" dirty="0" smtClean="0"/>
+              <a:t>Proc</a:t>
+            </a:r>
+            <a:r>
+              <a:rPr lang="en-US" sz="3000" dirty="0" smtClean="0"/>
+              <a:t>. CCGrid </a:t>
+            </a:r>
+            <a:r>
+              <a:rPr lang="en-US" sz="3000" dirty="0"/>
+              <a:t>2013</a:t>
+            </a:r>
+            <a:r>
+              <a:rPr lang="en-US" sz="3000" dirty="0" smtClean="0"/>
+              <a:t>.</a:t>
+            </a:r>
+          </a:p>
+          <a:p>
+            <a:pPr marL="514350" indent="-514350">
+              <a:buFont typeface="+mj-lt"/>
+              <a:buAutoNum type="arabicPeriod"/>
+            </a:pPr>
+            <a:r>
+              <a:rPr lang="en-US" sz="3200" b="1" dirty="0"/>
+              <a:t>Compiler techniques for massively scalable implicit task parallelism</a:t>
+            </a:r>
+            <a:r>
+              <a:rPr lang="en-US" sz="3200" dirty="0"/>
+              <a:t> </a:t>
+            </a:r>
+            <a:br>
+              <a:rPr lang="en-US" sz="3200" dirty="0"/>
+            </a:br>
+            <a:r>
+              <a:rPr lang="en-US" sz="3200" dirty="0"/>
+              <a:t>Timothy G. Armstrong, Justin M. Wozniak, Michael Wilde, and Ian T. Foster. </a:t>
+            </a:r>
+            <a:br>
+              <a:rPr lang="en-US" sz="3200" dirty="0"/>
+            </a:br>
+            <a:r>
+              <a:rPr lang="en-US" sz="3200" dirty="0"/>
+              <a:t>Proc. SC 2014. </a:t>
+            </a:r>
+            <a:endParaRPr lang="en-US" sz="3200" dirty="0" smtClean="0"/>
+          </a:p>
+          <a:p>
+            <a:pPr marL="514350" indent="-514350">
+              <a:buFont typeface="+mj-lt"/>
+              <a:buAutoNum type="arabicPeriod"/>
+            </a:pPr>
+            <a:r>
+              <a:rPr lang="en-US" sz="3200" b="1" dirty="0" smtClean="0"/>
+              <a:t>Interlanguage </a:t>
+            </a:r>
+            <a:r>
+              <a:rPr lang="en-US" sz="3200" b="1" dirty="0"/>
+              <a:t>parallel scripting for distributed-memory scientific computing</a:t>
+            </a:r>
+            <a:r>
+              <a:rPr lang="en-US" sz="3200" dirty="0"/>
+              <a:t> </a:t>
+            </a:r>
+            <a:br>
+              <a:rPr lang="en-US" sz="3200" dirty="0"/>
+            </a:br>
+            <a:r>
+              <a:rPr lang="en-US" sz="3200" dirty="0"/>
+              <a:t>Justin M. Wozniak, Timothy G. Armstrong, Ketan C. Maheshwari, Daniel S. Katz, Michael Wilde, and Ian T. Foster. </a:t>
+            </a:r>
+            <a:br>
+              <a:rPr lang="en-US" sz="3200" dirty="0"/>
+            </a:br>
+            <a:r>
+              <a:rPr lang="en-US" sz="3200" dirty="0" smtClean="0"/>
+              <a:t>Proc. WORKS 2015.</a:t>
+            </a:r>
+            <a:endParaRPr lang="en-US" sz="3000" dirty="0"/>
+          </a:p>
+          <a:p>
+            <a:pPr marL="514350" indent="-514350">
+              <a:buFont typeface="+mj-lt"/>
+              <a:buAutoNum type="arabicPeriod"/>
+            </a:pPr>
+            <a:r>
+              <a:rPr lang="en-US" sz="3200" b="1" dirty="0"/>
+              <a:t>Petascale Tcl with NAMD, VMD, and Swift/T</a:t>
+            </a:r>
+            <a:r>
+              <a:rPr lang="en-US" sz="3200" dirty="0"/>
+              <a:t> </a:t>
+            </a:r>
+            <a:br>
+              <a:rPr lang="en-US" sz="3200" dirty="0"/>
+            </a:br>
+            <a:r>
+              <a:rPr lang="en-US" sz="3200" dirty="0"/>
+              <a:t>James C. Phillips, John E. Stone, Kirby L. </a:t>
+            </a:r>
+            <a:r>
+              <a:rPr lang="en-US" sz="3200" dirty="0" err="1"/>
+              <a:t>Vandivort</a:t>
+            </a:r>
+            <a:r>
+              <a:rPr lang="en-US" sz="3200" dirty="0"/>
+              <a:t>, Timothy G. Armstrong, Justin M. Wozniak, Michael Wilde, and Klaus </a:t>
+            </a:r>
+            <a:r>
+              <a:rPr lang="en-US" sz="3200" dirty="0" err="1"/>
+              <a:t>Schulten</a:t>
+            </a:r>
+            <a:r>
+              <a:rPr lang="en-US" sz="3200" dirty="0"/>
+              <a:t>. </a:t>
+            </a:r>
+            <a:br>
+              <a:rPr lang="en-US" sz="3200" dirty="0"/>
+            </a:br>
+            <a:r>
+              <a:rPr lang="en-US" sz="3200" dirty="0"/>
+              <a:t>Proc. High Performance Technical Computing in Dynamic Languages at </a:t>
+            </a:r>
+            <a:r>
+              <a:rPr lang="en-US" sz="3200" dirty="0" smtClean="0"/>
+              <a:t/>
+            </a:r>
+            <a:br>
+              <a:rPr lang="en-US" sz="3200" dirty="0" smtClean="0"/>
+            </a:br>
+            <a:r>
+              <a:rPr lang="en-US" sz="3200" dirty="0" smtClean="0"/>
+              <a:t>SC </a:t>
+            </a:r>
+            <a:r>
+              <a:rPr lang="en-US" sz="3200" dirty="0"/>
+              <a:t>2014.</a:t>
+            </a:r>
+            <a:endParaRPr lang="en-US" sz="3000" dirty="0"/>
+          </a:p>
+        </p:txBody>
+      </p:sp>
+      <p:grpSp>
+        <p:nvGrpSpPr>
+          <p:cNvPr id="35" name="Group 34"/>
+          <p:cNvGrpSpPr/>
+          <p:nvPr/>
+        </p:nvGrpSpPr>
+        <p:grpSpPr>
+          <a:xfrm>
+            <a:off x="7924800" y="18155340"/>
+            <a:ext cx="1665531" cy="1480021"/>
+            <a:chOff x="863065" y="3200017"/>
+            <a:chExt cx="1933008" cy="1738987"/>
+          </a:xfrm>
+        </p:grpSpPr>
+        <p:sp>
+          <p:nvSpPr>
+            <p:cNvPr id="36" name="Rectangle 35"/>
+            <p:cNvSpPr/>
+            <p:nvPr/>
+          </p:nvSpPr>
+          <p:spPr>
+            <a:xfrm>
+              <a:off x="1181877" y="3508310"/>
+              <a:ext cx="1614196" cy="1430694"/>
+            </a:xfrm>
+            <a:prstGeom prst="rect">
+              <a:avLst/>
+            </a:prstGeom>
+            <a:solidFill>
+              <a:srgbClr val="1F497D">
+                <a:lumMod val="20000"/>
+                <a:lumOff val="80000"/>
+              </a:srgbClr>
+            </a:solidFill>
+            <a:ln w="25400" cap="flat" cmpd="sng" algn="ctr">
+              <a:solidFill>
+                <a:srgbClr val="A6C4DE">
+                  <a:shade val="50000"/>
+                </a:srgbClr>
+              </a:solidFill>
+              <a:prstDash val="solid"/>
+            </a:ln>
+            <a:effectLst/>
+          </p:spPr>
+          <p:txBody>
+            <a:bodyPr rtlCol="0" anchor="ctr"/>
+            <a:lstStyle/>
+            <a:p>
+              <a:pPr marL="0" marR="0" lvl="0" indent="0" algn="ctr" defTabSz="914400" eaLnBrk="1" fontAlgn="base" latinLnBrk="0" hangingPunct="1">
+                <a:lnSpc>
+                  <a:spcPct val="100000"/>
+                </a:lnSpc>
+                <a:spcBef>
+                  <a:spcPct val="0"/>
+                </a:spcBef>
+                <a:spcAft>
+                  <a:spcPct val="0"/>
+                </a:spcAft>
+                <a:buClrTx/>
+                <a:buSzTx/>
+                <a:buFontTx/>
+                <a:buNone/>
+                <a:tabLst/>
+                <a:defRPr/>
+              </a:pPr>
+              <a:r>
+                <a:rPr kumimoji="0" lang="en-US" sz="1800" b="0" i="0" u="none" strike="noStrike" kern="0" cap="none" spc="0" normalizeH="0" baseline="0" noProof="0" dirty="0" smtClean="0">
+                  <a:ln>
+                    <a:noFill/>
+                  </a:ln>
+                  <a:solidFill>
+                    <a:srgbClr val="404040"/>
+                  </a:solidFill>
+                  <a:effectLst/>
+                  <a:uLnTx/>
+                  <a:uFillTx/>
+                  <a:latin typeface="Calibri"/>
+                  <a:ea typeface="+mn-ea"/>
+                  <a:cs typeface="+mn-cs"/>
+                </a:rPr>
+                <a:t>Swift control process</a:t>
+              </a:r>
+            </a:p>
+          </p:txBody>
+        </p:sp>
+        <p:sp>
+          <p:nvSpPr>
+            <p:cNvPr id="38" name="Rectangle 37"/>
+            <p:cNvSpPr/>
+            <p:nvPr/>
+          </p:nvSpPr>
+          <p:spPr>
+            <a:xfrm>
+              <a:off x="1029477" y="3355910"/>
+              <a:ext cx="1614196" cy="1430694"/>
+            </a:xfrm>
+            <a:prstGeom prst="rect">
+              <a:avLst/>
+            </a:prstGeom>
+            <a:solidFill>
+              <a:srgbClr val="1F497D">
+                <a:lumMod val="20000"/>
+                <a:lumOff val="80000"/>
+              </a:srgbClr>
+            </a:solidFill>
+            <a:ln w="25400" cap="flat" cmpd="sng" algn="ctr">
+              <a:solidFill>
+                <a:srgbClr val="A6C4DE">
+                  <a:shade val="50000"/>
+                </a:srgbClr>
+              </a:solidFill>
+              <a:prstDash val="solid"/>
+            </a:ln>
+            <a:effectLst/>
+          </p:spPr>
+          <p:txBody>
+            <a:bodyPr rtlCol="0" anchor="ctr"/>
+            <a:lstStyle/>
+            <a:p>
+              <a:pPr marL="0" marR="0" lvl="0" indent="0" algn="ctr" defTabSz="914400" eaLnBrk="1" fontAlgn="base" latinLnBrk="0" hangingPunct="1">
+                <a:lnSpc>
+                  <a:spcPct val="100000"/>
+                </a:lnSpc>
+                <a:spcBef>
+                  <a:spcPct val="0"/>
+                </a:spcBef>
+                <a:spcAft>
+                  <a:spcPct val="0"/>
+                </a:spcAft>
+                <a:buClrTx/>
+                <a:buSzTx/>
+                <a:buFontTx/>
+                <a:buNone/>
+                <a:tabLst/>
+                <a:defRPr/>
+              </a:pPr>
+              <a:r>
+                <a:rPr kumimoji="0" lang="en-US" sz="1800" b="0" i="0" u="none" strike="noStrike" kern="0" cap="none" spc="0" normalizeH="0" baseline="0" noProof="0" dirty="0" smtClean="0">
+                  <a:ln>
+                    <a:noFill/>
+                  </a:ln>
+                  <a:solidFill>
+                    <a:srgbClr val="404040"/>
+                  </a:solidFill>
+                  <a:effectLst/>
+                  <a:uLnTx/>
+                  <a:uFillTx/>
+                  <a:latin typeface="Calibri"/>
+                  <a:ea typeface="+mn-ea"/>
+                  <a:cs typeface="+mn-cs"/>
+                </a:rPr>
+                <a:t>Swift </a:t>
+              </a:r>
+              <a:r>
+                <a:rPr kumimoji="0" lang="en-US" sz="1800" b="0" i="0" u="none" strike="noStrike" kern="0" cap="none" spc="0" normalizeH="0" baseline="0" noProof="0" dirty="0" err="1" smtClean="0">
+                  <a:ln>
+                    <a:noFill/>
+                  </a:ln>
+                  <a:solidFill>
+                    <a:srgbClr val="404040"/>
+                  </a:solidFill>
+                  <a:effectLst/>
+                  <a:uLnTx/>
+                  <a:uFillTx/>
+                  <a:latin typeface="Calibri"/>
+                  <a:ea typeface="+mn-ea"/>
+                  <a:cs typeface="+mn-cs"/>
+                </a:rPr>
+                <a:t>contro</a:t>
+              </a:r>
+              <a:r>
+                <a:rPr kumimoji="0" lang="en-US" sz="1800" b="0" i="0" u="none" strike="noStrike" kern="0" cap="none" spc="0" normalizeH="0" baseline="0" noProof="0" dirty="0" smtClean="0">
+                  <a:ln>
+                    <a:noFill/>
+                  </a:ln>
+                  <a:solidFill>
+                    <a:srgbClr val="404040"/>
+                  </a:solidFill>
+                  <a:effectLst/>
+                  <a:uLnTx/>
+                  <a:uFillTx/>
+                  <a:latin typeface="Calibri"/>
+                  <a:ea typeface="+mn-ea"/>
+                  <a:cs typeface="+mn-cs"/>
+                </a:rPr>
+                <a:t> </a:t>
+              </a:r>
+              <a:r>
+                <a:rPr kumimoji="0" lang="en-US" sz="1800" b="0" i="0" u="none" strike="noStrike" kern="0" cap="none" spc="0" normalizeH="0" baseline="0" noProof="0" dirty="0" smtClean="0">
+                  <a:ln>
+                    <a:noFill/>
+                  </a:ln>
+                  <a:solidFill>
+                    <a:srgbClr val="404040"/>
+                  </a:solidFill>
+                  <a:effectLst/>
+                  <a:uLnTx/>
+                  <a:uFillTx/>
+                  <a:latin typeface="Calibri"/>
+                  <a:ea typeface="+mn-ea"/>
+                  <a:cs typeface="+mn-cs"/>
+                </a:rPr>
+                <a:t>process</a:t>
+              </a:r>
+            </a:p>
+          </p:txBody>
+        </p:sp>
+        <p:sp>
+          <p:nvSpPr>
+            <p:cNvPr id="40" name="Rectangle 39"/>
+            <p:cNvSpPr/>
+            <p:nvPr/>
+          </p:nvSpPr>
+          <p:spPr>
+            <a:xfrm>
+              <a:off x="863065" y="3200017"/>
+              <a:ext cx="1614196" cy="1430693"/>
+            </a:xfrm>
+            <a:prstGeom prst="rect">
+              <a:avLst/>
+            </a:prstGeom>
+            <a:solidFill>
+              <a:srgbClr val="1F497D">
+                <a:lumMod val="20000"/>
+                <a:lumOff val="80000"/>
+              </a:srgbClr>
+            </a:solidFill>
+            <a:ln w="25400" cap="flat" cmpd="sng" algn="ctr">
+              <a:solidFill>
+                <a:srgbClr val="A6C4DE">
+                  <a:shade val="50000"/>
+                </a:srgbClr>
+              </a:solidFill>
+              <a:prstDash val="solid"/>
+            </a:ln>
+            <a:effectLst/>
+          </p:spPr>
+          <p:txBody>
+            <a:bodyPr rtlCol="0" anchor="ctr"/>
+            <a:lstStyle/>
+            <a:p>
+              <a:pPr marL="0" marR="0" lvl="0" indent="0" algn="ctr" defTabSz="914400" eaLnBrk="1" fontAlgn="base" latinLnBrk="0" hangingPunct="1">
+                <a:lnSpc>
+                  <a:spcPct val="100000"/>
+                </a:lnSpc>
+                <a:spcBef>
+                  <a:spcPct val="0"/>
+                </a:spcBef>
+                <a:spcAft>
+                  <a:spcPct val="0"/>
+                </a:spcAft>
+                <a:buClrTx/>
+                <a:buSzTx/>
+                <a:buFontTx/>
+                <a:buNone/>
+                <a:tabLst/>
+                <a:defRPr/>
+              </a:pPr>
+              <a:r>
+                <a:rPr kumimoji="0" lang="en-US" sz="2400" b="1" i="0" u="none" strike="noStrike" kern="0" cap="none" spc="0" normalizeH="0" baseline="0" noProof="0" dirty="0" smtClean="0">
+                  <a:ln>
+                    <a:noFill/>
+                  </a:ln>
+                  <a:solidFill>
+                    <a:srgbClr val="404040"/>
+                  </a:solidFill>
+                  <a:effectLst/>
+                  <a:uLnTx/>
+                  <a:uFillTx/>
+                  <a:latin typeface="Calibri"/>
+                  <a:ea typeface="+mn-ea"/>
+                  <a:cs typeface="+mn-cs"/>
+                </a:rPr>
+                <a:t>Swift/T control process</a:t>
+              </a:r>
+            </a:p>
+          </p:txBody>
+        </p:sp>
+      </p:grpSp>
+      <p:grpSp>
+        <p:nvGrpSpPr>
+          <p:cNvPr id="41" name="Group 40"/>
+          <p:cNvGrpSpPr/>
+          <p:nvPr/>
+        </p:nvGrpSpPr>
+        <p:grpSpPr>
+          <a:xfrm>
+            <a:off x="9975024" y="18265494"/>
+            <a:ext cx="3207576" cy="2765705"/>
+            <a:chOff x="3200400" y="3200400"/>
+            <a:chExt cx="3581400" cy="3200400"/>
+          </a:xfrm>
+        </p:grpSpPr>
+        <p:sp>
+          <p:nvSpPr>
+            <p:cNvPr id="42" name="Rectangle 41"/>
+            <p:cNvSpPr/>
+            <p:nvPr/>
+          </p:nvSpPr>
+          <p:spPr>
+            <a:xfrm>
+              <a:off x="3200400" y="3200400"/>
+              <a:ext cx="3581400" cy="3200400"/>
+            </a:xfrm>
+            <a:prstGeom prst="rect">
+              <a:avLst/>
+            </a:prstGeom>
+            <a:solidFill>
+              <a:srgbClr val="1F497D">
+                <a:lumMod val="20000"/>
+                <a:lumOff val="80000"/>
+              </a:srgbClr>
+            </a:solidFill>
+            <a:ln w="25400" cap="flat" cmpd="sng" algn="ctr">
+              <a:solidFill>
+                <a:srgbClr val="A6C4DE">
+                  <a:shade val="50000"/>
+                </a:srgbClr>
+              </a:solidFill>
+              <a:prstDash val="solid"/>
+            </a:ln>
+            <a:effectLst/>
+          </p:spPr>
+          <p:txBody>
+            <a:bodyPr rtlCol="0" anchor="ctr"/>
+            <a:lstStyle/>
+            <a:p>
+              <a:pPr marL="0" marR="0" lvl="0" indent="0" algn="ctr" defTabSz="914400" eaLnBrk="1" fontAlgn="base" latinLnBrk="0" hangingPunct="1">
+                <a:lnSpc>
+                  <a:spcPct val="100000"/>
+                </a:lnSpc>
+                <a:spcBef>
+                  <a:spcPct val="0"/>
+                </a:spcBef>
+                <a:spcAft>
+                  <a:spcPct val="0"/>
+                </a:spcAft>
+                <a:buClrTx/>
+                <a:buSzTx/>
+                <a:buFontTx/>
+                <a:buNone/>
+                <a:tabLst/>
+                <a:defRPr/>
+              </a:pPr>
+              <a:r>
+                <a:rPr kumimoji="0" lang="en-US" sz="2400" b="0" i="0" u="none" strike="noStrike" kern="0" cap="none" spc="0" normalizeH="0" baseline="0" noProof="0" dirty="0" smtClean="0">
+                  <a:ln>
+                    <a:noFill/>
+                  </a:ln>
+                  <a:solidFill>
+                    <a:srgbClr val="404040"/>
+                  </a:solidFill>
+                  <a:effectLst/>
+                  <a:uLnTx/>
+                  <a:uFillTx/>
+                  <a:latin typeface="Calibri"/>
+                  <a:ea typeface="+mn-ea"/>
+                  <a:cs typeface="+mn-cs"/>
+                </a:rPr>
+                <a:t>Swift worker process</a:t>
+              </a:r>
+            </a:p>
+            <a:p>
+              <a:pPr marL="0" marR="0" lvl="0" indent="0" algn="ctr" defTabSz="914400" eaLnBrk="1" fontAlgn="base" latinLnBrk="0" hangingPunct="1">
+                <a:lnSpc>
+                  <a:spcPct val="100000"/>
+                </a:lnSpc>
+                <a:spcBef>
+                  <a:spcPct val="0"/>
+                </a:spcBef>
+                <a:spcAft>
+                  <a:spcPct val="0"/>
+                </a:spcAft>
+                <a:buClrTx/>
+                <a:buSzTx/>
+                <a:buFontTx/>
+                <a:buNone/>
+                <a:tabLst/>
+                <a:defRPr/>
+              </a:pPr>
+              <a:endParaRPr kumimoji="0" lang="en-US" sz="2400" b="0" i="0" u="none" strike="noStrike" kern="0" cap="none" spc="0" normalizeH="0" baseline="0" noProof="0" dirty="0" smtClean="0">
+                <a:ln>
+                  <a:noFill/>
+                </a:ln>
+                <a:solidFill>
+                  <a:srgbClr val="404040"/>
+                </a:solidFill>
+                <a:effectLst/>
+                <a:uLnTx/>
+                <a:uFillTx/>
+                <a:latin typeface="Calibri"/>
+                <a:ea typeface="+mn-ea"/>
+                <a:cs typeface="+mn-cs"/>
+              </a:endParaRPr>
+            </a:p>
+            <a:p>
+              <a:pPr marL="0" marR="0" lvl="0" indent="0" algn="ctr" defTabSz="914400" eaLnBrk="1" fontAlgn="base" latinLnBrk="0" hangingPunct="1">
+                <a:lnSpc>
+                  <a:spcPct val="100000"/>
+                </a:lnSpc>
+                <a:spcBef>
+                  <a:spcPct val="0"/>
+                </a:spcBef>
+                <a:spcAft>
+                  <a:spcPct val="0"/>
+                </a:spcAft>
+                <a:buClrTx/>
+                <a:buSzTx/>
+                <a:buFontTx/>
+                <a:buNone/>
+                <a:tabLst/>
+                <a:defRPr/>
+              </a:pPr>
+              <a:endParaRPr kumimoji="0" lang="en-US" sz="2400" b="0" i="0" u="none" strike="noStrike" kern="0" cap="none" spc="0" normalizeH="0" baseline="0" noProof="0" dirty="0" smtClean="0">
+                <a:ln>
+                  <a:noFill/>
+                </a:ln>
+                <a:solidFill>
+                  <a:srgbClr val="404040"/>
+                </a:solidFill>
+                <a:effectLst/>
+                <a:uLnTx/>
+                <a:uFillTx/>
+                <a:latin typeface="Calibri"/>
+                <a:ea typeface="+mn-ea"/>
+                <a:cs typeface="+mn-cs"/>
+              </a:endParaRPr>
+            </a:p>
+            <a:p>
+              <a:pPr marL="0" marR="0" lvl="0" indent="0" algn="ctr" defTabSz="914400" eaLnBrk="1" fontAlgn="base" latinLnBrk="0" hangingPunct="1">
+                <a:lnSpc>
+                  <a:spcPct val="100000"/>
+                </a:lnSpc>
+                <a:spcBef>
+                  <a:spcPct val="0"/>
+                </a:spcBef>
+                <a:spcAft>
+                  <a:spcPct val="0"/>
+                </a:spcAft>
+                <a:buClrTx/>
+                <a:buSzTx/>
+                <a:buFontTx/>
+                <a:buNone/>
+                <a:tabLst/>
+                <a:defRPr/>
+              </a:pPr>
+              <a:endParaRPr kumimoji="0" lang="en-US" sz="2400" b="0" i="0" u="none" strike="noStrike" kern="0" cap="none" spc="0" normalizeH="0" baseline="0" noProof="0" dirty="0" smtClean="0">
+                <a:ln>
+                  <a:noFill/>
+                </a:ln>
+                <a:solidFill>
+                  <a:srgbClr val="404040"/>
+                </a:solidFill>
+                <a:effectLst/>
+                <a:uLnTx/>
+                <a:uFillTx/>
+                <a:latin typeface="Calibri"/>
+                <a:ea typeface="+mn-ea"/>
+                <a:cs typeface="+mn-cs"/>
+              </a:endParaRPr>
+            </a:p>
+            <a:p>
+              <a:pPr marL="0" marR="0" lvl="0" indent="0" algn="ctr" defTabSz="914400" eaLnBrk="1" fontAlgn="base" latinLnBrk="0" hangingPunct="1">
+                <a:lnSpc>
+                  <a:spcPct val="100000"/>
+                </a:lnSpc>
+                <a:spcBef>
+                  <a:spcPct val="0"/>
+                </a:spcBef>
+                <a:spcAft>
+                  <a:spcPct val="0"/>
+                </a:spcAft>
+                <a:buClrTx/>
+                <a:buSzTx/>
+                <a:buFontTx/>
+                <a:buNone/>
+                <a:tabLst/>
+                <a:defRPr/>
+              </a:pPr>
+              <a:endParaRPr kumimoji="0" lang="en-US" sz="2400" b="0" i="0" u="none" strike="noStrike" kern="0" cap="none" spc="0" normalizeH="0" baseline="0" noProof="0" dirty="0" smtClean="0">
+                <a:ln>
+                  <a:noFill/>
+                </a:ln>
+                <a:solidFill>
+                  <a:srgbClr val="404040"/>
+                </a:solidFill>
+                <a:effectLst/>
+                <a:uLnTx/>
+                <a:uFillTx/>
+                <a:latin typeface="Calibri"/>
+                <a:ea typeface="+mn-ea"/>
+                <a:cs typeface="+mn-cs"/>
+              </a:endParaRPr>
+            </a:p>
+            <a:p>
+              <a:pPr marL="0" marR="0" lvl="0" indent="0" algn="ctr" defTabSz="914400" eaLnBrk="1" fontAlgn="base" latinLnBrk="0" hangingPunct="1">
+                <a:lnSpc>
+                  <a:spcPct val="100000"/>
+                </a:lnSpc>
+                <a:spcBef>
+                  <a:spcPct val="0"/>
+                </a:spcBef>
+                <a:spcAft>
+                  <a:spcPct val="0"/>
+                </a:spcAft>
+                <a:buClrTx/>
+                <a:buSzTx/>
+                <a:buFontTx/>
+                <a:buNone/>
+                <a:tabLst/>
+                <a:defRPr/>
+              </a:pPr>
+              <a:endParaRPr kumimoji="0" lang="en-US" sz="2400" b="0" i="0" u="none" strike="noStrike" kern="0" cap="none" spc="0" normalizeH="0" baseline="0" noProof="0" dirty="0" smtClean="0">
+                <a:ln>
+                  <a:noFill/>
+                </a:ln>
+                <a:solidFill>
+                  <a:srgbClr val="404040"/>
+                </a:solidFill>
+                <a:effectLst/>
+                <a:uLnTx/>
+                <a:uFillTx/>
+                <a:latin typeface="Calibri"/>
+                <a:ea typeface="+mn-ea"/>
+                <a:cs typeface="+mn-cs"/>
+              </a:endParaRPr>
+            </a:p>
+            <a:p>
+              <a:pPr marL="0" marR="0" lvl="0" indent="0" algn="ctr" defTabSz="914400" eaLnBrk="1" fontAlgn="base" latinLnBrk="0" hangingPunct="1">
+                <a:lnSpc>
+                  <a:spcPct val="100000"/>
+                </a:lnSpc>
+                <a:spcBef>
+                  <a:spcPct val="0"/>
+                </a:spcBef>
+                <a:spcAft>
+                  <a:spcPct val="0"/>
+                </a:spcAft>
+                <a:buClrTx/>
+                <a:buSzTx/>
+                <a:buFontTx/>
+                <a:buNone/>
+                <a:tabLst/>
+                <a:defRPr/>
+              </a:pPr>
+              <a:endParaRPr kumimoji="0" lang="en-US" sz="2400" b="0" i="0" u="none" strike="noStrike" kern="0" cap="none" spc="0" normalizeH="0" baseline="0" noProof="0" dirty="0" smtClean="0">
+                <a:ln>
+                  <a:noFill/>
+                </a:ln>
+                <a:solidFill>
+                  <a:srgbClr val="404040"/>
+                </a:solidFill>
+                <a:effectLst/>
+                <a:uLnTx/>
+                <a:uFillTx/>
+                <a:latin typeface="Calibri"/>
+                <a:ea typeface="+mn-ea"/>
+                <a:cs typeface="+mn-cs"/>
+              </a:endParaRPr>
+            </a:p>
+          </p:txBody>
+        </p:sp>
+        <p:pic>
+          <p:nvPicPr>
+            <p:cNvPr id="43" name="Picture 2" descr="C:\cygwin\home\justin\ATPESC_2013-08-06\part11-swift-py-r\slides\python-powered-h-50x65.png"/>
+            <p:cNvPicPr>
+              <a:picLocks noChangeAspect="1" noChangeArrowheads="1"/>
+            </p:cNvPicPr>
+            <p:nvPr/>
+          </p:nvPicPr>
+          <p:blipFill>
+            <a:blip r:embed="rId4">
+              <a:extLst>
+                <a:ext uri="{28A0092B-C50C-407E-A947-70E740481C1C}">
+                  <a14:useLocalDpi xmlns:a14="http://schemas.microsoft.com/office/drawing/2010/main" val="0"/>
+                </a:ext>
+              </a:extLst>
+            </a:blip>
+            <a:srcRect/>
+            <a:stretch>
+              <a:fillRect/>
+            </a:stretch>
+          </p:blipFill>
+          <p:spPr bwMode="auto">
+            <a:xfrm>
+              <a:off x="3407226" y="5114037"/>
+              <a:ext cx="749559" cy="974427"/>
+            </a:xfrm>
+            <a:prstGeom prst="rect">
+              <a:avLst/>
+            </a:prstGeom>
+            <a:noFill/>
+            <a:extLst>
+              <a:ext uri="{909E8E84-426E-40DD-AFC4-6F175D3DCCD1}">
+                <a14:hiddenFill xmlns:a14="http://schemas.microsoft.com/office/drawing/2010/main">
+                  <a:solidFill>
+                    <a:srgbClr val="FFFFFF"/>
+                  </a:solidFill>
+                </a14:hiddenFill>
+              </a:ext>
+            </a:extLst>
+          </p:spPr>
+        </p:pic>
+        <p:pic>
+          <p:nvPicPr>
+            <p:cNvPr id="45" name="Picture 3" descr="C:\cygwin\home\justin\ATPESC_2013-08-06\part11-swift-py-r\slides\Rlogo.jpg"/>
+            <p:cNvPicPr>
+              <a:picLocks noChangeAspect="1" noChangeArrowheads="1"/>
+            </p:cNvPicPr>
+            <p:nvPr/>
+          </p:nvPicPr>
+          <p:blipFill>
+            <a:blip r:embed="rId5">
+              <a:extLst>
+                <a:ext uri="{28A0092B-C50C-407E-A947-70E740481C1C}">
+                  <a14:useLocalDpi xmlns:a14="http://schemas.microsoft.com/office/drawing/2010/main" val="0"/>
+                </a:ext>
+              </a:extLst>
+            </a:blip>
+            <a:srcRect/>
+            <a:stretch>
+              <a:fillRect/>
+            </a:stretch>
+          </p:blipFill>
+          <p:spPr bwMode="auto">
+            <a:xfrm>
+              <a:off x="4363275" y="5221293"/>
+              <a:ext cx="1004548" cy="759916"/>
+            </a:xfrm>
+            <a:prstGeom prst="rect">
+              <a:avLst/>
+            </a:prstGeom>
+            <a:noFill/>
+            <a:extLst>
+              <a:ext uri="{909E8E84-426E-40DD-AFC4-6F175D3DCCD1}">
+                <a14:hiddenFill xmlns:a14="http://schemas.microsoft.com/office/drawing/2010/main">
+                  <a:solidFill>
+                    <a:srgbClr val="FFFFFF"/>
+                  </a:solidFill>
+                </a14:hiddenFill>
+              </a:ext>
+            </a:extLst>
+          </p:spPr>
+        </p:pic>
+        <p:sp>
+          <p:nvSpPr>
+            <p:cNvPr id="47" name="Rounded Rectangle 46"/>
+            <p:cNvSpPr/>
+            <p:nvPr/>
+          </p:nvSpPr>
+          <p:spPr>
+            <a:xfrm>
+              <a:off x="3431332" y="4052596"/>
+              <a:ext cx="762000" cy="748004"/>
+            </a:xfrm>
+            <a:prstGeom prst="roundRect">
+              <a:avLst/>
+            </a:prstGeom>
+            <a:solidFill>
+              <a:srgbClr val="A6C4DE"/>
+            </a:solidFill>
+            <a:ln w="25400" cap="flat" cmpd="sng" algn="ctr">
+              <a:solidFill>
+                <a:srgbClr val="A6C4DE">
+                  <a:shade val="50000"/>
+                </a:srgbClr>
+              </a:solidFill>
+              <a:prstDash val="solid"/>
+            </a:ln>
+            <a:effectLst/>
+          </p:spPr>
+          <p:txBody>
+            <a:bodyPr rtlCol="0" anchor="ctr"/>
+            <a:lstStyle/>
+            <a:p>
+              <a:pPr marL="0" marR="0" lvl="0" indent="0" algn="ctr" defTabSz="914400" eaLnBrk="1" fontAlgn="base" latinLnBrk="0" hangingPunct="1">
+                <a:lnSpc>
+                  <a:spcPct val="100000"/>
+                </a:lnSpc>
+                <a:spcBef>
+                  <a:spcPct val="0"/>
+                </a:spcBef>
+                <a:spcAft>
+                  <a:spcPct val="0"/>
+                </a:spcAft>
+                <a:buClrTx/>
+                <a:buSzTx/>
+                <a:buFontTx/>
+                <a:buNone/>
+                <a:tabLst/>
+                <a:defRPr/>
+              </a:pPr>
+              <a:r>
+                <a:rPr kumimoji="0" lang="en-US" sz="2400" b="0" i="0" u="none" strike="noStrike" kern="0" cap="none" spc="0" normalizeH="0" baseline="0" noProof="0" dirty="0" smtClean="0">
+                  <a:ln>
+                    <a:noFill/>
+                  </a:ln>
+                  <a:solidFill>
+                    <a:srgbClr val="FFFFFF"/>
+                  </a:solidFill>
+                  <a:effectLst/>
+                  <a:uLnTx/>
+                  <a:uFillTx/>
+                  <a:latin typeface="Calibri"/>
+                  <a:ea typeface="+mn-ea"/>
+                  <a:cs typeface="+mn-cs"/>
+                </a:rPr>
+                <a:t>C</a:t>
+              </a:r>
+            </a:p>
+          </p:txBody>
+        </p:sp>
+        <p:sp>
+          <p:nvSpPr>
+            <p:cNvPr id="48" name="Rounded Rectangle 47"/>
+            <p:cNvSpPr/>
+            <p:nvPr/>
+          </p:nvSpPr>
+          <p:spPr>
+            <a:xfrm>
+              <a:off x="4363275" y="4052596"/>
+              <a:ext cx="762000" cy="748004"/>
+            </a:xfrm>
+            <a:prstGeom prst="roundRect">
+              <a:avLst/>
+            </a:prstGeom>
+            <a:solidFill>
+              <a:srgbClr val="A6C4DE"/>
+            </a:solidFill>
+            <a:ln w="25400" cap="flat" cmpd="sng" algn="ctr">
+              <a:solidFill>
+                <a:srgbClr val="A6C4DE">
+                  <a:shade val="50000"/>
+                </a:srgbClr>
+              </a:solidFill>
+              <a:prstDash val="solid"/>
+            </a:ln>
+            <a:effectLst/>
+          </p:spPr>
+          <p:txBody>
+            <a:bodyPr rtlCol="0" anchor="ctr"/>
+            <a:lstStyle/>
+            <a:p>
+              <a:pPr marL="0" marR="0" lvl="0" indent="0" algn="ctr" defTabSz="914400" eaLnBrk="1" fontAlgn="base" latinLnBrk="0" hangingPunct="1">
+                <a:lnSpc>
+                  <a:spcPct val="100000"/>
+                </a:lnSpc>
+                <a:spcBef>
+                  <a:spcPct val="0"/>
+                </a:spcBef>
+                <a:spcAft>
+                  <a:spcPct val="0"/>
+                </a:spcAft>
+                <a:buClrTx/>
+                <a:buSzTx/>
+                <a:buFontTx/>
+                <a:buNone/>
+                <a:tabLst/>
+                <a:defRPr/>
+              </a:pPr>
+              <a:r>
+                <a:rPr kumimoji="0" lang="en-US" sz="2400" b="0" i="0" u="none" strike="noStrike" kern="0" cap="none" spc="0" normalizeH="0" baseline="0" noProof="0" dirty="0" smtClean="0">
+                  <a:ln>
+                    <a:noFill/>
+                  </a:ln>
+                  <a:solidFill>
+                    <a:srgbClr val="FFFFFF"/>
+                  </a:solidFill>
+                  <a:effectLst/>
+                  <a:uLnTx/>
+                  <a:uFillTx/>
+                  <a:latin typeface="Calibri"/>
+                  <a:ea typeface="+mn-ea"/>
+                  <a:cs typeface="+mn-cs"/>
+                </a:rPr>
+                <a:t>C++</a:t>
+              </a:r>
+            </a:p>
+          </p:txBody>
+        </p:sp>
+        <p:sp>
+          <p:nvSpPr>
+            <p:cNvPr id="49" name="Rounded Rectangle 48"/>
+            <p:cNvSpPr/>
+            <p:nvPr/>
+          </p:nvSpPr>
+          <p:spPr>
+            <a:xfrm>
+              <a:off x="5367823" y="4019647"/>
+              <a:ext cx="1237863" cy="748004"/>
+            </a:xfrm>
+            <a:prstGeom prst="roundRect">
+              <a:avLst/>
+            </a:prstGeom>
+            <a:solidFill>
+              <a:srgbClr val="A6C4DE"/>
+            </a:solidFill>
+            <a:ln w="25400" cap="flat" cmpd="sng" algn="ctr">
+              <a:solidFill>
+                <a:srgbClr val="A6C4DE">
+                  <a:shade val="50000"/>
+                </a:srgbClr>
+              </a:solidFill>
+              <a:prstDash val="solid"/>
+            </a:ln>
+            <a:effectLst/>
+          </p:spPr>
+          <p:txBody>
+            <a:bodyPr rtlCol="0" anchor="ctr"/>
+            <a:lstStyle/>
+            <a:p>
+              <a:pPr marL="0" marR="0" lvl="0" indent="0" algn="ctr" defTabSz="914400" eaLnBrk="1" fontAlgn="base" latinLnBrk="0" hangingPunct="1">
+                <a:lnSpc>
+                  <a:spcPct val="100000"/>
+                </a:lnSpc>
+                <a:spcBef>
+                  <a:spcPct val="0"/>
+                </a:spcBef>
+                <a:spcAft>
+                  <a:spcPct val="0"/>
+                </a:spcAft>
+                <a:buClrTx/>
+                <a:buSzTx/>
+                <a:buFontTx/>
+                <a:buNone/>
+                <a:tabLst/>
+                <a:defRPr/>
+              </a:pPr>
+              <a:r>
+                <a:rPr kumimoji="0" lang="en-US" sz="2400" b="0" i="0" u="none" strike="noStrike" kern="0" cap="none" spc="0" normalizeH="0" baseline="0" noProof="0" dirty="0" smtClean="0">
+                  <a:ln>
+                    <a:noFill/>
+                  </a:ln>
+                  <a:solidFill>
+                    <a:srgbClr val="FFFFFF"/>
+                  </a:solidFill>
+                  <a:effectLst/>
+                  <a:uLnTx/>
+                  <a:uFillTx/>
+                  <a:latin typeface="Calibri"/>
+                  <a:ea typeface="+mn-ea"/>
+                  <a:cs typeface="+mn-cs"/>
+                </a:rPr>
+                <a:t>Fortran</a:t>
+              </a:r>
+            </a:p>
+          </p:txBody>
+        </p:sp>
+        <p:pic>
+          <p:nvPicPr>
+            <p:cNvPr id="50" name="Picture 4" descr="C:\Users\justin\Desktop\tcllogo-tr.gif"/>
+            <p:cNvPicPr>
+              <a:picLocks noChangeAspect="1" noChangeArrowheads="1"/>
+            </p:cNvPicPr>
+            <p:nvPr/>
+          </p:nvPicPr>
+          <p:blipFill>
+            <a:blip r:embed="rId6">
+              <a:extLst>
+                <a:ext uri="{28A0092B-C50C-407E-A947-70E740481C1C}">
+                  <a14:useLocalDpi xmlns:a14="http://schemas.microsoft.com/office/drawing/2010/main" val="0"/>
+                </a:ext>
+              </a:extLst>
+            </a:blip>
+            <a:srcRect/>
+            <a:stretch>
+              <a:fillRect/>
+            </a:stretch>
+          </p:blipFill>
+          <p:spPr bwMode="auto">
+            <a:xfrm>
+              <a:off x="5579706" y="5056641"/>
+              <a:ext cx="814096" cy="1197200"/>
+            </a:xfrm>
+            <a:prstGeom prst="rect">
+              <a:avLst/>
+            </a:prstGeom>
+            <a:noFill/>
+            <a:extLst>
+              <a:ext uri="{909E8E84-426E-40DD-AFC4-6F175D3DCCD1}">
+                <a14:hiddenFill xmlns:a14="http://schemas.microsoft.com/office/drawing/2010/main">
+                  <a:solidFill>
+                    <a:srgbClr val="FFFFFF"/>
+                  </a:solidFill>
+                </a14:hiddenFill>
+              </a:ext>
+            </a:extLst>
+          </p:spPr>
+        </p:pic>
+      </p:grpSp>
+      <p:grpSp>
+        <p:nvGrpSpPr>
+          <p:cNvPr id="51" name="Group 50"/>
+          <p:cNvGrpSpPr/>
+          <p:nvPr/>
+        </p:nvGrpSpPr>
+        <p:grpSpPr>
+          <a:xfrm>
+            <a:off x="9864868" y="18155340"/>
+            <a:ext cx="3241531" cy="2799660"/>
+            <a:chOff x="3200400" y="3200400"/>
+            <a:chExt cx="3581400" cy="3200400"/>
+          </a:xfrm>
+        </p:grpSpPr>
+        <p:sp>
+          <p:nvSpPr>
+            <p:cNvPr id="52" name="Rectangle 51"/>
+            <p:cNvSpPr/>
+            <p:nvPr/>
+          </p:nvSpPr>
+          <p:spPr>
+            <a:xfrm>
+              <a:off x="3200400" y="3200400"/>
+              <a:ext cx="3581400" cy="3200400"/>
+            </a:xfrm>
+            <a:prstGeom prst="rect">
+              <a:avLst/>
+            </a:prstGeom>
+            <a:solidFill>
+              <a:srgbClr val="1F497D">
+                <a:lumMod val="20000"/>
+                <a:lumOff val="80000"/>
+              </a:srgbClr>
+            </a:solidFill>
+            <a:ln w="25400" cap="flat" cmpd="sng" algn="ctr">
+              <a:solidFill>
+                <a:srgbClr val="A6C4DE">
+                  <a:shade val="50000"/>
+                </a:srgbClr>
+              </a:solidFill>
+              <a:prstDash val="solid"/>
+            </a:ln>
+            <a:effectLst/>
+          </p:spPr>
+          <p:txBody>
+            <a:bodyPr rtlCol="0" anchor="ctr"/>
+            <a:lstStyle/>
+            <a:p>
+              <a:pPr marL="0" marR="0" lvl="0" indent="0" algn="ctr" defTabSz="914400" eaLnBrk="1" fontAlgn="base" latinLnBrk="0" hangingPunct="1">
+                <a:lnSpc>
+                  <a:spcPct val="100000"/>
+                </a:lnSpc>
+                <a:spcBef>
+                  <a:spcPct val="0"/>
+                </a:spcBef>
+                <a:spcAft>
+                  <a:spcPct val="0"/>
+                </a:spcAft>
+                <a:buClrTx/>
+                <a:buSzTx/>
+                <a:buFontTx/>
+                <a:buNone/>
+                <a:tabLst/>
+                <a:defRPr/>
+              </a:pPr>
+              <a:endParaRPr kumimoji="0" lang="en-US" sz="2400" b="0" i="0" u="none" strike="noStrike" kern="0" cap="none" spc="0" normalizeH="0" baseline="0" noProof="0" dirty="0" smtClean="0">
+                <a:ln>
+                  <a:noFill/>
+                </a:ln>
+                <a:solidFill>
+                  <a:srgbClr val="404040"/>
+                </a:solidFill>
+                <a:effectLst/>
+                <a:uLnTx/>
+                <a:uFillTx/>
+                <a:latin typeface="Calibri"/>
+                <a:ea typeface="+mn-ea"/>
+                <a:cs typeface="+mn-cs"/>
+              </a:endParaRPr>
+            </a:p>
+            <a:p>
+              <a:pPr marL="0" marR="0" lvl="0" indent="0" algn="ctr" defTabSz="914400" eaLnBrk="1" fontAlgn="base" latinLnBrk="0" hangingPunct="1">
+                <a:lnSpc>
+                  <a:spcPct val="100000"/>
+                </a:lnSpc>
+                <a:spcBef>
+                  <a:spcPct val="0"/>
+                </a:spcBef>
+                <a:spcAft>
+                  <a:spcPct val="0"/>
+                </a:spcAft>
+                <a:buClrTx/>
+                <a:buSzTx/>
+                <a:buFontTx/>
+                <a:buNone/>
+                <a:tabLst/>
+                <a:defRPr/>
+              </a:pPr>
+              <a:endParaRPr kumimoji="0" lang="en-US" sz="2400" b="0" i="0" u="none" strike="noStrike" kern="0" cap="none" spc="0" normalizeH="0" baseline="0" noProof="0" dirty="0" smtClean="0">
+                <a:ln>
+                  <a:noFill/>
+                </a:ln>
+                <a:solidFill>
+                  <a:srgbClr val="404040"/>
+                </a:solidFill>
+                <a:effectLst/>
+                <a:uLnTx/>
+                <a:uFillTx/>
+                <a:latin typeface="Calibri"/>
+                <a:ea typeface="+mn-ea"/>
+                <a:cs typeface="+mn-cs"/>
+              </a:endParaRPr>
+            </a:p>
+            <a:p>
+              <a:pPr marL="0" marR="0" lvl="0" indent="0" algn="ctr" defTabSz="914400" eaLnBrk="1" fontAlgn="base" latinLnBrk="0" hangingPunct="1">
+                <a:lnSpc>
+                  <a:spcPct val="100000"/>
+                </a:lnSpc>
+                <a:spcBef>
+                  <a:spcPct val="0"/>
+                </a:spcBef>
+                <a:spcAft>
+                  <a:spcPct val="0"/>
+                </a:spcAft>
+                <a:buClrTx/>
+                <a:buSzTx/>
+                <a:buFontTx/>
+                <a:buNone/>
+                <a:tabLst/>
+                <a:defRPr/>
+              </a:pPr>
+              <a:endParaRPr kumimoji="0" lang="en-US" sz="2400" b="0" i="0" u="none" strike="noStrike" kern="0" cap="none" spc="0" normalizeH="0" baseline="0" noProof="0" dirty="0" smtClean="0">
+                <a:ln>
+                  <a:noFill/>
+                </a:ln>
+                <a:solidFill>
+                  <a:srgbClr val="404040"/>
+                </a:solidFill>
+                <a:effectLst/>
+                <a:uLnTx/>
+                <a:uFillTx/>
+                <a:latin typeface="Calibri"/>
+                <a:ea typeface="+mn-ea"/>
+                <a:cs typeface="+mn-cs"/>
+              </a:endParaRPr>
+            </a:p>
+            <a:p>
+              <a:pPr marL="0" marR="0" lvl="0" indent="0" algn="ctr" defTabSz="914400" eaLnBrk="1" fontAlgn="base" latinLnBrk="0" hangingPunct="1">
+                <a:lnSpc>
+                  <a:spcPct val="100000"/>
+                </a:lnSpc>
+                <a:spcBef>
+                  <a:spcPct val="0"/>
+                </a:spcBef>
+                <a:spcAft>
+                  <a:spcPct val="0"/>
+                </a:spcAft>
+                <a:buClrTx/>
+                <a:buSzTx/>
+                <a:buFontTx/>
+                <a:buNone/>
+                <a:tabLst/>
+                <a:defRPr/>
+              </a:pPr>
+              <a:endParaRPr kumimoji="0" lang="en-US" sz="2400" b="0" i="0" u="none" strike="noStrike" kern="0" cap="none" spc="0" normalizeH="0" baseline="0" noProof="0" dirty="0" smtClean="0">
+                <a:ln>
+                  <a:noFill/>
+                </a:ln>
+                <a:solidFill>
+                  <a:srgbClr val="404040"/>
+                </a:solidFill>
+                <a:effectLst/>
+                <a:uLnTx/>
+                <a:uFillTx/>
+                <a:latin typeface="Calibri"/>
+                <a:ea typeface="+mn-ea"/>
+                <a:cs typeface="+mn-cs"/>
+              </a:endParaRPr>
+            </a:p>
+            <a:p>
+              <a:pPr marL="0" marR="0" lvl="0" indent="0" algn="ctr" defTabSz="914400" eaLnBrk="1" fontAlgn="base" latinLnBrk="0" hangingPunct="1">
+                <a:lnSpc>
+                  <a:spcPct val="100000"/>
+                </a:lnSpc>
+                <a:spcBef>
+                  <a:spcPct val="0"/>
+                </a:spcBef>
+                <a:spcAft>
+                  <a:spcPct val="0"/>
+                </a:spcAft>
+                <a:buClrTx/>
+                <a:buSzTx/>
+                <a:buFontTx/>
+                <a:buNone/>
+                <a:tabLst/>
+                <a:defRPr/>
+              </a:pPr>
+              <a:endParaRPr kumimoji="0" lang="en-US" sz="2400" b="0" i="0" u="none" strike="noStrike" kern="0" cap="none" spc="0" normalizeH="0" baseline="0" noProof="0" dirty="0" smtClean="0">
+                <a:ln>
+                  <a:noFill/>
+                </a:ln>
+                <a:solidFill>
+                  <a:srgbClr val="404040"/>
+                </a:solidFill>
+                <a:effectLst/>
+                <a:uLnTx/>
+                <a:uFillTx/>
+                <a:latin typeface="Calibri"/>
+                <a:ea typeface="+mn-ea"/>
+                <a:cs typeface="+mn-cs"/>
+              </a:endParaRPr>
+            </a:p>
+            <a:p>
+              <a:pPr marL="0" marR="0" lvl="0" indent="0" algn="ctr" defTabSz="914400" eaLnBrk="1" fontAlgn="base" latinLnBrk="0" hangingPunct="1">
+                <a:lnSpc>
+                  <a:spcPct val="100000"/>
+                </a:lnSpc>
+                <a:spcBef>
+                  <a:spcPct val="0"/>
+                </a:spcBef>
+                <a:spcAft>
+                  <a:spcPct val="0"/>
+                </a:spcAft>
+                <a:buClrTx/>
+                <a:buSzTx/>
+                <a:buFontTx/>
+                <a:buNone/>
+                <a:tabLst/>
+                <a:defRPr/>
+              </a:pPr>
+              <a:endParaRPr kumimoji="0" lang="en-US" sz="2400" b="0" i="0" u="none" strike="noStrike" kern="0" cap="none" spc="0" normalizeH="0" baseline="0" noProof="0" dirty="0" smtClean="0">
+                <a:ln>
+                  <a:noFill/>
+                </a:ln>
+                <a:solidFill>
+                  <a:srgbClr val="404040"/>
+                </a:solidFill>
+                <a:effectLst/>
+                <a:uLnTx/>
+                <a:uFillTx/>
+                <a:latin typeface="Calibri"/>
+                <a:ea typeface="+mn-ea"/>
+                <a:cs typeface="+mn-cs"/>
+              </a:endParaRPr>
+            </a:p>
+          </p:txBody>
+        </p:sp>
+        <p:pic>
+          <p:nvPicPr>
+            <p:cNvPr id="53" name="Picture 2" descr="C:\cygwin\home\justin\ATPESC_2013-08-06\part11-swift-py-r\slides\python-powered-h-50x65.png"/>
+            <p:cNvPicPr>
+              <a:picLocks noChangeAspect="1" noChangeArrowheads="1"/>
+            </p:cNvPicPr>
+            <p:nvPr/>
+          </p:nvPicPr>
+          <p:blipFill>
+            <a:blip r:embed="rId4">
+              <a:extLst>
+                <a:ext uri="{28A0092B-C50C-407E-A947-70E740481C1C}">
+                  <a14:useLocalDpi xmlns:a14="http://schemas.microsoft.com/office/drawing/2010/main" val="0"/>
+                </a:ext>
+              </a:extLst>
+            </a:blip>
+            <a:srcRect/>
+            <a:stretch>
+              <a:fillRect/>
+            </a:stretch>
+          </p:blipFill>
+          <p:spPr bwMode="auto">
+            <a:xfrm>
+              <a:off x="3407226" y="5114037"/>
+              <a:ext cx="749559" cy="974427"/>
+            </a:xfrm>
+            <a:prstGeom prst="rect">
+              <a:avLst/>
+            </a:prstGeom>
+            <a:noFill/>
+            <a:extLst>
+              <a:ext uri="{909E8E84-426E-40DD-AFC4-6F175D3DCCD1}">
+                <a14:hiddenFill xmlns:a14="http://schemas.microsoft.com/office/drawing/2010/main">
+                  <a:solidFill>
+                    <a:srgbClr val="FFFFFF"/>
+                  </a:solidFill>
+                </a14:hiddenFill>
+              </a:ext>
+            </a:extLst>
+          </p:spPr>
+        </p:pic>
+        <p:pic>
+          <p:nvPicPr>
+            <p:cNvPr id="54" name="Picture 3" descr="C:\cygwin\home\justin\ATPESC_2013-08-06\part11-swift-py-r\slides\Rlogo.jpg"/>
+            <p:cNvPicPr>
+              <a:picLocks noChangeAspect="1" noChangeArrowheads="1"/>
+            </p:cNvPicPr>
+            <p:nvPr/>
+          </p:nvPicPr>
+          <p:blipFill>
+            <a:blip r:embed="rId5">
+              <a:extLst>
+                <a:ext uri="{28A0092B-C50C-407E-A947-70E740481C1C}">
+                  <a14:useLocalDpi xmlns:a14="http://schemas.microsoft.com/office/drawing/2010/main" val="0"/>
+                </a:ext>
+              </a:extLst>
+            </a:blip>
+            <a:srcRect/>
+            <a:stretch>
+              <a:fillRect/>
+            </a:stretch>
+          </p:blipFill>
+          <p:spPr bwMode="auto">
+            <a:xfrm>
+              <a:off x="4363275" y="5221293"/>
+              <a:ext cx="1004548" cy="759916"/>
+            </a:xfrm>
+            <a:prstGeom prst="rect">
+              <a:avLst/>
+            </a:prstGeom>
+            <a:noFill/>
+            <a:extLst>
+              <a:ext uri="{909E8E84-426E-40DD-AFC4-6F175D3DCCD1}">
+                <a14:hiddenFill xmlns:a14="http://schemas.microsoft.com/office/drawing/2010/main">
+                  <a:solidFill>
+                    <a:srgbClr val="FFFFFF"/>
+                  </a:solidFill>
+                </a14:hiddenFill>
+              </a:ext>
+            </a:extLst>
+          </p:spPr>
+        </p:pic>
+        <p:sp>
+          <p:nvSpPr>
+            <p:cNvPr id="55" name="Rounded Rectangle 54"/>
+            <p:cNvSpPr/>
+            <p:nvPr/>
+          </p:nvSpPr>
+          <p:spPr>
+            <a:xfrm>
+              <a:off x="3431332" y="4052596"/>
+              <a:ext cx="762000" cy="748004"/>
+            </a:xfrm>
+            <a:prstGeom prst="roundRect">
+              <a:avLst/>
+            </a:prstGeom>
+            <a:solidFill>
+              <a:srgbClr val="A6C4DE"/>
+            </a:solidFill>
+            <a:ln w="25400" cap="flat" cmpd="sng" algn="ctr">
+              <a:solidFill>
+                <a:srgbClr val="A6C4DE">
+                  <a:shade val="50000"/>
+                </a:srgbClr>
+              </a:solidFill>
+              <a:prstDash val="solid"/>
+            </a:ln>
+            <a:effectLst/>
+          </p:spPr>
+          <p:txBody>
+            <a:bodyPr rtlCol="0" anchor="ctr"/>
+            <a:lstStyle/>
+            <a:p>
+              <a:pPr marL="0" marR="0" lvl="0" indent="0" algn="ctr" defTabSz="914400" eaLnBrk="1" fontAlgn="base" latinLnBrk="0" hangingPunct="1">
+                <a:lnSpc>
+                  <a:spcPct val="100000"/>
+                </a:lnSpc>
+                <a:spcBef>
+                  <a:spcPct val="0"/>
+                </a:spcBef>
+                <a:spcAft>
+                  <a:spcPct val="0"/>
+                </a:spcAft>
+                <a:buClrTx/>
+                <a:buSzTx/>
+                <a:buFontTx/>
+                <a:buNone/>
+                <a:tabLst/>
+                <a:defRPr/>
+              </a:pPr>
+              <a:r>
+                <a:rPr kumimoji="0" lang="en-US" sz="2400" b="0" i="0" u="none" strike="noStrike" kern="0" cap="none" spc="0" normalizeH="0" baseline="0" noProof="0" dirty="0" smtClean="0">
+                  <a:ln>
+                    <a:noFill/>
+                  </a:ln>
+                  <a:solidFill>
+                    <a:srgbClr val="FFFFFF"/>
+                  </a:solidFill>
+                  <a:effectLst/>
+                  <a:uLnTx/>
+                  <a:uFillTx/>
+                  <a:latin typeface="Calibri"/>
+                  <a:ea typeface="+mn-ea"/>
+                  <a:cs typeface="+mn-cs"/>
+                </a:rPr>
+                <a:t>C</a:t>
+              </a:r>
+            </a:p>
+          </p:txBody>
+        </p:sp>
+        <p:sp>
+          <p:nvSpPr>
+            <p:cNvPr id="56" name="Rounded Rectangle 55"/>
+            <p:cNvSpPr/>
+            <p:nvPr/>
+          </p:nvSpPr>
+          <p:spPr>
+            <a:xfrm>
+              <a:off x="4363275" y="4052596"/>
+              <a:ext cx="762000" cy="748004"/>
+            </a:xfrm>
+            <a:prstGeom prst="roundRect">
+              <a:avLst/>
+            </a:prstGeom>
+            <a:solidFill>
+              <a:srgbClr val="A6C4DE"/>
+            </a:solidFill>
+            <a:ln w="25400" cap="flat" cmpd="sng" algn="ctr">
+              <a:solidFill>
+                <a:srgbClr val="A6C4DE">
+                  <a:shade val="50000"/>
+                </a:srgbClr>
+              </a:solidFill>
+              <a:prstDash val="solid"/>
+            </a:ln>
+            <a:effectLst/>
+          </p:spPr>
+          <p:txBody>
+            <a:bodyPr rtlCol="0" anchor="ctr"/>
+            <a:lstStyle/>
+            <a:p>
+              <a:pPr marL="0" marR="0" lvl="0" indent="0" algn="ctr" defTabSz="914400" eaLnBrk="1" fontAlgn="base" latinLnBrk="0" hangingPunct="1">
+                <a:lnSpc>
+                  <a:spcPct val="100000"/>
+                </a:lnSpc>
+                <a:spcBef>
+                  <a:spcPct val="0"/>
+                </a:spcBef>
+                <a:spcAft>
+                  <a:spcPct val="0"/>
+                </a:spcAft>
+                <a:buClrTx/>
+                <a:buSzTx/>
+                <a:buFontTx/>
+                <a:buNone/>
+                <a:tabLst/>
+                <a:defRPr/>
+              </a:pPr>
+              <a:r>
+                <a:rPr kumimoji="0" lang="en-US" sz="2400" b="0" i="0" u="none" strike="noStrike" kern="0" cap="none" spc="0" normalizeH="0" baseline="0" noProof="0" dirty="0" smtClean="0">
+                  <a:ln>
+                    <a:noFill/>
+                  </a:ln>
+                  <a:solidFill>
+                    <a:srgbClr val="FFFFFF"/>
+                  </a:solidFill>
+                  <a:effectLst/>
+                  <a:uLnTx/>
+                  <a:uFillTx/>
+                  <a:latin typeface="Calibri"/>
+                  <a:ea typeface="+mn-ea"/>
+                  <a:cs typeface="+mn-cs"/>
+                </a:rPr>
+                <a:t>C++</a:t>
+              </a:r>
+            </a:p>
+          </p:txBody>
+        </p:sp>
+        <p:sp>
+          <p:nvSpPr>
+            <p:cNvPr id="59" name="Rounded Rectangle 58"/>
+            <p:cNvSpPr/>
+            <p:nvPr/>
+          </p:nvSpPr>
+          <p:spPr>
+            <a:xfrm>
+              <a:off x="5367823" y="4019647"/>
+              <a:ext cx="1237863" cy="748004"/>
+            </a:xfrm>
+            <a:prstGeom prst="roundRect">
+              <a:avLst/>
+            </a:prstGeom>
+            <a:solidFill>
+              <a:srgbClr val="A6C4DE"/>
+            </a:solidFill>
+            <a:ln w="25400" cap="flat" cmpd="sng" algn="ctr">
+              <a:solidFill>
+                <a:srgbClr val="A6C4DE">
+                  <a:shade val="50000"/>
+                </a:srgbClr>
+              </a:solidFill>
+              <a:prstDash val="solid"/>
+            </a:ln>
+            <a:effectLst/>
+          </p:spPr>
+          <p:txBody>
+            <a:bodyPr rtlCol="0" anchor="ctr"/>
+            <a:lstStyle/>
+            <a:p>
+              <a:pPr marL="0" marR="0" lvl="0" indent="0" algn="ctr" defTabSz="914400" eaLnBrk="1" fontAlgn="base" latinLnBrk="0" hangingPunct="1">
+                <a:lnSpc>
+                  <a:spcPct val="100000"/>
+                </a:lnSpc>
+                <a:spcBef>
+                  <a:spcPct val="0"/>
+                </a:spcBef>
+                <a:spcAft>
+                  <a:spcPct val="0"/>
+                </a:spcAft>
+                <a:buClrTx/>
+                <a:buSzTx/>
+                <a:buFontTx/>
+                <a:buNone/>
+                <a:tabLst/>
+                <a:defRPr/>
+              </a:pPr>
+              <a:r>
+                <a:rPr kumimoji="0" lang="en-US" sz="2400" b="0" i="0" u="none" strike="noStrike" kern="0" cap="none" spc="0" normalizeH="0" baseline="0" noProof="0" dirty="0" smtClean="0">
+                  <a:ln>
+                    <a:noFill/>
+                  </a:ln>
+                  <a:solidFill>
+                    <a:srgbClr val="FFFFFF"/>
+                  </a:solidFill>
+                  <a:effectLst/>
+                  <a:uLnTx/>
+                  <a:uFillTx/>
+                  <a:latin typeface="Calibri"/>
+                  <a:ea typeface="+mn-ea"/>
+                  <a:cs typeface="+mn-cs"/>
+                </a:rPr>
+                <a:t>Fortran</a:t>
+              </a:r>
+            </a:p>
+          </p:txBody>
+        </p:sp>
+        <p:pic>
+          <p:nvPicPr>
+            <p:cNvPr id="60" name="Picture 4" descr="C:\Users\justin\Desktop\tcllogo-tr.gif"/>
+            <p:cNvPicPr>
+              <a:picLocks noChangeAspect="1" noChangeArrowheads="1"/>
+            </p:cNvPicPr>
+            <p:nvPr/>
+          </p:nvPicPr>
+          <p:blipFill>
+            <a:blip r:embed="rId6">
+              <a:extLst>
+                <a:ext uri="{28A0092B-C50C-407E-A947-70E740481C1C}">
+                  <a14:useLocalDpi xmlns:a14="http://schemas.microsoft.com/office/drawing/2010/main" val="0"/>
+                </a:ext>
+              </a:extLst>
+            </a:blip>
+            <a:srcRect/>
+            <a:stretch>
+              <a:fillRect/>
+            </a:stretch>
+          </p:blipFill>
+          <p:spPr bwMode="auto">
+            <a:xfrm>
+              <a:off x="5579706" y="5056641"/>
+              <a:ext cx="814096" cy="1197200"/>
+            </a:xfrm>
+            <a:prstGeom prst="rect">
+              <a:avLst/>
+            </a:prstGeom>
+            <a:noFill/>
+            <a:extLst>
+              <a:ext uri="{909E8E84-426E-40DD-AFC4-6F175D3DCCD1}">
+                <a14:hiddenFill xmlns:a14="http://schemas.microsoft.com/office/drawing/2010/main">
+                  <a:solidFill>
+                    <a:srgbClr val="FFFFFF"/>
+                  </a:solidFill>
+                </a14:hiddenFill>
+              </a:ext>
+            </a:extLst>
+          </p:spPr>
+        </p:pic>
+      </p:grpSp>
+      <p:sp>
+        <p:nvSpPr>
+          <p:cNvPr id="61" name="Rectangle 60"/>
           <p:cNvSpPr/>
           <p:nvPr/>
         </p:nvSpPr>
         <p:spPr>
           <a:xfrm>
-            <a:off x="14691244" y="12307139"/>
-            <a:ext cx="11277600" cy="1250961"/>
+            <a:off x="9754715" y="18045184"/>
+            <a:ext cx="3270154" cy="2834605"/>
           </a:xfrm>
           <a:prstGeom prst="rect">
             <a:avLst/>
           </a:prstGeom>
+          <a:solidFill>
+            <a:srgbClr val="1F497D">
+              <a:lumMod val="20000"/>
+              <a:lumOff val="80000"/>
+            </a:srgbClr>
+          </a:solidFill>
+          <a:ln w="25400" cap="flat" cmpd="sng" algn="ctr">
+            <a:solidFill>
+              <a:srgbClr val="A6C4DE">
+                <a:shade val="50000"/>
+              </a:srgbClr>
+            </a:solidFill>
+            <a:prstDash val="solid"/>
+          </a:ln>
+          <a:effectLst/>
         </p:spPr>
         <p:txBody>
-          <a:bodyPr>
-            <a:noAutofit/>
+          <a:bodyPr rtlCol="0" anchor="t" anchorCtr="0"/>
+          <a:lstStyle/>
+          <a:p>
+            <a:pPr marL="0" marR="0" lvl="0" indent="0" algn="ctr" defTabSz="914400" eaLnBrk="1" fontAlgn="base" latinLnBrk="0" hangingPunct="1">
+              <a:lnSpc>
+                <a:spcPct val="100000"/>
+              </a:lnSpc>
+              <a:spcBef>
+                <a:spcPct val="0"/>
+              </a:spcBef>
+              <a:spcAft>
+                <a:spcPct val="0"/>
+              </a:spcAft>
+              <a:buClrTx/>
+              <a:buSzTx/>
+              <a:buFontTx/>
+              <a:buNone/>
+              <a:tabLst/>
+              <a:defRPr/>
+            </a:pPr>
+            <a:endParaRPr kumimoji="0" lang="en-US" sz="2400" b="0" i="0" u="none" strike="noStrike" kern="0" cap="none" spc="0" normalizeH="0" baseline="0" noProof="0" dirty="0" smtClean="0">
+              <a:ln>
+                <a:noFill/>
+              </a:ln>
+              <a:solidFill>
+                <a:srgbClr val="404040"/>
+              </a:solidFill>
+              <a:effectLst/>
+              <a:uLnTx/>
+              <a:uFillTx/>
+              <a:latin typeface="Calibri"/>
+              <a:ea typeface="+mn-ea"/>
+              <a:cs typeface="+mn-cs"/>
+            </a:endParaRPr>
+          </a:p>
+          <a:p>
+            <a:pPr marL="0" marR="0" lvl="0" indent="0" algn="ctr" defTabSz="914400" eaLnBrk="1" fontAlgn="base" latinLnBrk="0" hangingPunct="1">
+              <a:lnSpc>
+                <a:spcPct val="100000"/>
+              </a:lnSpc>
+              <a:spcBef>
+                <a:spcPct val="0"/>
+              </a:spcBef>
+              <a:spcAft>
+                <a:spcPct val="0"/>
+              </a:spcAft>
+              <a:buClrTx/>
+              <a:buSzTx/>
+              <a:buFontTx/>
+              <a:buNone/>
+              <a:tabLst/>
+              <a:defRPr/>
+            </a:pPr>
+            <a:endParaRPr kumimoji="0" lang="en-US" sz="2400" b="0" i="0" u="none" strike="noStrike" kern="0" cap="none" spc="0" normalizeH="0" baseline="0" noProof="0" dirty="0" smtClean="0">
+              <a:ln>
+                <a:noFill/>
+              </a:ln>
+              <a:solidFill>
+                <a:srgbClr val="404040"/>
+              </a:solidFill>
+              <a:effectLst/>
+              <a:uLnTx/>
+              <a:uFillTx/>
+              <a:latin typeface="Calibri"/>
+              <a:ea typeface="+mn-ea"/>
+              <a:cs typeface="+mn-cs"/>
+            </a:endParaRPr>
+          </a:p>
+          <a:p>
+            <a:pPr marL="0" marR="0" lvl="0" indent="0" algn="ctr" defTabSz="914400" eaLnBrk="1" fontAlgn="base" latinLnBrk="0" hangingPunct="1">
+              <a:lnSpc>
+                <a:spcPct val="100000"/>
+              </a:lnSpc>
+              <a:spcBef>
+                <a:spcPct val="0"/>
+              </a:spcBef>
+              <a:spcAft>
+                <a:spcPct val="0"/>
+              </a:spcAft>
+              <a:buClrTx/>
+              <a:buSzTx/>
+              <a:buFontTx/>
+              <a:buNone/>
+              <a:tabLst/>
+              <a:defRPr/>
+            </a:pPr>
+            <a:endParaRPr kumimoji="0" lang="en-US" sz="2400" b="0" i="0" u="none" strike="noStrike" kern="0" cap="none" spc="0" normalizeH="0" baseline="0" noProof="0" dirty="0" smtClean="0">
+              <a:ln>
+                <a:noFill/>
+              </a:ln>
+              <a:solidFill>
+                <a:srgbClr val="404040"/>
+              </a:solidFill>
+              <a:effectLst/>
+              <a:uLnTx/>
+              <a:uFillTx/>
+              <a:latin typeface="Calibri"/>
+              <a:ea typeface="+mn-ea"/>
+              <a:cs typeface="+mn-cs"/>
+            </a:endParaRPr>
+          </a:p>
+          <a:p>
+            <a:pPr marL="0" marR="0" lvl="0" indent="0" algn="ctr" defTabSz="914400" eaLnBrk="1" fontAlgn="base" latinLnBrk="0" hangingPunct="1">
+              <a:lnSpc>
+                <a:spcPct val="100000"/>
+              </a:lnSpc>
+              <a:spcBef>
+                <a:spcPct val="0"/>
+              </a:spcBef>
+              <a:spcAft>
+                <a:spcPct val="0"/>
+              </a:spcAft>
+              <a:buClrTx/>
+              <a:buSzTx/>
+              <a:buFontTx/>
+              <a:buNone/>
+              <a:tabLst/>
+              <a:defRPr/>
+            </a:pPr>
+            <a:endParaRPr kumimoji="0" lang="en-US" sz="2400" b="0" i="0" u="none" strike="noStrike" kern="0" cap="none" spc="0" normalizeH="0" baseline="0" noProof="0" dirty="0" smtClean="0">
+              <a:ln>
+                <a:noFill/>
+              </a:ln>
+              <a:solidFill>
+                <a:srgbClr val="404040"/>
+              </a:solidFill>
+              <a:effectLst/>
+              <a:uLnTx/>
+              <a:uFillTx/>
+              <a:latin typeface="Calibri"/>
+              <a:ea typeface="+mn-ea"/>
+              <a:cs typeface="+mn-cs"/>
+            </a:endParaRPr>
+          </a:p>
+          <a:p>
+            <a:pPr marL="0" marR="0" lvl="0" indent="0" algn="ctr" defTabSz="914400" eaLnBrk="1" fontAlgn="base" latinLnBrk="0" hangingPunct="1">
+              <a:lnSpc>
+                <a:spcPct val="100000"/>
+              </a:lnSpc>
+              <a:spcBef>
+                <a:spcPct val="0"/>
+              </a:spcBef>
+              <a:spcAft>
+                <a:spcPct val="0"/>
+              </a:spcAft>
+              <a:buClrTx/>
+              <a:buSzTx/>
+              <a:buFontTx/>
+              <a:buNone/>
+              <a:tabLst/>
+              <a:defRPr/>
+            </a:pPr>
+            <a:endParaRPr kumimoji="0" lang="en-US" sz="2400" b="0" i="0" u="none" strike="noStrike" kern="0" cap="none" spc="0" normalizeH="0" baseline="0" noProof="0" dirty="0" smtClean="0">
+              <a:ln>
+                <a:noFill/>
+              </a:ln>
+              <a:solidFill>
+                <a:srgbClr val="404040"/>
+              </a:solidFill>
+              <a:effectLst/>
+              <a:uLnTx/>
+              <a:uFillTx/>
+              <a:latin typeface="Calibri"/>
+              <a:ea typeface="+mn-ea"/>
+              <a:cs typeface="+mn-cs"/>
+            </a:endParaRPr>
+          </a:p>
+          <a:p>
+            <a:pPr marL="0" marR="0" lvl="0" indent="0" algn="ctr" defTabSz="914400" eaLnBrk="1" fontAlgn="base" latinLnBrk="0" hangingPunct="1">
+              <a:lnSpc>
+                <a:spcPct val="100000"/>
+              </a:lnSpc>
+              <a:spcBef>
+                <a:spcPct val="0"/>
+              </a:spcBef>
+              <a:spcAft>
+                <a:spcPct val="0"/>
+              </a:spcAft>
+              <a:buClrTx/>
+              <a:buSzTx/>
+              <a:buFontTx/>
+              <a:buNone/>
+              <a:tabLst/>
+              <a:defRPr/>
+            </a:pPr>
+            <a:endParaRPr kumimoji="0" lang="en-US" sz="2400" b="0" i="0" u="none" strike="noStrike" kern="0" cap="none" spc="0" normalizeH="0" baseline="0" noProof="0" dirty="0" smtClean="0">
+              <a:ln>
+                <a:noFill/>
+              </a:ln>
+              <a:solidFill>
+                <a:srgbClr val="404040"/>
+              </a:solidFill>
+              <a:effectLst/>
+              <a:uLnTx/>
+              <a:uFillTx/>
+              <a:latin typeface="Calibri"/>
+              <a:ea typeface="+mn-ea"/>
+              <a:cs typeface="+mn-cs"/>
+            </a:endParaRPr>
+          </a:p>
+        </p:txBody>
+      </p:sp>
+      <p:sp>
+        <p:nvSpPr>
+          <p:cNvPr id="62" name="Rounded Rectangle 61"/>
+          <p:cNvSpPr/>
+          <p:nvPr/>
+        </p:nvSpPr>
+        <p:spPr>
+          <a:xfrm>
+            <a:off x="10053230" y="18608682"/>
+            <a:ext cx="550772" cy="526643"/>
+          </a:xfrm>
+          <a:prstGeom prst="roundRect">
+            <a:avLst/>
+          </a:prstGeom>
+          <a:solidFill>
+            <a:srgbClr val="A6C4DE"/>
+          </a:solidFill>
+          <a:ln w="25400" cap="flat" cmpd="sng" algn="ctr">
+            <a:solidFill>
+              <a:srgbClr val="A6C4DE">
+                <a:shade val="50000"/>
+              </a:srgbClr>
+            </a:solidFill>
+            <a:prstDash val="solid"/>
+          </a:ln>
+          <a:effectLst/>
+        </p:spPr>
+        <p:txBody>
+          <a:bodyPr rtlCol="0" anchor="ctr"/>
+          <a:lstStyle/>
+          <a:p>
+            <a:pPr marL="0" marR="0" lvl="0" indent="0" algn="ctr" defTabSz="914400" eaLnBrk="1" fontAlgn="base" latinLnBrk="0" hangingPunct="1">
+              <a:lnSpc>
+                <a:spcPct val="100000"/>
+              </a:lnSpc>
+              <a:spcBef>
+                <a:spcPct val="0"/>
+              </a:spcBef>
+              <a:spcAft>
+                <a:spcPct val="0"/>
+              </a:spcAft>
+              <a:buClrTx/>
+              <a:buSzTx/>
+              <a:buFontTx/>
+              <a:buNone/>
+              <a:tabLst/>
+              <a:defRPr/>
+            </a:pPr>
+            <a:r>
+              <a:rPr kumimoji="0" lang="en-US" sz="2400" b="0" i="0" u="none" strike="noStrike" kern="0" cap="none" spc="0" normalizeH="0" baseline="0" noProof="0" dirty="0" smtClean="0">
+                <a:ln>
+                  <a:noFill/>
+                </a:ln>
+                <a:solidFill>
+                  <a:srgbClr val="FFFFFF"/>
+                </a:solidFill>
+                <a:effectLst/>
+                <a:uLnTx/>
+                <a:uFillTx/>
+                <a:latin typeface="Calibri"/>
+                <a:ea typeface="+mn-ea"/>
+                <a:cs typeface="+mn-cs"/>
+              </a:rPr>
+              <a:t>C</a:t>
+            </a:r>
+          </a:p>
+        </p:txBody>
+      </p:sp>
+      <p:sp>
+        <p:nvSpPr>
+          <p:cNvPr id="63" name="Rounded Rectangle 62"/>
+          <p:cNvSpPr/>
+          <p:nvPr/>
+        </p:nvSpPr>
+        <p:spPr>
+          <a:xfrm>
+            <a:off x="10831583" y="18608682"/>
+            <a:ext cx="706089" cy="526643"/>
+          </a:xfrm>
+          <a:prstGeom prst="roundRect">
+            <a:avLst/>
+          </a:prstGeom>
+          <a:solidFill>
+            <a:srgbClr val="A6C4DE"/>
+          </a:solidFill>
+          <a:ln w="25400" cap="flat" cmpd="sng" algn="ctr">
+            <a:solidFill>
+              <a:srgbClr val="A6C4DE">
+                <a:shade val="50000"/>
+              </a:srgbClr>
+            </a:solidFill>
+            <a:prstDash val="solid"/>
+          </a:ln>
+          <a:effectLst/>
+        </p:spPr>
+        <p:txBody>
+          <a:bodyPr rtlCol="0" anchor="ctr"/>
+          <a:lstStyle/>
+          <a:p>
+            <a:pPr marL="0" marR="0" lvl="0" indent="0" algn="ctr" defTabSz="914400" eaLnBrk="1" fontAlgn="base" latinLnBrk="0" hangingPunct="1">
+              <a:lnSpc>
+                <a:spcPct val="100000"/>
+              </a:lnSpc>
+              <a:spcBef>
+                <a:spcPct val="0"/>
+              </a:spcBef>
+              <a:spcAft>
+                <a:spcPct val="0"/>
+              </a:spcAft>
+              <a:buClrTx/>
+              <a:buSzTx/>
+              <a:buFontTx/>
+              <a:buNone/>
+              <a:tabLst/>
+              <a:defRPr/>
+            </a:pPr>
+            <a:r>
+              <a:rPr kumimoji="0" lang="en-US" sz="2400" b="0" i="0" u="none" strike="noStrike" kern="0" cap="none" spc="0" normalizeH="0" baseline="0" noProof="0" dirty="0" smtClean="0">
+                <a:ln>
+                  <a:noFill/>
+                </a:ln>
+                <a:solidFill>
+                  <a:srgbClr val="FFFFFF"/>
+                </a:solidFill>
+                <a:effectLst/>
+                <a:uLnTx/>
+                <a:uFillTx/>
+                <a:latin typeface="Calibri"/>
+                <a:ea typeface="+mn-ea"/>
+                <a:cs typeface="+mn-cs"/>
+              </a:rPr>
+              <a:t>C++</a:t>
+            </a:r>
+          </a:p>
+        </p:txBody>
+      </p:sp>
+      <p:sp>
+        <p:nvSpPr>
+          <p:cNvPr id="65" name="Rounded Rectangle 64"/>
+          <p:cNvSpPr/>
+          <p:nvPr/>
+        </p:nvSpPr>
+        <p:spPr>
+          <a:xfrm>
+            <a:off x="11698982" y="18608682"/>
+            <a:ext cx="1200806" cy="526643"/>
+          </a:xfrm>
+          <a:prstGeom prst="roundRect">
+            <a:avLst/>
+          </a:prstGeom>
+          <a:solidFill>
+            <a:srgbClr val="A6C4DE"/>
+          </a:solidFill>
+          <a:ln w="25400" cap="flat" cmpd="sng" algn="ctr">
+            <a:solidFill>
+              <a:srgbClr val="A6C4DE">
+                <a:shade val="50000"/>
+              </a:srgbClr>
+            </a:solidFill>
+            <a:prstDash val="solid"/>
+          </a:ln>
+          <a:effectLst/>
+        </p:spPr>
+        <p:txBody>
+          <a:bodyPr rtlCol="0" anchor="ctr"/>
+          <a:lstStyle/>
+          <a:p>
+            <a:pPr marL="0" marR="0" lvl="0" indent="0" algn="ctr" defTabSz="914400" eaLnBrk="1" fontAlgn="base" latinLnBrk="0" hangingPunct="1">
+              <a:lnSpc>
+                <a:spcPct val="100000"/>
+              </a:lnSpc>
+              <a:spcBef>
+                <a:spcPct val="0"/>
+              </a:spcBef>
+              <a:spcAft>
+                <a:spcPct val="0"/>
+              </a:spcAft>
+              <a:buClrTx/>
+              <a:buSzTx/>
+              <a:buFontTx/>
+              <a:buNone/>
+              <a:tabLst/>
+              <a:defRPr/>
+            </a:pPr>
+            <a:r>
+              <a:rPr kumimoji="0" lang="en-US" sz="2400" b="0" i="0" u="none" strike="noStrike" kern="0" cap="none" spc="0" normalizeH="0" baseline="0" noProof="0" dirty="0" smtClean="0">
+                <a:ln>
+                  <a:noFill/>
+                </a:ln>
+                <a:solidFill>
+                  <a:srgbClr val="FFFFFF"/>
+                </a:solidFill>
+                <a:effectLst/>
+                <a:uLnTx/>
+                <a:uFillTx/>
+                <a:latin typeface="Calibri"/>
+                <a:ea typeface="+mn-ea"/>
+                <a:cs typeface="+mn-cs"/>
+              </a:rPr>
+              <a:t>Fortran</a:t>
+            </a:r>
+          </a:p>
+        </p:txBody>
+      </p:sp>
+      <p:grpSp>
+        <p:nvGrpSpPr>
+          <p:cNvPr id="71" name="Group 70"/>
+          <p:cNvGrpSpPr/>
+          <p:nvPr/>
+        </p:nvGrpSpPr>
+        <p:grpSpPr>
+          <a:xfrm>
+            <a:off x="9239344" y="19257539"/>
+            <a:ext cx="895256" cy="612072"/>
+            <a:chOff x="5123080" y="5559107"/>
+            <a:chExt cx="796180" cy="612072"/>
+          </a:xfrm>
+        </p:grpSpPr>
+        <p:sp>
+          <p:nvSpPr>
+            <p:cNvPr id="72" name="Oval 71"/>
+            <p:cNvSpPr/>
+            <p:nvPr/>
+          </p:nvSpPr>
+          <p:spPr bwMode="auto">
+            <a:xfrm>
+              <a:off x="5173822" y="5559107"/>
+              <a:ext cx="540543" cy="612072"/>
+            </a:xfrm>
+            <a:prstGeom prst="ellipse">
+              <a:avLst/>
+            </a:prstGeom>
+            <a:solidFill>
+              <a:srgbClr val="FFFFFF"/>
+            </a:solidFill>
+            <a:ln w="9525" cap="flat" cmpd="sng" algn="ctr">
+              <a:noFill/>
+              <a:prstDash val="solid"/>
+              <a:round/>
+              <a:headEnd type="none" w="med" len="med"/>
+              <a:tailEnd type="none" w="med" len="med"/>
+            </a:ln>
+            <a:effectLst/>
+          </p:spPr>
+          <p:txBody>
+            <a:bodyPr vert="horz" wrap="square" lIns="91440" tIns="45720" rIns="91440" bIns="45720" numCol="1" rtlCol="0" anchor="t" anchorCtr="0" compatLnSpc="1">
+              <a:prstTxWarp prst="textNoShape">
+                <a:avLst/>
+              </a:prstTxWarp>
+            </a:bodyPr>
+            <a:lstStyle/>
+            <a:p>
+              <a:pPr marL="0" marR="0" lvl="0" indent="0" defTabSz="914400" eaLnBrk="1" fontAlgn="base" latinLnBrk="0" hangingPunct="1">
+                <a:lnSpc>
+                  <a:spcPct val="100000"/>
+                </a:lnSpc>
+                <a:spcBef>
+                  <a:spcPct val="0"/>
+                </a:spcBef>
+                <a:spcAft>
+                  <a:spcPct val="0"/>
+                </a:spcAft>
+                <a:buClrTx/>
+                <a:buSzTx/>
+                <a:buFontTx/>
+                <a:buNone/>
+                <a:tabLst/>
+                <a:defRPr/>
+              </a:pPr>
+              <a:endParaRPr kumimoji="0" lang="en-US" sz="1800" b="0" i="0" u="none" strike="noStrike" kern="0" cap="none" spc="0" normalizeH="0" baseline="0" noProof="0" smtClean="0">
+                <a:ln>
+                  <a:noFill/>
+                </a:ln>
+                <a:solidFill>
+                  <a:srgbClr val="404040"/>
+                </a:solidFill>
+                <a:effectLst/>
+                <a:uLnTx/>
+                <a:uFillTx/>
+                <a:latin typeface="Calibri" charset="0"/>
+                <a:ea typeface="MS PGothic" pitchFamily="34" charset="-128"/>
+                <a:cs typeface="MS PGothic" pitchFamily="34" charset="-128"/>
+              </a:endParaRPr>
+            </a:p>
+          </p:txBody>
+        </p:sp>
+        <p:sp>
+          <p:nvSpPr>
+            <p:cNvPr id="73" name="TextBox 72"/>
+            <p:cNvSpPr txBox="1"/>
+            <p:nvPr/>
+          </p:nvSpPr>
+          <p:spPr>
+            <a:xfrm>
+              <a:off x="5123080" y="5619054"/>
+              <a:ext cx="796180" cy="461665"/>
+            </a:xfrm>
+            <a:prstGeom prst="rect">
+              <a:avLst/>
+            </a:prstGeom>
+            <a:noFill/>
+          </p:spPr>
+          <p:txBody>
+            <a:bodyPr wrap="square" rtlCol="0">
+              <a:spAutoFit/>
+            </a:bodyPr>
+            <a:lstStyle/>
+            <a:p>
+              <a:pPr marL="0" marR="0" lvl="0" indent="0" defTabSz="914400" eaLnBrk="1" fontAlgn="base" latinLnBrk="0" hangingPunct="1">
+                <a:lnSpc>
+                  <a:spcPct val="100000"/>
+                </a:lnSpc>
+                <a:spcBef>
+                  <a:spcPct val="0"/>
+                </a:spcBef>
+                <a:spcAft>
+                  <a:spcPct val="0"/>
+                </a:spcAft>
+                <a:buClrTx/>
+                <a:buSzTx/>
+                <a:buFontTx/>
+                <a:buNone/>
+                <a:tabLst/>
+                <a:defRPr/>
+              </a:pPr>
+              <a:r>
+                <a:rPr kumimoji="0" lang="en-US" sz="2400" b="1" i="0" u="none" strike="noStrike" kern="0" cap="none" spc="0" normalizeH="0" baseline="0" noProof="0" dirty="0" smtClean="0">
+                  <a:ln>
+                    <a:noFill/>
+                  </a:ln>
+                  <a:solidFill>
+                    <a:srgbClr val="404040"/>
+                  </a:solidFill>
+                  <a:effectLst/>
+                  <a:uLnTx/>
+                  <a:uFillTx/>
+                  <a:latin typeface="Calibri" charset="0"/>
+                  <a:ea typeface="MS PGothic" pitchFamily="34" charset="-128"/>
+                </a:rPr>
+                <a:t>MPI</a:t>
+              </a:r>
+            </a:p>
+          </p:txBody>
+        </p:sp>
+      </p:grpSp>
+      <p:sp>
+        <p:nvSpPr>
+          <p:cNvPr id="74" name="TextBox 73"/>
+          <p:cNvSpPr txBox="1"/>
+          <p:nvPr/>
+        </p:nvSpPr>
+        <p:spPr>
+          <a:xfrm>
+            <a:off x="9754715" y="18139741"/>
+            <a:ext cx="3270154" cy="461665"/>
+          </a:xfrm>
+          <a:prstGeom prst="rect">
+            <a:avLst/>
+          </a:prstGeom>
+          <a:noFill/>
+        </p:spPr>
+        <p:txBody>
+          <a:bodyPr wrap="square" rtlCol="0">
+            <a:spAutoFit/>
           </a:bodyPr>
           <a:lstStyle/>
           <a:p>
-            <a:pPr marL="457200" indent="-457200">
-              <a:buFont typeface="Arial" pitchFamily="34" charset="0"/>
-              <a:buChar char="•"/>
+            <a:pPr algn="ctr" fontAlgn="base">
+              <a:spcBef>
+                <a:spcPct val="0"/>
+              </a:spcBef>
+              <a:spcAft>
+                <a:spcPct val="0"/>
+              </a:spcAft>
             </a:pPr>
             <a:r>
-              <a:rPr lang="en-US" sz="3200" smtClean="0"/>
-              <a:t>The data dependencies and tasks resulting from complex, large scale scripts must be handled by a distributed memory system</a:t>
-            </a:r>
-            <a:endParaRPr lang="en-US" sz="3200"/>
+              <a:rPr lang="en-US" sz="2400" b="1" dirty="0" smtClean="0">
+                <a:solidFill>
+                  <a:srgbClr val="404040"/>
+                </a:solidFill>
+                <a:latin typeface="Calibri" charset="0"/>
+                <a:ea typeface="MS PGothic" pitchFamily="34" charset="-128"/>
+              </a:rPr>
+              <a:t>Swift/T worker</a:t>
+            </a:r>
+            <a:endParaRPr lang="en-US" sz="2400" b="1" dirty="0">
+              <a:solidFill>
+                <a:srgbClr val="404040"/>
+              </a:solidFill>
+              <a:latin typeface="Calibri" charset="0"/>
+              <a:ea typeface="MS PGothic" pitchFamily="34" charset="-128"/>
+            </a:endParaRPr>
+          </a:p>
+        </p:txBody>
+      </p:sp>
+      <p:sp>
+        <p:nvSpPr>
+          <p:cNvPr id="76" name="Rectangle 75"/>
+          <p:cNvSpPr/>
+          <p:nvPr/>
+        </p:nvSpPr>
+        <p:spPr>
+          <a:xfrm>
+            <a:off x="9967650" y="19201807"/>
+            <a:ext cx="2979348" cy="1624636"/>
+          </a:xfrm>
+          <a:prstGeom prst="rect">
+            <a:avLst/>
+          </a:prstGeom>
+          <a:solidFill>
+            <a:schemeClr val="bg1"/>
+          </a:solidFill>
+          <a:ln>
+            <a:noFill/>
+          </a:ln>
+          <a:effectLst/>
+        </p:spPr>
+        <p:style>
+          <a:lnRef idx="1">
+            <a:schemeClr val="accent1"/>
+          </a:lnRef>
+          <a:fillRef idx="3">
+            <a:schemeClr val="accent1"/>
+          </a:fillRef>
+          <a:effectRef idx="2">
+            <a:schemeClr val="accent1"/>
+          </a:effectRef>
+          <a:fontRef idx="minor">
+            <a:schemeClr val="lt1"/>
+          </a:fontRef>
+        </p:style>
+        <p:txBody>
+          <a:bodyPr rtlCol="0" anchor="ctr"/>
+          <a:lstStyle/>
+          <a:p>
+            <a:pPr algn="ctr"/>
+            <a:endParaRPr lang="en-US"/>
           </a:p>
         </p:txBody>
       </p:sp>
       <p:pic>
         <p:nvPicPr>
-          <p:cNvPr id="1030" name="Picture 6" descr="C:\cygwin\home\wozniak\exm\papers\PPoPP_2013\poster\TurbineArch2.png"/>
+          <p:cNvPr id="77" name="Picture 2" descr="http://touque.ca/EC/ICS2O/students/2010-09/ICS2O7B/RabS/JavaIcon.png"/>
           <p:cNvPicPr>
             <a:picLocks noChangeAspect="1" noChangeArrowheads="1"/>
           </p:cNvPicPr>
@@ -5046,102 +7496,20 @@
         </p:blipFill>
         <p:spPr bwMode="auto">
           <a:xfrm>
-            <a:off x="2733643" y="17602200"/>
-            <a:ext cx="8578913" cy="3842499"/>
+            <a:off x="12115446" y="19267877"/>
+            <a:ext cx="764168" cy="1400721"/>
           </a:xfrm>
           <a:prstGeom prst="rect">
             <a:avLst/>
           </a:prstGeom>
-          <a:noFill/>
-          <a:extLst>
-            <a:ext uri="{909E8E84-426E-40DD-AFC4-6F175D3DCCD1}">
-              <a14:hiddenFill xmlns:a14="http://schemas.microsoft.com/office/drawing/2010/main">
-                <a:solidFill>
-                  <a:srgbClr val="FFFFFF"/>
-                </a:solidFill>
-              </a14:hiddenFill>
-            </a:ext>
-          </a:extLst>
+          <a:solidFill>
+            <a:schemeClr val="bg1"/>
+          </a:solidFill>
         </p:spPr>
       </p:pic>
-      <p:sp>
-        <p:nvSpPr>
-          <p:cNvPr id="34" name="Rectangle 33"/>
-          <p:cNvSpPr/>
-          <p:nvPr/>
-        </p:nvSpPr>
-        <p:spPr>
-          <a:xfrm>
-            <a:off x="1460500" y="21631189"/>
-            <a:ext cx="11277600" cy="3429000"/>
-          </a:xfrm>
-          <a:prstGeom prst="rect">
-            <a:avLst/>
-          </a:prstGeom>
-        </p:spPr>
-        <p:txBody>
-          <a:bodyPr>
-            <a:noAutofit/>
-          </a:bodyPr>
-          <a:lstStyle/>
-          <a:p>
-            <a:pPr marL="457200" indent="-457200">
-              <a:buFont typeface="Arial" pitchFamily="34" charset="0"/>
-              <a:buChar char="•"/>
-            </a:pPr>
-            <a:r>
-              <a:rPr lang="en-US" sz="3200" smtClean="0"/>
-              <a:t>Generates </a:t>
-            </a:r>
-            <a:r>
-              <a:rPr lang="en-US" sz="3200" i="1" smtClean="0"/>
-              <a:t>Turbine code</a:t>
-            </a:r>
-            <a:r>
-              <a:rPr lang="en-US" sz="3200" smtClean="0"/>
-              <a:t> for the Turbine runtime library (Wozniak, 2012)</a:t>
-            </a:r>
-          </a:p>
-          <a:p>
-            <a:pPr marL="457200" indent="-457200">
-              <a:buFont typeface="Arial" pitchFamily="34" charset="0"/>
-              <a:buChar char="•"/>
-            </a:pPr>
-            <a:endParaRPr lang="en-US" sz="3200" smtClean="0"/>
-          </a:p>
-          <a:p>
-            <a:pPr marL="457200" indent="-457200">
-              <a:buFont typeface="Arial" pitchFamily="34" charset="0"/>
-              <a:buChar char="•"/>
-            </a:pPr>
-            <a:r>
-              <a:rPr lang="en-US" sz="3200" smtClean="0"/>
-              <a:t>Translates data flow expressions into data dependent tasks</a:t>
-            </a:r>
-          </a:p>
-          <a:p>
-            <a:pPr marL="457200" indent="-457200">
-              <a:buFont typeface="Arial" pitchFamily="34" charset="0"/>
-              <a:buChar char="•"/>
-            </a:pPr>
-            <a:endParaRPr lang="en-US" sz="3200"/>
-          </a:p>
-          <a:p>
-            <a:pPr marL="457200" indent="-457200">
-              <a:buFont typeface="Arial" pitchFamily="34" charset="0"/>
-              <a:buChar char="•"/>
-            </a:pPr>
-            <a:r>
-              <a:rPr lang="en-US" sz="3200" smtClean="0"/>
-              <a:t>Performs many optimizations – some general purpose, some specific to distributed memory computing</a:t>
-            </a:r>
-            <a:endParaRPr lang="en-US" sz="3200"/>
-          </a:p>
-        </p:txBody>
-      </p:sp>
       <p:pic>
         <p:nvPicPr>
-          <p:cNvPr id="1032" name="Picture 8" descr="C:\cygwin\home\wozniak\exm\papers\PPoPP_2013\poster\mini-dataflow.png"/>
+          <p:cNvPr id="78" name="Picture 4" descr="https://res.cloudinary.com/skillsmatter/image/upload/v1453975328/oceuc8zbcqibbhmxk9ng.png"/>
           <p:cNvPicPr>
             <a:picLocks noChangeAspect="1" noChangeArrowheads="1"/>
           </p:cNvPicPr>
@@ -5162,8 +7530,8 @@
         </p:blipFill>
         <p:spPr bwMode="auto">
           <a:xfrm>
-            <a:off x="14179586" y="7582390"/>
-            <a:ext cx="5932512" cy="3955008"/>
+            <a:off x="10034429" y="19392585"/>
+            <a:ext cx="862171" cy="1276013"/>
           </a:xfrm>
           <a:prstGeom prst="rect">
             <a:avLst/>
@@ -5180,82 +7548,9 @@
           </a:extLst>
         </p:spPr>
       </p:pic>
-      <p:sp>
-        <p:nvSpPr>
-          <p:cNvPr id="37" name="Rectangle 36"/>
-          <p:cNvSpPr/>
-          <p:nvPr/>
-        </p:nvSpPr>
-        <p:spPr>
-          <a:xfrm>
-            <a:off x="20200258" y="7530681"/>
-            <a:ext cx="6487044" cy="5401939"/>
-          </a:xfrm>
-          <a:prstGeom prst="rect">
-            <a:avLst/>
-          </a:prstGeom>
-        </p:spPr>
-        <p:txBody>
-          <a:bodyPr>
-            <a:noAutofit/>
-          </a:bodyPr>
-          <a:lstStyle/>
-          <a:p>
-            <a:pPr marL="457200" indent="-457200">
-              <a:buFont typeface="Arial" pitchFamily="34" charset="0"/>
-              <a:buChar char="•"/>
-            </a:pPr>
-            <a:r>
-              <a:rPr lang="en-US" sz="3200" b="1" smtClean="0"/>
-              <a:t>Compositional programming: </a:t>
-            </a:r>
-            <a:br>
-              <a:rPr lang="en-US" sz="3200" b="1" smtClean="0"/>
-            </a:br>
-            <a:r>
-              <a:rPr lang="en-US" sz="3200" smtClean="0"/>
-              <a:t>User script integrates multiple libraries into a dataflow application</a:t>
-            </a:r>
-          </a:p>
-          <a:p>
-            <a:pPr marL="457200" indent="-457200">
-              <a:buFont typeface="Arial" pitchFamily="34" charset="0"/>
-              <a:buChar char="•"/>
-            </a:pPr>
-            <a:endParaRPr lang="en-US" sz="3200" smtClean="0"/>
-          </a:p>
-          <a:p>
-            <a:pPr marL="457200" indent="-457200">
-              <a:buFont typeface="Arial" pitchFamily="34" charset="0"/>
-              <a:buChar char="•"/>
-            </a:pPr>
-            <a:r>
-              <a:rPr lang="en-US" sz="3200" smtClean="0"/>
-              <a:t>Whole program runs over MPI </a:t>
-            </a:r>
-          </a:p>
-          <a:p>
-            <a:pPr marL="457200" indent="-457200">
-              <a:buFont typeface="Arial" pitchFamily="34" charset="0"/>
-              <a:buChar char="•"/>
-            </a:pPr>
-            <a:endParaRPr lang="en-US" sz="3200"/>
-          </a:p>
-          <a:p>
-            <a:pPr marL="457200" indent="-457200">
-              <a:buFont typeface="Arial" pitchFamily="34" charset="0"/>
-              <a:buChar char="•"/>
-            </a:pPr>
-            <a:r>
-              <a:rPr lang="en-US" sz="3200" smtClean="0"/>
-              <a:t>We provide tools to call native libraries from Swift – not just executables</a:t>
-            </a:r>
-          </a:p>
-        </p:txBody>
-      </p:sp>
       <p:pic>
         <p:nvPicPr>
-          <p:cNvPr id="1033" name="Picture 9" descr="C:\cygwin\home\wozniak\exm\papers\PPoPP_2013\poster\arch.png"/>
+          <p:cNvPr id="79" name="Picture 2" descr="C:\cygwin\home\wozniak\exm\papers\JointLab_2014_woz\julia_logo.png"/>
           <p:cNvPicPr>
             <a:picLocks noChangeAspect="1" noChangeArrowheads="1"/>
           </p:cNvPicPr>
@@ -5276,8 +7571,8 @@
         </p:blipFill>
         <p:spPr bwMode="auto">
           <a:xfrm>
-            <a:off x="15331015" y="20770399"/>
-            <a:ext cx="9205385" cy="3473998"/>
+            <a:off x="10972800" y="20020062"/>
+            <a:ext cx="1091910" cy="750338"/>
           </a:xfrm>
           <a:prstGeom prst="rect">
             <a:avLst/>
@@ -5294,16 +7589,144 @@
           </a:extLst>
         </p:spPr>
       </p:pic>
-      <p:sp>
-        <p:nvSpPr>
-          <p:cNvPr id="39" name="Rectangle 38"/>
+      <p:pic>
+        <p:nvPicPr>
+          <p:cNvPr id="80" name="Picture 3" descr="C:\cygwin\home\justin\ATPESC_2013-08-06\part11-swift-py-r\slides\Rlogo.jpg"/>
+          <p:cNvPicPr>
+            <a:picLocks noChangeAspect="1" noChangeArrowheads="1"/>
+          </p:cNvPicPr>
+          <p:nvPr/>
+        </p:nvPicPr>
+        <p:blipFill>
+          <a:blip r:embed="rId5">
+            <a:extLst>
+              <a:ext uri="{28A0092B-C50C-407E-A947-70E740481C1C}">
+                <a14:useLocalDpi xmlns:a14="http://schemas.microsoft.com/office/drawing/2010/main" val="0"/>
+              </a:ext>
+            </a:extLst>
+          </a:blip>
+          <a:srcRect/>
+          <a:stretch>
+            <a:fillRect/>
+          </a:stretch>
+        </p:blipFill>
+        <p:spPr bwMode="auto">
+          <a:xfrm>
+            <a:off x="10972800" y="19269058"/>
+            <a:ext cx="1101606" cy="699179"/>
+          </a:xfrm>
+          <a:prstGeom prst="rect">
+            <a:avLst/>
+          </a:prstGeom>
+          <a:noFill/>
+          <a:extLst>
+            <a:ext uri="{909E8E84-426E-40DD-AFC4-6F175D3DCCD1}">
+              <a14:hiddenFill xmlns:a14="http://schemas.microsoft.com/office/drawing/2010/main">
+                <a:solidFill>
+                  <a:srgbClr val="FFFFFF"/>
+                </a:solidFill>
+              </a14:hiddenFill>
+            </a:ext>
+          </a:extLst>
+        </p:spPr>
+      </p:pic>
+      <p:cxnSp>
+        <p:nvCxnSpPr>
+          <p:cNvPr id="81" name="Straight Arrow Connector 80"/>
+          <p:cNvCxnSpPr/>
+          <p:nvPr/>
+        </p:nvCxnSpPr>
+        <p:spPr>
+          <a:xfrm>
+            <a:off x="9144000" y="18897600"/>
+            <a:ext cx="823650" cy="0"/>
+          </a:xfrm>
+          <a:prstGeom prst="straightConnector1">
+            <a:avLst/>
+          </a:prstGeom>
+          <a:noFill/>
+          <a:ln w="25400" cap="flat" cmpd="sng" algn="ctr">
+            <a:solidFill>
+              <a:srgbClr val="A6C4DE">
+                <a:shade val="95000"/>
+                <a:satMod val="105000"/>
+              </a:srgbClr>
+            </a:solidFill>
+            <a:prstDash val="solid"/>
+            <a:headEnd type="arrow"/>
+            <a:tailEnd type="arrow"/>
+          </a:ln>
+          <a:effectLst/>
+        </p:spPr>
+      </p:cxnSp>
+      <p:cxnSp>
+        <p:nvCxnSpPr>
+          <p:cNvPr id="82" name="Straight Arrow Connector 81"/>
+          <p:cNvCxnSpPr/>
+          <p:nvPr/>
+        </p:nvCxnSpPr>
+        <p:spPr>
+          <a:xfrm>
+            <a:off x="9144000" y="18745200"/>
+            <a:ext cx="838200" cy="0"/>
+          </a:xfrm>
+          <a:prstGeom prst="straightConnector1">
+            <a:avLst/>
+          </a:prstGeom>
+          <a:noFill/>
+          <a:ln w="25400" cap="flat" cmpd="sng" algn="ctr">
+            <a:solidFill>
+              <a:srgbClr val="A6C4DE">
+                <a:shade val="95000"/>
+                <a:satMod val="105000"/>
+              </a:srgbClr>
+            </a:solidFill>
+            <a:prstDash val="solid"/>
+            <a:headEnd type="arrow"/>
+            <a:tailEnd type="arrow"/>
+          </a:ln>
+          <a:effectLst/>
+        </p:spPr>
+      </p:cxnSp>
+      <p:cxnSp>
+        <p:nvCxnSpPr>
+          <p:cNvPr id="83" name="Straight Arrow Connector 82"/>
+          <p:cNvCxnSpPr/>
+          <p:nvPr/>
+        </p:nvCxnSpPr>
+        <p:spPr>
+          <a:xfrm>
+            <a:off x="9144000" y="19050000"/>
+            <a:ext cx="823650" cy="0"/>
+          </a:xfrm>
+          <a:prstGeom prst="straightConnector1">
+            <a:avLst/>
+          </a:prstGeom>
+          <a:noFill/>
+          <a:ln w="25400" cap="flat" cmpd="sng" algn="ctr">
+            <a:solidFill>
+              <a:srgbClr val="A6C4DE">
+                <a:shade val="95000"/>
+                <a:satMod val="105000"/>
+              </a:srgbClr>
+            </a:solidFill>
+            <a:prstDash val="solid"/>
+            <a:headEnd type="arrow"/>
+            <a:tailEnd type="arrow"/>
+          </a:ln>
+          <a:effectLst/>
+        </p:spPr>
+      </p:cxnSp>
+      <p:sp>
+        <p:nvSpPr>
+          <p:cNvPr id="84" name="Rectangle 83"/>
           <p:cNvSpPr/>
           <p:nvPr/>
         </p:nvSpPr>
         <p:spPr>
           <a:xfrm>
-            <a:off x="14332590" y="19628829"/>
-            <a:ext cx="11277600" cy="1250961"/>
+            <a:off x="6971672" y="21488400"/>
+            <a:ext cx="6134728" cy="3657600"/>
           </a:xfrm>
           <a:prstGeom prst="rect">
             <a:avLst/>
@@ -5320,32 +7743,44 @@
               <a:buChar char="•"/>
             </a:pPr>
             <a:r>
-              <a:rPr lang="en-US" sz="3200" smtClean="0"/>
-              <a:t>Less than 1% of the MPI processes are used as </a:t>
-            </a:r>
-            <a:r>
-              <a:rPr lang="en-US" sz="3200" i="1" smtClean="0"/>
-              <a:t>engines</a:t>
-            </a:r>
-            <a:r>
-              <a:rPr lang="en-US" sz="3200" smtClean="0"/>
-              <a:t> or </a:t>
-            </a:r>
-            <a:r>
-              <a:rPr lang="en-US" sz="3200" i="1" smtClean="0"/>
-              <a:t>servers</a:t>
-            </a:r>
-            <a:r>
-              <a:rPr lang="en-US" sz="3200" smtClean="0"/>
-              <a:t>, which process dataflow logic, manage tasks and data</a:t>
-            </a:r>
-            <a:endParaRPr lang="en-US" sz="3200"/>
+              <a:rPr lang="en-US" sz="3200" dirty="0"/>
+              <a:t>Swift/T workflows can contain trillions of tasks, executing billions per second on systems like the IBM Blue Gene/Q or </a:t>
+            </a:r>
+            <a:r>
+              <a:rPr lang="en-US" sz="3200" dirty="0" smtClean="0"/>
+              <a:t/>
+            </a:r>
+            <a:br>
+              <a:rPr lang="en-US" sz="3200" dirty="0" smtClean="0"/>
+            </a:br>
+            <a:r>
+              <a:rPr lang="en-US" sz="3200" dirty="0" smtClean="0"/>
+              <a:t>large Cray installations</a:t>
+            </a:r>
+          </a:p>
+          <a:p>
+            <a:pPr marL="457200" indent="-457200">
+              <a:buFont typeface="Arial" pitchFamily="34" charset="0"/>
+              <a:buChar char="•"/>
+            </a:pPr>
+            <a:endParaRPr lang="en-US" sz="3200" dirty="0"/>
+          </a:p>
+          <a:p>
+            <a:pPr marL="457200" indent="-457200">
+              <a:buFont typeface="Arial" pitchFamily="34" charset="0"/>
+              <a:buChar char="•"/>
+            </a:pPr>
+            <a:r>
+              <a:rPr lang="en-US" sz="3200" dirty="0" smtClean="0"/>
+              <a:t>Tasks can use MPI internally</a:t>
+            </a:r>
+            <a:endParaRPr lang="en-US" sz="3200" dirty="0"/>
           </a:p>
         </p:txBody>
       </p:sp>
       <p:pic>
         <p:nvPicPr>
-          <p:cNvPr id="1034" name="Picture 10" descr="C:\cygwin\home\wozniak\exm\materials\pips-plot\pips-cutoff.png"/>
+          <p:cNvPr id="85" name="Picture 2" descr="C:\cygwin\home\wozniak\exm\papers\Tcl_2015\paper\img\NAMD.png"/>
           <p:cNvPicPr>
             <a:picLocks noChangeAspect="1" noChangeArrowheads="1"/>
           </p:cNvPicPr>
@@ -5366,8 +7801,8 @@
         </p:blipFill>
         <p:spPr bwMode="auto">
           <a:xfrm>
-            <a:off x="6055720" y="29257896"/>
-            <a:ext cx="7168608" cy="3584304"/>
+            <a:off x="6481633" y="26769393"/>
+            <a:ext cx="6612300" cy="2643807"/>
           </a:xfrm>
           <a:prstGeom prst="rect">
             <a:avLst/>
@@ -5386,154 +7821,46 @@
       </p:pic>
       <p:sp>
         <p:nvSpPr>
-          <p:cNvPr id="8" name="TextBox 7"/>
-          <p:cNvSpPr txBox="1"/>
+          <p:cNvPr id="87" name="Rectangle 86"/>
+          <p:cNvSpPr/>
           <p:nvPr/>
         </p:nvSpPr>
         <p:spPr>
           <a:xfrm>
-            <a:off x="13743864" y="25792161"/>
-            <a:ext cx="13535736" cy="9264075"/>
+            <a:off x="968644" y="26746200"/>
+            <a:ext cx="6514098" cy="7620000"/>
           </a:xfrm>
           <a:prstGeom prst="rect">
             <a:avLst/>
           </a:prstGeom>
-          <a:noFill/>
         </p:spPr>
         <p:txBody>
-          <a:bodyPr wrap="square" rtlCol="0">
-            <a:spAutoFit/>
+          <a:bodyPr>
+            <a:noAutofit/>
           </a:bodyPr>
           <a:lstStyle/>
-          <a:p>
-            <a:r>
-              <a:rPr lang="en-US" sz="4800" smtClean="0">
-                <a:solidFill>
-                  <a:srgbClr val="7F7F7F"/>
-                </a:solidFill>
-              </a:rPr>
-              <a:t>References</a:t>
-            </a:r>
-            <a:r>
-              <a:rPr lang="en-US" sz="3200" smtClean="0">
-                <a:solidFill>
-                  <a:srgbClr val="7F7F7F"/>
-                </a:solidFill>
-              </a:rPr>
-              <a:t/>
-            </a:r>
-            <a:br>
-              <a:rPr lang="en-US" sz="3200" smtClean="0">
-                <a:solidFill>
-                  <a:srgbClr val="7F7F7F"/>
-                </a:solidFill>
-              </a:rPr>
-            </a:br>
-            <a:endParaRPr lang="en-US" sz="3200" smtClean="0"/>
-          </a:p>
           <a:p>
             <a:pPr marL="457200" indent="-457200">
               <a:buFont typeface="Arial" pitchFamily="34" charset="0"/>
               <a:buChar char="•"/>
             </a:pPr>
             <a:r>
-              <a:rPr lang="en-US" sz="3000" smtClean="0"/>
-              <a:t>J. M</a:t>
-            </a:r>
-            <a:r>
-              <a:rPr lang="en-US" sz="3000"/>
-              <a:t>. Wozniak, </a:t>
-            </a:r>
-            <a:r>
-              <a:rPr lang="en-US" sz="3000" smtClean="0"/>
-              <a:t>T. G</a:t>
-            </a:r>
-            <a:r>
-              <a:rPr lang="en-US" sz="3000"/>
-              <a:t>. Armstrong, </a:t>
-            </a:r>
-            <a:r>
-              <a:rPr lang="en-US" sz="3000" smtClean="0"/>
-              <a:t>M. Wilde</a:t>
-            </a:r>
-            <a:r>
-              <a:rPr lang="en-US" sz="3000"/>
-              <a:t>, </a:t>
-            </a:r>
-            <a:r>
-              <a:rPr lang="en-US" sz="3000" smtClean="0"/>
-              <a:t>D. S</a:t>
-            </a:r>
-            <a:r>
-              <a:rPr lang="en-US" sz="3000"/>
-              <a:t>. Katz, </a:t>
-            </a:r>
-            <a:r>
-              <a:rPr lang="en-US" sz="3000" smtClean="0"/>
-              <a:t>E. Lusk</a:t>
-            </a:r>
-            <a:r>
-              <a:rPr lang="en-US" sz="3000"/>
-              <a:t>, </a:t>
-            </a:r>
-            <a:r>
-              <a:rPr lang="en-US" sz="3000" smtClean="0"/>
-              <a:t>I. T</a:t>
-            </a:r>
-            <a:r>
-              <a:rPr lang="en-US" sz="3000"/>
-              <a:t>. Foster. </a:t>
-            </a:r>
-            <a:r>
-              <a:rPr lang="en-US" sz="3000" smtClean="0"/>
-              <a:t/>
+              <a:rPr lang="en-US" sz="3200" dirty="0" smtClean="0"/>
+              <a:t>Collaborative effort to </a:t>
             </a:r>
             <a:br>
-              <a:rPr lang="en-US" sz="3000" smtClean="0"/>
+              <a:rPr lang="en-US" sz="3200" dirty="0" smtClean="0"/>
             </a:br>
             <a:r>
-              <a:rPr lang="en-US" sz="3000" b="1" smtClean="0"/>
-              <a:t>Swift/T</a:t>
-            </a:r>
-            <a:r>
-              <a:rPr lang="en-US" sz="3000" b="1"/>
-              <a:t>: Large-scale </a:t>
-            </a:r>
-            <a:r>
-              <a:rPr lang="en-US" sz="3000" b="1" smtClean="0"/>
-              <a:t>application composition </a:t>
-            </a:r>
-            <a:r>
-              <a:rPr lang="en-US" sz="3000" b="1"/>
-              <a:t>via </a:t>
-            </a:r>
-            <a:r>
-              <a:rPr lang="en-US" sz="3000" b="1" smtClean="0"/>
-              <a:t>distributed-memory </a:t>
-            </a:r>
-            <a:r>
-              <a:rPr lang="en-US" sz="3000" b="1"/>
-              <a:t>d</a:t>
-            </a:r>
-            <a:r>
-              <a:rPr lang="en-US" sz="3000" b="1" smtClean="0"/>
-              <a:t>ata flow processing</a:t>
-            </a:r>
-            <a:r>
-              <a:rPr lang="en-US" sz="3000" b="1"/>
-              <a:t>. </a:t>
-            </a:r>
-            <a:r>
-              <a:rPr lang="en-US" sz="3000" smtClean="0"/>
-              <a:t>Proc. CCGrid </a:t>
-            </a:r>
-            <a:r>
-              <a:rPr lang="en-US" sz="3000"/>
-              <a:t>2013</a:t>
-            </a:r>
-            <a:r>
-              <a:rPr lang="en-US" sz="3000" smtClean="0"/>
-              <a:t>.</a:t>
+              <a:rPr lang="en-US" sz="3200" dirty="0" smtClean="0"/>
+              <a:t>improve the replica exchange scripts used by the NAMD </a:t>
+            </a:r>
+            <a:br>
+              <a:rPr lang="en-US" sz="3200" dirty="0" smtClean="0"/>
+            </a:br>
+            <a:r>
+              <a:rPr lang="en-US" sz="3200" dirty="0" smtClean="0"/>
+              <a:t>team at UIUC [4]</a:t>
             </a:r>
           </a:p>
           <a:p>
@@ -5541,97 +7868,7 @@
               <a:buFont typeface="Arial" pitchFamily="34" charset="0"/>
               <a:buChar char="•"/>
             </a:pPr>
-            <a:r>
-              <a:rPr lang="en-US" sz="3000" smtClean="0"/>
-              <a:t>J. </a:t>
-            </a:r>
-            <a:r>
-              <a:rPr lang="en-US" sz="3000"/>
-              <a:t>M. Wozniak, </a:t>
-            </a:r>
-            <a:r>
-              <a:rPr lang="en-US" sz="3000" smtClean="0"/>
-              <a:t>A. Chan</a:t>
-            </a:r>
-            <a:r>
-              <a:rPr lang="en-US" sz="3000"/>
-              <a:t>, </a:t>
-            </a:r>
-            <a:r>
-              <a:rPr lang="en-US" sz="3000" smtClean="0"/>
-              <a:t>T. G</a:t>
-            </a:r>
-            <a:r>
-              <a:rPr lang="en-US" sz="3000"/>
-              <a:t>. Armstrong, </a:t>
-            </a:r>
-            <a:r>
-              <a:rPr lang="en-US" sz="3000" smtClean="0"/>
-              <a:t>M. Wilde</a:t>
-            </a:r>
-            <a:r>
-              <a:rPr lang="en-US" sz="3000"/>
-              <a:t>, </a:t>
-            </a:r>
-            <a:r>
-              <a:rPr lang="en-US" sz="3000" smtClean="0"/>
-              <a:t>E. Lusk</a:t>
-            </a:r>
-            <a:r>
-              <a:rPr lang="en-US" sz="3000"/>
-              <a:t>, </a:t>
-            </a:r>
-            <a:r>
-              <a:rPr lang="en-US" sz="3000" smtClean="0"/>
-              <a:t>I. T</a:t>
-            </a:r>
-            <a:r>
-              <a:rPr lang="en-US" sz="3000"/>
-              <a:t>. </a:t>
-            </a:r>
-            <a:r>
-              <a:rPr lang="en-US" sz="3000" smtClean="0"/>
-              <a:t>Foster.</a:t>
-            </a:r>
-            <a:r>
-              <a:rPr lang="en-US" sz="3000"/>
-              <a:t/>
-            </a:r>
-            <a:br>
-              <a:rPr lang="en-US" sz="3000"/>
-            </a:br>
-            <a:r>
-              <a:rPr lang="en-US" sz="3000" b="1" smtClean="0"/>
-              <a:t>A </a:t>
-            </a:r>
-            <a:r>
-              <a:rPr lang="en-US" sz="3000" b="1"/>
-              <a:t>model for tracing and debugging large-scale task-parallel programs with </a:t>
-            </a:r>
-            <a:r>
-              <a:rPr lang="en-US" sz="3000" b="1" smtClean="0"/>
-              <a:t>MPE.</a:t>
-            </a:r>
-            <a:r>
-              <a:rPr lang="en-US" sz="3000" smtClean="0"/>
-              <a:t> Proc</a:t>
-            </a:r>
-            <a:r>
-              <a:rPr lang="en-US" sz="3000"/>
-              <a:t>. Workshop on Leveraging Abstractions and Semantics in High-performance Computing </a:t>
-            </a:r>
-            <a:r>
-              <a:rPr lang="en-US" sz="3000" smtClean="0"/>
-              <a:t>(LASH-C) </a:t>
-            </a:r>
-            <a:r>
-              <a:rPr lang="en-US" sz="3000"/>
-              <a:t>at PPoPP 2013</a:t>
-            </a:r>
-            <a:r>
-              <a:rPr lang="en-US" sz="3000" smtClean="0"/>
-              <a:t>.</a:t>
-            </a:r>
+            <a:endParaRPr lang="en-US" sz="3200" dirty="0"/>
           </a:p>
           <a:p>
             <a:pPr marL="457200" indent="-457200">
@@ -5639,84 +7876,15 @@
               <a:buChar char="•"/>
             </a:pPr>
             <a:r>
-              <a:rPr lang="en-US" sz="3000" smtClean="0"/>
-              <a:t>J. </a:t>
-            </a:r>
-            <a:r>
-              <a:rPr lang="en-US" sz="3000"/>
-              <a:t>M. Wozniak, </a:t>
-            </a:r>
-            <a:r>
-              <a:rPr lang="en-US" sz="3000" smtClean="0"/>
-              <a:t>T. G</a:t>
-            </a:r>
-            <a:r>
-              <a:rPr lang="en-US" sz="3000"/>
-              <a:t>. Armstrong, </a:t>
-            </a:r>
-            <a:r>
-              <a:rPr lang="en-US" sz="3000" smtClean="0"/>
-              <a:t>M. Wilde</a:t>
-            </a:r>
-            <a:r>
-              <a:rPr lang="en-US" sz="3000"/>
-              <a:t>, </a:t>
-            </a:r>
-            <a:r>
-              <a:rPr lang="en-US" sz="3000" smtClean="0"/>
-              <a:t>K. Maheshwari</a:t>
-            </a:r>
-            <a:r>
-              <a:rPr lang="en-US" sz="3000"/>
-              <a:t>, </a:t>
-            </a:r>
-            <a:r>
-              <a:rPr lang="en-US" sz="3000" smtClean="0"/>
-              <a:t>D. S</a:t>
-            </a:r>
-            <a:r>
-              <a:rPr lang="en-US" sz="3000"/>
-              <a:t>. Katz, </a:t>
-            </a:r>
-            <a:r>
-              <a:rPr lang="en-US" sz="3000" smtClean="0"/>
-              <a:t>E. L</a:t>
-            </a:r>
-            <a:r>
-              <a:rPr lang="en-US" sz="3000"/>
-              <a:t>. Lusk, and </a:t>
-            </a:r>
-            <a:r>
-              <a:rPr lang="en-US" sz="3000" smtClean="0"/>
-              <a:t>I. T</a:t>
-            </a:r>
-            <a:r>
-              <a:rPr lang="en-US" sz="3000"/>
-              <a:t>. </a:t>
-            </a:r>
-            <a:r>
-              <a:rPr lang="en-US" sz="3000" smtClean="0"/>
-              <a:t>Foster. </a:t>
-            </a:r>
-            <a:r>
-              <a:rPr lang="en-US" sz="3000" b="1"/>
-              <a:t>Turbine: A distributed-memory dataflow engine for extreme-scale many-task </a:t>
-            </a:r>
-            <a:r>
-              <a:rPr lang="en-US" sz="3000" b="1" smtClean="0"/>
-              <a:t>applications. </a:t>
-            </a:r>
-            <a:r>
-              <a:rPr lang="en-US" sz="3000" smtClean="0"/>
-              <a:t>Proc. Workshop </a:t>
-            </a:r>
-            <a:r>
-              <a:rPr lang="en-US" sz="3000"/>
-              <a:t>on Scalable Workflow Enactment Engines and Technologies (</a:t>
-            </a:r>
-            <a:r>
-              <a:rPr lang="en-US" sz="3000" smtClean="0"/>
-              <a:t>SWEET) 2012.</a:t>
+              <a:rPr lang="en-US" sz="3200" dirty="0" smtClean="0"/>
+              <a:t>Desired more flexibility with use </a:t>
+            </a:r>
+            <a:br>
+              <a:rPr lang="en-US" sz="3200" dirty="0" smtClean="0"/>
+            </a:br>
+            <a:r>
+              <a:rPr lang="en-US" sz="3200" dirty="0" smtClean="0"/>
+              <a:t>of MPI, better automatic load balancing, richer programming model</a:t>
             </a:r>
           </a:p>
           <a:p>
@@ -5724,88 +7892,7 @@
               <a:buFont typeface="Arial" pitchFamily="34" charset="0"/>
               <a:buChar char="•"/>
             </a:pPr>
-            <a:r>
-              <a:rPr lang="en-US" sz="3000" smtClean="0"/>
-              <a:t>M. </a:t>
-            </a:r>
-            <a:r>
-              <a:rPr lang="en-US" sz="3000"/>
-              <a:t>Wilde, </a:t>
-            </a:r>
-            <a:r>
-              <a:rPr lang="en-US" sz="3000" smtClean="0"/>
-              <a:t>M. Hategan</a:t>
-            </a:r>
-            <a:r>
-              <a:rPr lang="en-US" sz="3000"/>
-              <a:t>, </a:t>
-            </a:r>
-            <a:r>
-              <a:rPr lang="en-US" sz="3000" smtClean="0"/>
-              <a:t>J. M</a:t>
-            </a:r>
-            <a:r>
-              <a:rPr lang="en-US" sz="3000"/>
-              <a:t>. Wozniak, </a:t>
-            </a:r>
-            <a:r>
-              <a:rPr lang="en-US" sz="3000" smtClean="0"/>
-              <a:t>B. Clifford</a:t>
-            </a:r>
-            <a:r>
-              <a:rPr lang="en-US" sz="3000"/>
-              <a:t>, </a:t>
-            </a:r>
-            <a:r>
-              <a:rPr lang="en-US" sz="3000" smtClean="0"/>
-              <a:t>D. S</a:t>
-            </a:r>
-            <a:r>
-              <a:rPr lang="en-US" sz="3000"/>
-              <a:t>. Katz and </a:t>
-            </a:r>
-            <a:r>
-              <a:rPr lang="en-US" sz="3000" smtClean="0"/>
-              <a:t>I. T. Foster</a:t>
-            </a:r>
-            <a:r>
-              <a:rPr lang="en-US" sz="3000"/>
-              <a:t>. </a:t>
-            </a:r>
-            <a:r>
-              <a:rPr lang="en-US" sz="3000" smtClean="0"/>
-              <a:t/>
-            </a:r>
-            <a:br>
-              <a:rPr lang="en-US" sz="3000" smtClean="0"/>
-            </a:br>
-            <a:r>
-              <a:rPr lang="en-US" sz="3000" b="1" smtClean="0"/>
-              <a:t>Swift</a:t>
-            </a:r>
-            <a:r>
-              <a:rPr lang="en-US" sz="3000" b="1"/>
-              <a:t>: A language for distributed parallel </a:t>
-            </a:r>
-            <a:r>
-              <a:rPr lang="en-US" sz="3000" b="1" smtClean="0"/>
-              <a:t>scripting. </a:t>
-            </a:r>
-            <a:br>
-              <a:rPr lang="en-US" sz="3000" b="1" smtClean="0"/>
-            </a:br>
-            <a:r>
-              <a:rPr lang="en-US" sz="3000" smtClean="0"/>
-              <a:t>Parallel </a:t>
-            </a:r>
-            <a:r>
-              <a:rPr lang="en-US" sz="3000"/>
-              <a:t>Computing 37(9), </a:t>
-            </a:r>
-            <a:r>
-              <a:rPr lang="en-US" sz="3000" smtClean="0"/>
-              <a:t>2011.</a:t>
-            </a:r>
+            <a:endParaRPr lang="en-US" sz="3200" dirty="0"/>
           </a:p>
           <a:p>
             <a:pPr marL="457200" indent="-457200">
@@ -5813,73 +7900,44 @@
               <a:buChar char="•"/>
             </a:pPr>
             <a:r>
-              <a:rPr lang="en-US" sz="3000" smtClean="0"/>
-              <a:t>E</a:t>
-            </a:r>
-            <a:r>
-              <a:rPr lang="en-US" sz="3000"/>
-              <a:t>. L. Lusk, S. C. Pieper</a:t>
-            </a:r>
-            <a:r>
-              <a:rPr lang="en-US" sz="3000" smtClean="0"/>
-              <a:t>, and </a:t>
-            </a:r>
-            <a:r>
-              <a:rPr lang="en-US" sz="3000"/>
-              <a:t>R. M. Butler. </a:t>
-            </a:r>
-            <a:r>
-              <a:rPr lang="en-US" sz="3000" b="1"/>
-              <a:t>More scalability, less pain: </a:t>
-            </a:r>
-            <a:r>
-              <a:rPr lang="en-US" sz="3000" b="1" smtClean="0"/>
-              <a:t>A simple </a:t>
-            </a:r>
-            <a:r>
-              <a:rPr lang="en-US" sz="3000" b="1"/>
-              <a:t>programming model and its implementation for extreme </a:t>
-            </a:r>
-            <a:r>
-              <a:rPr lang="en-US" sz="3000" b="1" smtClean="0"/>
-              <a:t>computing.</a:t>
-            </a:r>
-            <a:r>
-              <a:rPr lang="en-US" sz="3000" smtClean="0"/>
-              <a:t> </a:t>
+              <a:rPr lang="en-US" sz="3200" dirty="0" smtClean="0"/>
+              <a:t>Needed support for scripting interfaces to native code (C++),</a:t>
             </a:r>
             <a:br>
-              <a:rPr lang="en-US" sz="3000" smtClean="0"/>
+              <a:rPr lang="en-US" sz="3200" dirty="0" smtClean="0"/>
             </a:br>
             <a:r>
-              <a:rPr lang="en-US" sz="3000" smtClean="0"/>
-              <a:t>SciDAC </a:t>
-            </a:r>
-            <a:r>
-              <a:rPr lang="en-US" sz="3000"/>
-              <a:t>Review, 2010.</a:t>
+              <a:rPr lang="en-US" sz="3200" dirty="0" smtClean="0"/>
+              <a:t>inversion of control, high performance and portability to NCSA Blue Waters</a:t>
             </a:r>
           </a:p>
         </p:txBody>
       </p:sp>
       <p:pic>
         <p:nvPicPr>
-          <p:cNvPr id="29" name="Picture 28" descr="pips-script.pdf"/>
+          <p:cNvPr id="88" name="Content Placeholder 7" descr="hierarchy-namd.pdf"/>
           <p:cNvPicPr>
             <a:picLocks noChangeAspect="1"/>
           </p:cNvPicPr>
           <p:nvPr/>
         </p:nvPicPr>
         <p:blipFill>
-          <a:blip r:embed="rId11"/>
+          <a:blip r:embed="rId11" cstate="screen">
+            <a:extLst>
+              <a:ext uri="{28A0092B-C50C-407E-A947-70E740481C1C}">
+                <a14:useLocalDpi xmlns:a14="http://schemas.microsoft.com/office/drawing/2010/main"/>
+              </a:ext>
+            </a:extLst>
+          </a:blip>
+          <a:srcRect t="-18858" b="-18858"/>
           <a:stretch>
             <a:fillRect/>
           </a:stretch>
         </p:blipFill>
         <p:spPr>
           <a:xfrm>
-            <a:off x="511444" y="26273397"/>
-            <a:ext cx="6798668" cy="5969000"/>
+            <a:off x="7116084" y="29531716"/>
+            <a:ext cx="5783704" cy="5257800"/>
           </a:xfrm>
           <a:prstGeom prst="rect">
             <a:avLst/>
@@ -5888,34 +7946,1383 @@
       </p:pic>
       <p:sp>
         <p:nvSpPr>
-          <p:cNvPr id="46" name="Rectangle 45"/>
+          <p:cNvPr id="89" name="Rectangle 2"/>
+          <p:cNvSpPr txBox="1">
+            <a:spLocks noChangeArrowheads="1"/>
+          </p:cNvSpPr>
+          <p:nvPr/>
+        </p:nvSpPr>
+        <p:spPr bwMode="auto">
+          <a:xfrm>
+            <a:off x="14001635" y="6586927"/>
+            <a:ext cx="12700000" cy="838200"/>
+          </a:xfrm>
+          <a:prstGeom prst="rect">
+            <a:avLst/>
+          </a:prstGeom>
+          <a:noFill/>
+          <a:ln w="9525">
+            <a:noFill/>
+            <a:round/>
+            <a:headEnd/>
+            <a:tailEnd/>
+          </a:ln>
+        </p:spPr>
+        <p:txBody>
+          <a:bodyPr lIns="74997" tIns="38998" rIns="74997" bIns="38998" anchor="ctr">
+            <a:prstTxWarp prst="textNoShape">
+              <a:avLst/>
+            </a:prstTxWarp>
+          </a:bodyPr>
+          <a:lstStyle/>
+          <a:p>
+            <a:pPr algn="ctr" defTabSz="380985">
+              <a:lnSpc>
+                <a:spcPct val="94000"/>
+              </a:lnSpc>
+              <a:buClr>
+                <a:srgbClr val="000000"/>
+              </a:buClr>
+              <a:buSzPct val="100000"/>
+              <a:defRPr/>
+            </a:pPr>
+            <a:r>
+              <a:rPr lang="en-US" sz="4800" b="1" dirty="0" err="1" smtClean="0">
+                <a:solidFill>
+                  <a:srgbClr val="7F7F7F"/>
+                </a:solidFill>
+              </a:rPr>
+              <a:t>Auxetic</a:t>
+            </a:r>
+            <a:r>
+              <a:rPr lang="en-US" sz="4800" b="1" dirty="0" smtClean="0">
+                <a:solidFill>
+                  <a:srgbClr val="7F7F7F"/>
+                </a:solidFill>
+              </a:rPr>
+              <a:t> workflow collaboration</a:t>
+            </a:r>
+            <a:endParaRPr lang="en-US" sz="4800" b="1" i="1" dirty="0" smtClean="0"/>
+          </a:p>
+        </p:txBody>
+      </p:sp>
+      <p:sp>
+        <p:nvSpPr>
+          <p:cNvPr id="90" name="Rounded Rectangle 89"/>
           <p:cNvSpPr/>
           <p:nvPr/>
         </p:nvSpPr>
         <p:spPr>
           <a:xfrm>
-            <a:off x="14735629" y="24263729"/>
-            <a:ext cx="11277600" cy="1250961"/>
+            <a:off x="22268190" y="16992601"/>
+            <a:ext cx="3868410" cy="2068100"/>
+          </a:xfrm>
+          <a:prstGeom prst="roundRect">
+            <a:avLst/>
+          </a:prstGeom>
+          <a:solidFill>
+            <a:schemeClr val="tx1">
+              <a:lumMod val="20000"/>
+              <a:lumOff val="80000"/>
+            </a:schemeClr>
+          </a:solidFill>
+          <a:ln w="25400">
+            <a:solidFill>
+              <a:schemeClr val="tx1"/>
+            </a:solidFill>
+          </a:ln>
+          <a:effectLst/>
+        </p:spPr>
+        <p:style>
+          <a:lnRef idx="1">
+            <a:schemeClr val="accent1"/>
+          </a:lnRef>
+          <a:fillRef idx="3">
+            <a:schemeClr val="accent1"/>
+          </a:fillRef>
+          <a:effectRef idx="2">
+            <a:schemeClr val="accent1"/>
+          </a:effectRef>
+          <a:fontRef idx="minor">
+            <a:schemeClr val="lt1"/>
+          </a:fontRef>
+        </p:style>
+        <p:txBody>
+          <a:bodyPr rtlCol="0" anchor="ctr"/>
+          <a:lstStyle/>
+          <a:p>
+            <a:pPr algn="ctr"/>
+            <a:endParaRPr lang="en-US" dirty="0" smtClean="0"/>
+          </a:p>
+          <a:p>
+            <a:pPr algn="ctr"/>
+            <a:endParaRPr lang="en-US" dirty="0"/>
+          </a:p>
+          <a:p>
+            <a:pPr algn="ctr"/>
+            <a:endParaRPr lang="en-US" dirty="0" smtClean="0"/>
+          </a:p>
+          <a:p>
+            <a:pPr algn="ctr"/>
+            <a:endParaRPr lang="en-US" dirty="0"/>
+          </a:p>
+          <a:p>
+            <a:pPr algn="ctr"/>
+            <a:endParaRPr lang="en-US" b="1" dirty="0" smtClean="0"/>
+          </a:p>
+          <a:p>
+            <a:pPr algn="ctr"/>
+            <a:r>
+              <a:rPr lang="en-US" b="1" dirty="0" smtClean="0"/>
+              <a:t>Midway</a:t>
+            </a:r>
+            <a:endParaRPr lang="en-US" b="1" dirty="0"/>
+          </a:p>
+        </p:txBody>
+      </p:sp>
+      <p:sp>
+        <p:nvSpPr>
+          <p:cNvPr id="91" name="Rectangle 90"/>
+          <p:cNvSpPr/>
+          <p:nvPr/>
+        </p:nvSpPr>
+        <p:spPr>
+          <a:xfrm>
+            <a:off x="22712211" y="17297400"/>
+            <a:ext cx="2845274" cy="389614"/>
+          </a:xfrm>
+          <a:prstGeom prst="rect">
+            <a:avLst/>
+          </a:prstGeom>
+          <a:solidFill>
+            <a:schemeClr val="tx2"/>
+          </a:solidFill>
+          <a:ln>
+            <a:solidFill>
+              <a:srgbClr val="0B1F8F"/>
+            </a:solidFill>
+          </a:ln>
+          <a:effectLst/>
+        </p:spPr>
+        <p:style>
+          <a:lnRef idx="1">
+            <a:schemeClr val="accent1"/>
+          </a:lnRef>
+          <a:fillRef idx="3">
+            <a:schemeClr val="accent1"/>
+          </a:fillRef>
+          <a:effectRef idx="2">
+            <a:schemeClr val="accent1"/>
+          </a:effectRef>
+          <a:fontRef idx="minor">
+            <a:schemeClr val="lt1"/>
+          </a:fontRef>
+        </p:style>
+        <p:txBody>
+          <a:bodyPr rtlCol="0" anchor="ctr"/>
+          <a:lstStyle/>
+          <a:p>
+            <a:pPr algn="ctr"/>
+            <a:r>
+              <a:rPr lang="en-US" sz="2800" dirty="0" smtClean="0"/>
+              <a:t>Swift</a:t>
+            </a:r>
+            <a:endParaRPr lang="en-US" sz="2800" dirty="0"/>
+          </a:p>
+        </p:txBody>
+      </p:sp>
+      <p:sp>
+        <p:nvSpPr>
+          <p:cNvPr id="92" name="Rectangle 91"/>
+          <p:cNvSpPr/>
+          <p:nvPr/>
+        </p:nvSpPr>
+        <p:spPr>
+          <a:xfrm>
+            <a:off x="23544476" y="17836198"/>
+            <a:ext cx="747422" cy="381663"/>
+          </a:xfrm>
+          <a:prstGeom prst="rect">
+            <a:avLst/>
+          </a:prstGeom>
+          <a:solidFill>
+            <a:srgbClr val="00B050"/>
+          </a:solidFill>
+          <a:effectLst/>
+        </p:spPr>
+        <p:style>
+          <a:lnRef idx="1">
+            <a:schemeClr val="accent1"/>
+          </a:lnRef>
+          <a:fillRef idx="3">
+            <a:schemeClr val="accent1"/>
+          </a:fillRef>
+          <a:effectRef idx="2">
+            <a:schemeClr val="accent1"/>
+          </a:effectRef>
+          <a:fontRef idx="minor">
+            <a:schemeClr val="lt1"/>
+          </a:fontRef>
+        </p:style>
+        <p:txBody>
+          <a:bodyPr rtlCol="0" anchor="ctr"/>
+          <a:lstStyle/>
+          <a:p>
+            <a:pPr algn="ctr"/>
+            <a:r>
+              <a:rPr lang="en-US" sz="2800" dirty="0" err="1" smtClean="0"/>
+              <a:t>Py</a:t>
+            </a:r>
+            <a:endParaRPr lang="en-US" sz="2800" dirty="0"/>
+          </a:p>
+        </p:txBody>
+      </p:sp>
+      <p:sp>
+        <p:nvSpPr>
+          <p:cNvPr id="93" name="Rectangle 92"/>
+          <p:cNvSpPr/>
+          <p:nvPr/>
+        </p:nvSpPr>
+        <p:spPr>
+          <a:xfrm>
+            <a:off x="23544476" y="18217861"/>
+            <a:ext cx="747422" cy="381663"/>
+          </a:xfrm>
+          <a:prstGeom prst="rect">
+            <a:avLst/>
+          </a:prstGeom>
+          <a:solidFill>
+            <a:schemeClr val="bg1"/>
+          </a:solidFill>
+          <a:ln>
+            <a:solidFill>
+              <a:schemeClr val="tx1"/>
+            </a:solidFill>
+          </a:ln>
+          <a:effectLst/>
+        </p:spPr>
+        <p:style>
+          <a:lnRef idx="1">
+            <a:schemeClr val="accent1"/>
+          </a:lnRef>
+          <a:fillRef idx="3">
+            <a:schemeClr val="accent1"/>
+          </a:fillRef>
+          <a:effectRef idx="2">
+            <a:schemeClr val="accent1"/>
+          </a:effectRef>
+          <a:fontRef idx="minor">
+            <a:schemeClr val="lt1"/>
+          </a:fontRef>
+        </p:style>
+        <p:txBody>
+          <a:bodyPr rtlCol="0" anchor="ctr"/>
+          <a:lstStyle/>
+          <a:p>
+            <a:pPr algn="ctr"/>
+            <a:r>
+              <a:rPr lang="en-US" sz="2800" dirty="0" smtClean="0">
+                <a:solidFill>
+                  <a:srgbClr val="002060"/>
+                </a:solidFill>
+              </a:rPr>
+              <a:t>C++</a:t>
+            </a:r>
+            <a:endParaRPr lang="en-US" sz="2800" dirty="0">
+              <a:solidFill>
+                <a:srgbClr val="002060"/>
+              </a:solidFill>
+            </a:endParaRPr>
+          </a:p>
+        </p:txBody>
+      </p:sp>
+      <p:sp>
+        <p:nvSpPr>
+          <p:cNvPr id="94" name="Rectangle 93"/>
+          <p:cNvSpPr/>
+          <p:nvPr/>
+        </p:nvSpPr>
+        <p:spPr>
+          <a:xfrm>
+            <a:off x="24371410" y="17836198"/>
+            <a:ext cx="747422" cy="381663"/>
+          </a:xfrm>
+          <a:prstGeom prst="rect">
+            <a:avLst/>
+          </a:prstGeom>
+          <a:solidFill>
+            <a:srgbClr val="00B050"/>
+          </a:solidFill>
+          <a:effectLst/>
+        </p:spPr>
+        <p:style>
+          <a:lnRef idx="1">
+            <a:schemeClr val="accent1"/>
+          </a:lnRef>
+          <a:fillRef idx="3">
+            <a:schemeClr val="accent1"/>
+          </a:fillRef>
+          <a:effectRef idx="2">
+            <a:schemeClr val="accent1"/>
+          </a:effectRef>
+          <a:fontRef idx="minor">
+            <a:schemeClr val="lt1"/>
+          </a:fontRef>
+        </p:style>
+        <p:txBody>
+          <a:bodyPr rtlCol="0" anchor="ctr"/>
+          <a:lstStyle/>
+          <a:p>
+            <a:pPr algn="ctr"/>
+            <a:r>
+              <a:rPr lang="en-US" sz="2800" dirty="0" err="1" smtClean="0"/>
+              <a:t>Py</a:t>
+            </a:r>
+            <a:endParaRPr lang="en-US" sz="2800" dirty="0"/>
+          </a:p>
+        </p:txBody>
+      </p:sp>
+      <p:sp>
+        <p:nvSpPr>
+          <p:cNvPr id="95" name="Rectangle 94"/>
+          <p:cNvSpPr/>
+          <p:nvPr/>
+        </p:nvSpPr>
+        <p:spPr>
+          <a:xfrm>
+            <a:off x="24371410" y="18217860"/>
+            <a:ext cx="747422" cy="381663"/>
+          </a:xfrm>
+          <a:prstGeom prst="rect">
+            <a:avLst/>
+          </a:prstGeom>
+          <a:solidFill>
+            <a:schemeClr val="bg1"/>
+          </a:solidFill>
+          <a:ln>
+            <a:solidFill>
+              <a:schemeClr val="tx1"/>
+            </a:solidFill>
+          </a:ln>
+          <a:effectLst/>
+        </p:spPr>
+        <p:style>
+          <a:lnRef idx="1">
+            <a:schemeClr val="accent1"/>
+          </a:lnRef>
+          <a:fillRef idx="3">
+            <a:schemeClr val="accent1"/>
+          </a:fillRef>
+          <a:effectRef idx="2">
+            <a:schemeClr val="accent1"/>
+          </a:effectRef>
+          <a:fontRef idx="minor">
+            <a:schemeClr val="lt1"/>
+          </a:fontRef>
+        </p:style>
+        <p:txBody>
+          <a:bodyPr rtlCol="0" anchor="ctr"/>
+          <a:lstStyle/>
+          <a:p>
+            <a:pPr algn="ctr"/>
+            <a:r>
+              <a:rPr lang="en-US" sz="2800" dirty="0" smtClean="0">
+                <a:solidFill>
+                  <a:srgbClr val="002060"/>
+                </a:solidFill>
+              </a:rPr>
+              <a:t>C++</a:t>
+            </a:r>
+            <a:endParaRPr lang="en-US" sz="2800" dirty="0">
+              <a:solidFill>
+                <a:srgbClr val="002060"/>
+              </a:solidFill>
+            </a:endParaRPr>
+          </a:p>
+        </p:txBody>
+      </p:sp>
+      <p:sp>
+        <p:nvSpPr>
+          <p:cNvPr id="96" name="Oval 95"/>
+          <p:cNvSpPr/>
+          <p:nvPr/>
+        </p:nvSpPr>
+        <p:spPr>
+          <a:xfrm>
+            <a:off x="25297268" y="18160822"/>
+            <a:ext cx="103809" cy="99392"/>
+          </a:xfrm>
+          <a:prstGeom prst="ellipse">
+            <a:avLst/>
+          </a:prstGeom>
+          <a:solidFill>
+            <a:srgbClr val="000000"/>
+          </a:solidFill>
+          <a:ln>
+            <a:solidFill>
+              <a:schemeClr val="bg1"/>
+            </a:solidFill>
+          </a:ln>
+          <a:effectLst/>
+        </p:spPr>
+        <p:style>
+          <a:lnRef idx="1">
+            <a:schemeClr val="accent1"/>
+          </a:lnRef>
+          <a:fillRef idx="3">
+            <a:schemeClr val="accent1"/>
+          </a:fillRef>
+          <a:effectRef idx="2">
+            <a:schemeClr val="accent1"/>
+          </a:effectRef>
+          <a:fontRef idx="minor">
+            <a:schemeClr val="lt1"/>
+          </a:fontRef>
+        </p:style>
+        <p:txBody>
+          <a:bodyPr rot="0" spcFirstLastPara="0" vertOverflow="overflow" horzOverflow="overflow" vert="horz" wrap="square" lIns="91440" tIns="45720" rIns="91440" bIns="45720" numCol="1" spcCol="0" rtlCol="0" fromWordArt="0" anchor="ctr" anchorCtr="0" forceAA="0" compatLnSpc="1">
+            <a:prstTxWarp prst="textNoShape">
+              <a:avLst/>
+            </a:prstTxWarp>
+            <a:noAutofit/>
+          </a:bodyPr>
+          <a:lstStyle/>
+          <a:p>
+            <a:pPr algn="ctr"/>
+            <a:endParaRPr lang="en-US" baseline="-25000" dirty="0" smtClean="0"/>
+          </a:p>
+        </p:txBody>
+      </p:sp>
+      <p:sp>
+        <p:nvSpPr>
+          <p:cNvPr id="97" name="Oval 96"/>
+          <p:cNvSpPr/>
+          <p:nvPr/>
+        </p:nvSpPr>
+        <p:spPr>
+          <a:xfrm>
+            <a:off x="25493731" y="18158682"/>
+            <a:ext cx="103809" cy="99392"/>
+          </a:xfrm>
+          <a:prstGeom prst="ellipse">
+            <a:avLst/>
+          </a:prstGeom>
+          <a:solidFill>
+            <a:srgbClr val="000000"/>
+          </a:solidFill>
+          <a:ln>
+            <a:solidFill>
+              <a:schemeClr val="bg1"/>
+            </a:solidFill>
+          </a:ln>
+          <a:effectLst/>
+        </p:spPr>
+        <p:style>
+          <a:lnRef idx="1">
+            <a:schemeClr val="accent1"/>
+          </a:lnRef>
+          <a:fillRef idx="3">
+            <a:schemeClr val="accent1"/>
+          </a:fillRef>
+          <a:effectRef idx="2">
+            <a:schemeClr val="accent1"/>
+          </a:effectRef>
+          <a:fontRef idx="minor">
+            <a:schemeClr val="lt1"/>
+          </a:fontRef>
+        </p:style>
+        <p:txBody>
+          <a:bodyPr rot="0" spcFirstLastPara="0" vertOverflow="overflow" horzOverflow="overflow" vert="horz" wrap="square" lIns="91440" tIns="45720" rIns="91440" bIns="45720" numCol="1" spcCol="0" rtlCol="0" fromWordArt="0" anchor="ctr" anchorCtr="0" forceAA="0" compatLnSpc="1">
+            <a:prstTxWarp prst="textNoShape">
+              <a:avLst/>
+            </a:prstTxWarp>
+            <a:noAutofit/>
+          </a:bodyPr>
+          <a:lstStyle/>
+          <a:p>
+            <a:pPr algn="ctr"/>
+            <a:endParaRPr lang="en-US" baseline="-25000" dirty="0" smtClean="0"/>
+          </a:p>
+        </p:txBody>
+      </p:sp>
+      <p:sp>
+        <p:nvSpPr>
+          <p:cNvPr id="98" name="Oval 97"/>
+          <p:cNvSpPr/>
+          <p:nvPr/>
+        </p:nvSpPr>
+        <p:spPr>
+          <a:xfrm>
+            <a:off x="25694143" y="18158682"/>
+            <a:ext cx="103809" cy="99392"/>
+          </a:xfrm>
+          <a:prstGeom prst="ellipse">
+            <a:avLst/>
+          </a:prstGeom>
+          <a:solidFill>
+            <a:srgbClr val="000000"/>
+          </a:solidFill>
+          <a:ln>
+            <a:solidFill>
+              <a:schemeClr val="bg1"/>
+            </a:solidFill>
+          </a:ln>
+          <a:effectLst/>
+        </p:spPr>
+        <p:style>
+          <a:lnRef idx="1">
+            <a:schemeClr val="accent1"/>
+          </a:lnRef>
+          <a:fillRef idx="3">
+            <a:schemeClr val="accent1"/>
+          </a:fillRef>
+          <a:effectRef idx="2">
+            <a:schemeClr val="accent1"/>
+          </a:effectRef>
+          <a:fontRef idx="minor">
+            <a:schemeClr val="lt1"/>
+          </a:fontRef>
+        </p:style>
+        <p:txBody>
+          <a:bodyPr rot="0" spcFirstLastPara="0" vertOverflow="overflow" horzOverflow="overflow" vert="horz" wrap="square" lIns="91440" tIns="45720" rIns="91440" bIns="45720" numCol="1" spcCol="0" rtlCol="0" fromWordArt="0" anchor="ctr" anchorCtr="0" forceAA="0" compatLnSpc="1">
+            <a:prstTxWarp prst="textNoShape">
+              <a:avLst/>
+            </a:prstTxWarp>
+            <a:noAutofit/>
+          </a:bodyPr>
+          <a:lstStyle/>
+          <a:p>
+            <a:pPr algn="ctr"/>
+            <a:endParaRPr lang="en-US" baseline="-25000" dirty="0" smtClean="0"/>
+          </a:p>
+        </p:txBody>
+      </p:sp>
+      <p:sp>
+        <p:nvSpPr>
+          <p:cNvPr id="99" name="Rounded Rectangle 98"/>
+          <p:cNvSpPr/>
+          <p:nvPr/>
+        </p:nvSpPr>
+        <p:spPr>
+          <a:xfrm>
+            <a:off x="22976959" y="19426081"/>
+            <a:ext cx="2660101" cy="769223"/>
+          </a:xfrm>
+          <a:prstGeom prst="roundRect">
+            <a:avLst/>
+          </a:prstGeom>
+          <a:solidFill>
+            <a:schemeClr val="tx2"/>
+          </a:solidFill>
+          <a:ln>
+            <a:solidFill>
+              <a:srgbClr val="0B1F8F"/>
+            </a:solidFill>
+          </a:ln>
+          <a:effectLst/>
+        </p:spPr>
+        <p:style>
+          <a:lnRef idx="1">
+            <a:schemeClr val="accent1"/>
+          </a:lnRef>
+          <a:fillRef idx="3">
+            <a:schemeClr val="accent1"/>
+          </a:fillRef>
+          <a:effectRef idx="2">
+            <a:schemeClr val="accent1"/>
+          </a:effectRef>
+          <a:fontRef idx="minor">
+            <a:schemeClr val="lt1"/>
+          </a:fontRef>
+        </p:style>
+        <p:txBody>
+          <a:bodyPr rot="0" spcFirstLastPara="0" vertOverflow="overflow" horzOverflow="overflow" vert="horz" wrap="square" lIns="91440" tIns="45720" rIns="91440" bIns="45720" numCol="1" spcCol="0" rtlCol="0" fromWordArt="0" anchor="ctr" anchorCtr="0" forceAA="0" compatLnSpc="1">
+            <a:prstTxWarp prst="textNoShape">
+              <a:avLst/>
+            </a:prstTxWarp>
+            <a:noAutofit/>
+          </a:bodyPr>
+          <a:lstStyle/>
+          <a:p>
+            <a:pPr algn="ctr"/>
+            <a:r>
+              <a:rPr lang="en-US" sz="2800" dirty="0" smtClean="0"/>
+              <a:t>Current state</a:t>
+            </a:r>
+          </a:p>
+        </p:txBody>
+      </p:sp>
+      <p:sp>
+        <p:nvSpPr>
+          <p:cNvPr id="100" name="Rounded Rectangle 99"/>
+          <p:cNvSpPr/>
+          <p:nvPr/>
+        </p:nvSpPr>
+        <p:spPr>
+          <a:xfrm>
+            <a:off x="20466774" y="19426081"/>
+            <a:ext cx="1905000" cy="769224"/>
+          </a:xfrm>
+          <a:prstGeom prst="roundRect">
+            <a:avLst/>
+          </a:prstGeom>
+          <a:solidFill>
+            <a:schemeClr val="tx2"/>
+          </a:solidFill>
+          <a:ln>
+            <a:solidFill>
+              <a:srgbClr val="0B1F8F"/>
+            </a:solidFill>
+          </a:ln>
+          <a:effectLst/>
+        </p:spPr>
+        <p:style>
+          <a:lnRef idx="1">
+            <a:schemeClr val="accent1"/>
+          </a:lnRef>
+          <a:fillRef idx="3">
+            <a:schemeClr val="accent1"/>
+          </a:fillRef>
+          <a:effectRef idx="2">
+            <a:schemeClr val="accent1"/>
+          </a:effectRef>
+          <a:fontRef idx="minor">
+            <a:schemeClr val="lt1"/>
+          </a:fontRef>
+        </p:style>
+        <p:txBody>
+          <a:bodyPr rot="0" spcFirstLastPara="0" vertOverflow="overflow" horzOverflow="overflow" vert="horz" wrap="square" lIns="91440" tIns="45720" rIns="91440" bIns="45720" numCol="1" spcCol="0" rtlCol="0" fromWordArt="0" anchor="ctr" anchorCtr="0" forceAA="0" compatLnSpc="1">
+            <a:prstTxWarp prst="textNoShape">
+              <a:avLst/>
+            </a:prstTxWarp>
+            <a:noAutofit/>
+          </a:bodyPr>
+          <a:lstStyle/>
+          <a:p>
+            <a:pPr algn="ctr"/>
+            <a:r>
+              <a:rPr lang="en-US" sz="2800" dirty="0" smtClean="0"/>
+              <a:t>All bonds</a:t>
+            </a:r>
+          </a:p>
+        </p:txBody>
+      </p:sp>
+      <p:sp>
+        <p:nvSpPr>
+          <p:cNvPr id="102" name="Rounded Rectangle 101"/>
+          <p:cNvSpPr/>
+          <p:nvPr/>
+        </p:nvSpPr>
+        <p:spPr>
+          <a:xfrm>
+            <a:off x="22976959" y="21895371"/>
+            <a:ext cx="2567597" cy="964629"/>
+          </a:xfrm>
+          <a:prstGeom prst="roundRect">
+            <a:avLst/>
+          </a:prstGeom>
+          <a:solidFill>
+            <a:schemeClr val="tx2"/>
+          </a:solidFill>
+          <a:ln>
+            <a:solidFill>
+              <a:srgbClr val="0B1F8F"/>
+            </a:solidFill>
+          </a:ln>
+          <a:effectLst/>
+        </p:spPr>
+        <p:style>
+          <a:lnRef idx="1">
+            <a:schemeClr val="accent1"/>
+          </a:lnRef>
+          <a:fillRef idx="3">
+            <a:schemeClr val="accent1"/>
+          </a:fillRef>
+          <a:effectRef idx="2">
+            <a:schemeClr val="accent1"/>
+          </a:effectRef>
+          <a:fontRef idx="minor">
+            <a:schemeClr val="lt1"/>
+          </a:fontRef>
+        </p:style>
+        <p:txBody>
+          <a:bodyPr rot="0" spcFirstLastPara="0" vertOverflow="overflow" horzOverflow="overflow" vert="horz" wrap="square" lIns="91440" tIns="45720" rIns="91440" bIns="45720" numCol="1" spcCol="0" rtlCol="0" fromWordArt="0" anchor="ctr" anchorCtr="0" forceAA="0" compatLnSpc="1">
+            <a:prstTxWarp prst="textNoShape">
+              <a:avLst/>
+            </a:prstTxWarp>
+            <a:noAutofit/>
+          </a:bodyPr>
+          <a:lstStyle/>
+          <a:p>
+            <a:pPr algn="ctr"/>
+            <a:r>
+              <a:rPr lang="en-US" sz="2800" dirty="0" smtClean="0"/>
+              <a:t>Select best cut</a:t>
+            </a:r>
+          </a:p>
+        </p:txBody>
+      </p:sp>
+      <p:cxnSp>
+        <p:nvCxnSpPr>
+          <p:cNvPr id="103" name="Straight Arrow Connector 102"/>
+          <p:cNvCxnSpPr>
+            <a:stCxn id="100" idx="3"/>
+            <a:endCxn id="99" idx="1"/>
+          </p:cNvCxnSpPr>
+          <p:nvPr/>
+        </p:nvCxnSpPr>
+        <p:spPr>
+          <a:xfrm>
+            <a:off x="22371774" y="19810693"/>
+            <a:ext cx="605185" cy="0"/>
+          </a:xfrm>
+          <a:prstGeom prst="straightConnector1">
+            <a:avLst/>
+          </a:prstGeom>
+          <a:ln w="19050">
+            <a:solidFill>
+              <a:schemeClr val="tx1"/>
+            </a:solidFill>
+            <a:tailEnd type="arrow"/>
+          </a:ln>
+          <a:effectLst/>
+        </p:spPr>
+        <p:style>
+          <a:lnRef idx="2">
+            <a:schemeClr val="accent1"/>
+          </a:lnRef>
+          <a:fillRef idx="0">
+            <a:schemeClr val="accent1"/>
+          </a:fillRef>
+          <a:effectRef idx="1">
+            <a:schemeClr val="accent1"/>
+          </a:effectRef>
+          <a:fontRef idx="minor">
+            <a:schemeClr val="tx1"/>
+          </a:fontRef>
+        </p:style>
+      </p:cxnSp>
+      <p:cxnSp>
+        <p:nvCxnSpPr>
+          <p:cNvPr id="104" name="Straight Arrow Connector 103"/>
+          <p:cNvCxnSpPr>
+            <a:stCxn id="99" idx="2"/>
+            <a:endCxn id="112" idx="0"/>
+          </p:cNvCxnSpPr>
+          <p:nvPr/>
+        </p:nvCxnSpPr>
+        <p:spPr>
+          <a:xfrm flipH="1">
+            <a:off x="23245490" y="20195304"/>
+            <a:ext cx="1061520" cy="558660"/>
+          </a:xfrm>
+          <a:prstGeom prst="straightConnector1">
+            <a:avLst/>
+          </a:prstGeom>
+          <a:ln w="19050">
+            <a:solidFill>
+              <a:schemeClr val="tx1"/>
+            </a:solidFill>
+            <a:tailEnd type="arrow"/>
+          </a:ln>
+          <a:effectLst/>
+        </p:spPr>
+        <p:style>
+          <a:lnRef idx="2">
+            <a:schemeClr val="accent1"/>
+          </a:lnRef>
+          <a:fillRef idx="0">
+            <a:schemeClr val="accent1"/>
+          </a:fillRef>
+          <a:effectRef idx="1">
+            <a:schemeClr val="accent1"/>
+          </a:effectRef>
+          <a:fontRef idx="minor">
+            <a:schemeClr val="tx1"/>
+          </a:fontRef>
+        </p:style>
+      </p:cxnSp>
+      <p:cxnSp>
+        <p:nvCxnSpPr>
+          <p:cNvPr id="105" name="Straight Arrow Connector 104"/>
+          <p:cNvCxnSpPr>
+            <a:stCxn id="99" idx="2"/>
+            <a:endCxn id="110" idx="0"/>
+          </p:cNvCxnSpPr>
+          <p:nvPr/>
+        </p:nvCxnSpPr>
+        <p:spPr>
+          <a:xfrm flipH="1">
+            <a:off x="23854723" y="20195304"/>
+            <a:ext cx="452287" cy="558660"/>
+          </a:xfrm>
+          <a:prstGeom prst="straightConnector1">
+            <a:avLst/>
+          </a:prstGeom>
+          <a:ln w="19050">
+            <a:solidFill>
+              <a:schemeClr val="tx1"/>
+            </a:solidFill>
+            <a:tailEnd type="arrow"/>
+          </a:ln>
+          <a:effectLst/>
+        </p:spPr>
+        <p:style>
+          <a:lnRef idx="2">
+            <a:schemeClr val="accent1"/>
+          </a:lnRef>
+          <a:fillRef idx="0">
+            <a:schemeClr val="accent1"/>
+          </a:fillRef>
+          <a:effectRef idx="1">
+            <a:schemeClr val="accent1"/>
+          </a:effectRef>
+          <a:fontRef idx="minor">
+            <a:schemeClr val="tx1"/>
+          </a:fontRef>
+        </p:style>
+      </p:cxnSp>
+      <p:cxnSp>
+        <p:nvCxnSpPr>
+          <p:cNvPr id="106" name="Straight Arrow Connector 105"/>
+          <p:cNvCxnSpPr>
+            <a:stCxn id="99" idx="2"/>
+            <a:endCxn id="111" idx="0"/>
+          </p:cNvCxnSpPr>
+          <p:nvPr/>
+        </p:nvCxnSpPr>
+        <p:spPr>
+          <a:xfrm>
+            <a:off x="24307010" y="20195304"/>
+            <a:ext cx="178941" cy="558660"/>
+          </a:xfrm>
+          <a:prstGeom prst="straightConnector1">
+            <a:avLst/>
+          </a:prstGeom>
+          <a:ln w="19050">
+            <a:solidFill>
+              <a:schemeClr val="tx1"/>
+            </a:solidFill>
+            <a:tailEnd type="arrow"/>
+          </a:ln>
+          <a:effectLst/>
+        </p:spPr>
+        <p:style>
+          <a:lnRef idx="2">
+            <a:schemeClr val="accent1"/>
+          </a:lnRef>
+          <a:fillRef idx="0">
+            <a:schemeClr val="accent1"/>
+          </a:fillRef>
+          <a:effectRef idx="1">
+            <a:schemeClr val="accent1"/>
+          </a:effectRef>
+          <a:fontRef idx="minor">
+            <a:schemeClr val="tx1"/>
+          </a:fontRef>
+        </p:style>
+      </p:cxnSp>
+      <p:cxnSp>
+        <p:nvCxnSpPr>
+          <p:cNvPr id="107" name="Straight Arrow Connector 106"/>
+          <p:cNvCxnSpPr/>
+          <p:nvPr/>
+        </p:nvCxnSpPr>
+        <p:spPr>
+          <a:xfrm flipH="1">
+            <a:off x="24485951" y="21354177"/>
+            <a:ext cx="68239" cy="541194"/>
+          </a:xfrm>
+          <a:prstGeom prst="straightConnector1">
+            <a:avLst/>
+          </a:prstGeom>
+          <a:ln w="19050">
+            <a:solidFill>
+              <a:schemeClr val="tx1"/>
+            </a:solidFill>
+            <a:tailEnd type="arrow"/>
+          </a:ln>
+          <a:effectLst/>
+        </p:spPr>
+        <p:style>
+          <a:lnRef idx="2">
+            <a:schemeClr val="accent1"/>
+          </a:lnRef>
+          <a:fillRef idx="0">
+            <a:schemeClr val="accent1"/>
+          </a:fillRef>
+          <a:effectRef idx="1">
+            <a:schemeClr val="accent1"/>
+          </a:effectRef>
+          <a:fontRef idx="minor">
+            <a:schemeClr val="tx1"/>
+          </a:fontRef>
+        </p:style>
+      </p:cxnSp>
+      <p:cxnSp>
+        <p:nvCxnSpPr>
+          <p:cNvPr id="108" name="Straight Arrow Connector 107"/>
+          <p:cNvCxnSpPr/>
+          <p:nvPr/>
+        </p:nvCxnSpPr>
+        <p:spPr>
+          <a:xfrm>
+            <a:off x="23182590" y="21306343"/>
+            <a:ext cx="735597" cy="589028"/>
+          </a:xfrm>
+          <a:prstGeom prst="straightConnector1">
+            <a:avLst/>
+          </a:prstGeom>
+          <a:ln w="19050">
+            <a:solidFill>
+              <a:schemeClr val="tx1"/>
+            </a:solidFill>
+            <a:tailEnd type="arrow"/>
+          </a:ln>
+          <a:effectLst/>
+        </p:spPr>
+        <p:style>
+          <a:lnRef idx="2">
+            <a:schemeClr val="accent1"/>
+          </a:lnRef>
+          <a:fillRef idx="0">
+            <a:schemeClr val="accent1"/>
+          </a:fillRef>
+          <a:effectRef idx="1">
+            <a:schemeClr val="accent1"/>
+          </a:effectRef>
+          <a:fontRef idx="minor">
+            <a:schemeClr val="tx1"/>
+          </a:fontRef>
+        </p:style>
+      </p:cxnSp>
+      <p:cxnSp>
+        <p:nvCxnSpPr>
+          <p:cNvPr id="109" name="Straight Arrow Connector 108"/>
+          <p:cNvCxnSpPr/>
+          <p:nvPr/>
+        </p:nvCxnSpPr>
+        <p:spPr>
+          <a:xfrm>
+            <a:off x="23854723" y="21277870"/>
+            <a:ext cx="406034" cy="617501"/>
+          </a:xfrm>
+          <a:prstGeom prst="straightConnector1">
+            <a:avLst/>
+          </a:prstGeom>
+          <a:ln w="19050">
+            <a:solidFill>
+              <a:schemeClr val="tx1"/>
+            </a:solidFill>
+            <a:tailEnd type="arrow"/>
+          </a:ln>
+          <a:effectLst/>
+        </p:spPr>
+        <p:style>
+          <a:lnRef idx="2">
+            <a:schemeClr val="accent1"/>
+          </a:lnRef>
+          <a:fillRef idx="0">
+            <a:schemeClr val="accent1"/>
+          </a:fillRef>
+          <a:effectRef idx="1">
+            <a:schemeClr val="accent1"/>
+          </a:effectRef>
+          <a:fontRef idx="minor">
+            <a:schemeClr val="tx1"/>
+          </a:fontRef>
+        </p:style>
+      </p:cxnSp>
+      <p:pic>
+        <p:nvPicPr>
+          <p:cNvPr id="110" name="Picture 109"/>
+          <p:cNvPicPr>
+            <a:picLocks noChangeAspect="1"/>
+          </p:cNvPicPr>
+          <p:nvPr/>
+        </p:nvPicPr>
+        <p:blipFill>
+          <a:blip r:embed="rId12">
+            <a:extLst>
+              <a:ext uri="{28A0092B-C50C-407E-A947-70E740481C1C}">
+                <a14:useLocalDpi xmlns:a14="http://schemas.microsoft.com/office/drawing/2010/main" val="0"/>
+              </a:ext>
+            </a:extLst>
+          </a:blip>
+          <a:stretch>
+            <a:fillRect/>
+          </a:stretch>
+        </p:blipFill>
+        <p:spPr>
+          <a:xfrm>
+            <a:off x="23544475" y="20753964"/>
+            <a:ext cx="620496" cy="720576"/>
           </a:xfrm>
           <a:prstGeom prst="rect">
             <a:avLst/>
           </a:prstGeom>
         </p:spPr>
-        <p:txBody>
-          <a:bodyPr>
+      </p:pic>
+      <p:pic>
+        <p:nvPicPr>
+          <p:cNvPr id="111" name="Picture 110"/>
+          <p:cNvPicPr>
+            <a:picLocks noChangeAspect="1"/>
+          </p:cNvPicPr>
+          <p:nvPr/>
+        </p:nvPicPr>
+        <p:blipFill>
+          <a:blip r:embed="rId12">
+            <a:extLst>
+              <a:ext uri="{28A0092B-C50C-407E-A947-70E740481C1C}">
+                <a14:useLocalDpi xmlns:a14="http://schemas.microsoft.com/office/drawing/2010/main" val="0"/>
+              </a:ext>
+            </a:extLst>
+          </a:blip>
+          <a:stretch>
+            <a:fillRect/>
+          </a:stretch>
+        </p:blipFill>
+        <p:spPr>
+          <a:xfrm>
+            <a:off x="24175703" y="20753964"/>
+            <a:ext cx="620496" cy="720576"/>
+          </a:xfrm>
+          <a:prstGeom prst="rect">
+            <a:avLst/>
+          </a:prstGeom>
+        </p:spPr>
+      </p:pic>
+      <p:pic>
+        <p:nvPicPr>
+          <p:cNvPr id="112" name="Picture 111"/>
+          <p:cNvPicPr>
+            <a:picLocks noChangeAspect="1"/>
+          </p:cNvPicPr>
+          <p:nvPr/>
+        </p:nvPicPr>
+        <p:blipFill>
+          <a:blip r:embed="rId12">
+            <a:extLst>
+              <a:ext uri="{28A0092B-C50C-407E-A947-70E740481C1C}">
+                <a14:useLocalDpi xmlns:a14="http://schemas.microsoft.com/office/drawing/2010/main" val="0"/>
+              </a:ext>
+            </a:extLst>
+          </a:blip>
+          <a:stretch>
+            <a:fillRect/>
+          </a:stretch>
+        </p:blipFill>
+        <p:spPr>
+          <a:xfrm>
+            <a:off x="22935242" y="20753964"/>
+            <a:ext cx="620496" cy="720576"/>
+          </a:xfrm>
+          <a:prstGeom prst="rect">
+            <a:avLst/>
+          </a:prstGeom>
+        </p:spPr>
+      </p:pic>
+      <p:cxnSp>
+        <p:nvCxnSpPr>
+          <p:cNvPr id="113" name="Straight Arrow Connector 51"/>
+          <p:cNvCxnSpPr>
+            <a:stCxn id="102" idx="3"/>
+            <a:endCxn id="99" idx="3"/>
+          </p:cNvCxnSpPr>
+          <p:nvPr/>
+        </p:nvCxnSpPr>
+        <p:spPr>
+          <a:xfrm flipV="1">
+            <a:off x="25544556" y="19810693"/>
+            <a:ext cx="92504" cy="2566993"/>
+          </a:xfrm>
+          <a:prstGeom prst="bentConnector3">
+            <a:avLst>
+              <a:gd name="adj1" fmla="val 347124"/>
+            </a:avLst>
+          </a:prstGeom>
+          <a:ln w="19050">
+            <a:solidFill>
+              <a:schemeClr val="tx1"/>
+            </a:solidFill>
+            <a:tailEnd type="arrow"/>
+          </a:ln>
+          <a:effectLst/>
+        </p:spPr>
+        <p:style>
+          <a:lnRef idx="2">
+            <a:schemeClr val="accent1"/>
+          </a:lnRef>
+          <a:fillRef idx="0">
+            <a:schemeClr val="accent1"/>
+          </a:fillRef>
+          <a:effectRef idx="1">
+            <a:schemeClr val="accent1"/>
+          </a:effectRef>
+          <a:fontRef idx="minor">
+            <a:schemeClr val="tx1"/>
+          </a:fontRef>
+        </p:style>
+      </p:cxnSp>
+      <p:sp>
+        <p:nvSpPr>
+          <p:cNvPr id="136" name="Rectangle 135"/>
+          <p:cNvSpPr/>
+          <p:nvPr/>
+        </p:nvSpPr>
+        <p:spPr>
+          <a:xfrm>
+            <a:off x="22712210" y="17826715"/>
+            <a:ext cx="747422" cy="381663"/>
+          </a:xfrm>
+          <a:prstGeom prst="rect">
+            <a:avLst/>
+          </a:prstGeom>
+          <a:solidFill>
+            <a:srgbClr val="00B050"/>
+          </a:solidFill>
+          <a:effectLst/>
+        </p:spPr>
+        <p:style>
+          <a:lnRef idx="1">
+            <a:schemeClr val="accent1"/>
+          </a:lnRef>
+          <a:fillRef idx="3">
+            <a:schemeClr val="accent1"/>
+          </a:fillRef>
+          <a:effectRef idx="2">
+            <a:schemeClr val="accent1"/>
+          </a:effectRef>
+          <a:fontRef idx="minor">
+            <a:schemeClr val="lt1"/>
+          </a:fontRef>
+        </p:style>
+        <p:txBody>
+          <a:bodyPr rtlCol="0" anchor="ctr"/>
+          <a:lstStyle/>
+          <a:p>
+            <a:pPr algn="ctr"/>
+            <a:r>
+              <a:rPr lang="en-US" sz="2800" dirty="0" err="1" smtClean="0"/>
+              <a:t>Py</a:t>
+            </a:r>
+            <a:endParaRPr lang="en-US" sz="2800" dirty="0"/>
+          </a:p>
+        </p:txBody>
+      </p:sp>
+      <p:sp>
+        <p:nvSpPr>
+          <p:cNvPr id="137" name="Rectangle 136"/>
+          <p:cNvSpPr/>
+          <p:nvPr/>
+        </p:nvSpPr>
+        <p:spPr>
+          <a:xfrm>
+            <a:off x="22712210" y="18208378"/>
+            <a:ext cx="747422" cy="381663"/>
+          </a:xfrm>
+          <a:prstGeom prst="rect">
+            <a:avLst/>
+          </a:prstGeom>
+          <a:solidFill>
+            <a:schemeClr val="bg1"/>
+          </a:solidFill>
+          <a:ln>
+            <a:solidFill>
+              <a:schemeClr val="tx1"/>
+            </a:solidFill>
+          </a:ln>
+          <a:effectLst/>
+        </p:spPr>
+        <p:style>
+          <a:lnRef idx="1">
+            <a:schemeClr val="accent1"/>
+          </a:lnRef>
+          <a:fillRef idx="3">
+            <a:schemeClr val="accent1"/>
+          </a:fillRef>
+          <a:effectRef idx="2">
+            <a:schemeClr val="accent1"/>
+          </a:effectRef>
+          <a:fontRef idx="minor">
+            <a:schemeClr val="lt1"/>
+          </a:fontRef>
+        </p:style>
+        <p:txBody>
+          <a:bodyPr rtlCol="0" anchor="ctr"/>
+          <a:lstStyle/>
+          <a:p>
+            <a:pPr algn="ctr"/>
+            <a:r>
+              <a:rPr lang="en-US" sz="2800" dirty="0" smtClean="0">
+                <a:solidFill>
+                  <a:srgbClr val="002060"/>
+                </a:solidFill>
+              </a:rPr>
+              <a:t>C++</a:t>
+            </a:r>
+            <a:endParaRPr lang="en-US" sz="2800" dirty="0">
+              <a:solidFill>
+                <a:srgbClr val="002060"/>
+              </a:solidFill>
+            </a:endParaRPr>
+          </a:p>
+        </p:txBody>
+      </p:sp>
+      <p:sp>
+        <p:nvSpPr>
+          <p:cNvPr id="139" name="Oval 138"/>
+          <p:cNvSpPr/>
+          <p:nvPr/>
+        </p:nvSpPr>
+        <p:spPr>
+          <a:xfrm>
+            <a:off x="24948984" y="21019273"/>
+            <a:ext cx="103809" cy="99392"/>
+          </a:xfrm>
+          <a:prstGeom prst="ellipse">
+            <a:avLst/>
+          </a:prstGeom>
+          <a:solidFill>
+            <a:srgbClr val="000000"/>
+          </a:solidFill>
+          <a:ln>
+            <a:solidFill>
+              <a:schemeClr val="bg1"/>
+            </a:solidFill>
+          </a:ln>
+          <a:effectLst/>
+        </p:spPr>
+        <p:style>
+          <a:lnRef idx="1">
+            <a:schemeClr val="accent1"/>
+          </a:lnRef>
+          <a:fillRef idx="3">
+            <a:schemeClr val="accent1"/>
+          </a:fillRef>
+          <a:effectRef idx="2">
+            <a:schemeClr val="accent1"/>
+          </a:effectRef>
+          <a:fontRef idx="minor">
+            <a:schemeClr val="lt1"/>
+          </a:fontRef>
+        </p:style>
+        <p:txBody>
+          <a:bodyPr rot="0" spcFirstLastPara="0" vertOverflow="overflow" horzOverflow="overflow" vert="horz" wrap="square" lIns="91440" tIns="45720" rIns="91440" bIns="45720" numCol="1" spcCol="0" rtlCol="0" fromWordArt="0" anchor="ctr" anchorCtr="0" forceAA="0" compatLnSpc="1">
+            <a:prstTxWarp prst="textNoShape">
+              <a:avLst/>
+            </a:prstTxWarp>
             <a:noAutofit/>
           </a:bodyPr>
           <a:lstStyle/>
           <a:p>
-            <a:pPr marL="457200" indent="-457200">
-              <a:buFont typeface="Arial" pitchFamily="34" charset="0"/>
-              <a:buChar char="•"/>
-            </a:pPr>
-            <a:r>
-              <a:rPr lang="en-US" sz="3200" smtClean="0"/>
-              <a:t>The Asynchronous Dynamic Load Balancer (ADLB) was developed previously (Lusk, 2010)</a:t>
-            </a:r>
-            <a:endParaRPr lang="en-US" sz="3200"/>
+            <a:pPr algn="ctr"/>
+            <a:endParaRPr lang="en-US" baseline="-25000" dirty="0" smtClean="0"/>
+          </a:p>
+        </p:txBody>
+      </p:sp>
+      <p:sp>
+        <p:nvSpPr>
+          <p:cNvPr id="140" name="Oval 139"/>
+          <p:cNvSpPr/>
+          <p:nvPr/>
+        </p:nvSpPr>
+        <p:spPr>
+          <a:xfrm>
+            <a:off x="25145447" y="21017133"/>
+            <a:ext cx="103809" cy="99392"/>
+          </a:xfrm>
+          <a:prstGeom prst="ellipse">
+            <a:avLst/>
+          </a:prstGeom>
+          <a:solidFill>
+            <a:srgbClr val="000000"/>
+          </a:solidFill>
+          <a:ln>
+            <a:solidFill>
+              <a:schemeClr val="bg1"/>
+            </a:solidFill>
+          </a:ln>
+          <a:effectLst/>
+        </p:spPr>
+        <p:style>
+          <a:lnRef idx="1">
+            <a:schemeClr val="accent1"/>
+          </a:lnRef>
+          <a:fillRef idx="3">
+            <a:schemeClr val="accent1"/>
+          </a:fillRef>
+          <a:effectRef idx="2">
+            <a:schemeClr val="accent1"/>
+          </a:effectRef>
+          <a:fontRef idx="minor">
+            <a:schemeClr val="lt1"/>
+          </a:fontRef>
+        </p:style>
+        <p:txBody>
+          <a:bodyPr rot="0" spcFirstLastPara="0" vertOverflow="overflow" horzOverflow="overflow" vert="horz" wrap="square" lIns="91440" tIns="45720" rIns="91440" bIns="45720" numCol="1" spcCol="0" rtlCol="0" fromWordArt="0" anchor="ctr" anchorCtr="0" forceAA="0" compatLnSpc="1">
+            <a:prstTxWarp prst="textNoShape">
+              <a:avLst/>
+            </a:prstTxWarp>
+            <a:noAutofit/>
+          </a:bodyPr>
+          <a:lstStyle/>
+          <a:p>
+            <a:pPr algn="ctr"/>
+            <a:endParaRPr lang="en-US" baseline="-25000" dirty="0" smtClean="0"/>
+          </a:p>
+        </p:txBody>
+      </p:sp>
+      <p:sp>
+        <p:nvSpPr>
+          <p:cNvPr id="141" name="Oval 140"/>
+          <p:cNvSpPr/>
+          <p:nvPr/>
+        </p:nvSpPr>
+        <p:spPr>
+          <a:xfrm>
+            <a:off x="25345859" y="21017133"/>
+            <a:ext cx="103809" cy="99392"/>
+          </a:xfrm>
+          <a:prstGeom prst="ellipse">
+            <a:avLst/>
+          </a:prstGeom>
+          <a:solidFill>
+            <a:srgbClr val="000000"/>
+          </a:solidFill>
+          <a:ln>
+            <a:solidFill>
+              <a:schemeClr val="bg1"/>
+            </a:solidFill>
+          </a:ln>
+          <a:effectLst/>
+        </p:spPr>
+        <p:style>
+          <a:lnRef idx="1">
+            <a:schemeClr val="accent1"/>
+          </a:lnRef>
+          <a:fillRef idx="3">
+            <a:schemeClr val="accent1"/>
+          </a:fillRef>
+          <a:effectRef idx="2">
+            <a:schemeClr val="accent1"/>
+          </a:effectRef>
+          <a:fontRef idx="minor">
+            <a:schemeClr val="lt1"/>
+          </a:fontRef>
+        </p:style>
+        <p:txBody>
+          <a:bodyPr rot="0" spcFirstLastPara="0" vertOverflow="overflow" horzOverflow="overflow" vert="horz" wrap="square" lIns="91440" tIns="45720" rIns="91440" bIns="45720" numCol="1" spcCol="0" rtlCol="0" fromWordArt="0" anchor="ctr" anchorCtr="0" forceAA="0" compatLnSpc="1">
+            <a:prstTxWarp prst="textNoShape">
+              <a:avLst/>
+            </a:prstTxWarp>
+            <a:noAutofit/>
+          </a:bodyPr>
+          <a:lstStyle/>
+          <a:p>
+            <a:pPr algn="ctr"/>
+            <a:endParaRPr lang="en-US" baseline="-25000" dirty="0" smtClean="0"/>
           </a:p>
         </p:txBody>
       </p:sp>
